--- a/NPJ.pptx
+++ b/NPJ.pptx
@@ -11,20 +11,28 @@
     <p:sldId id="262" r:id="rId5"/>
     <p:sldId id="260" r:id="rId6"/>
     <p:sldId id="261" r:id="rId7"/>
-    <p:sldId id="263" r:id="rId8"/>
-    <p:sldId id="269" r:id="rId9"/>
-    <p:sldId id="265" r:id="rId10"/>
-    <p:sldId id="274" r:id="rId11"/>
+    <p:sldId id="279" r:id="rId8"/>
+    <p:sldId id="263" r:id="rId9"/>
+    <p:sldId id="269" r:id="rId10"/>
+    <p:sldId id="265" r:id="rId11"/>
     <p:sldId id="266" r:id="rId12"/>
     <p:sldId id="268" r:id="rId13"/>
-    <p:sldId id="270" r:id="rId14"/>
-    <p:sldId id="271" r:id="rId15"/>
-    <p:sldId id="272" r:id="rId16"/>
-    <p:sldId id="273" r:id="rId17"/>
-    <p:sldId id="275" r:id="rId18"/>
-    <p:sldId id="276" r:id="rId19"/>
-    <p:sldId id="277" r:id="rId20"/>
-    <p:sldId id="278" r:id="rId21"/>
+    <p:sldId id="271" r:id="rId14"/>
+    <p:sldId id="272" r:id="rId15"/>
+    <p:sldId id="273" r:id="rId16"/>
+    <p:sldId id="275" r:id="rId17"/>
+    <p:sldId id="277" r:id="rId18"/>
+    <p:sldId id="278" r:id="rId19"/>
+    <p:sldId id="280" r:id="rId20"/>
+    <p:sldId id="283" r:id="rId21"/>
+    <p:sldId id="284" r:id="rId22"/>
+    <p:sldId id="281" r:id="rId23"/>
+    <p:sldId id="282" r:id="rId24"/>
+    <p:sldId id="285" r:id="rId25"/>
+    <p:sldId id="286" r:id="rId26"/>
+    <p:sldId id="287" r:id="rId27"/>
+    <p:sldId id="288" r:id="rId28"/>
+    <p:sldId id="289" r:id="rId29"/>
   </p:sldIdLst>
   <p:sldSz cx="12192000" cy="6858000"/>
   <p:notesSz cx="6858000" cy="9144000"/>
@@ -134,23 +142,34 @@
             <p14:sldId id="262"/>
             <p14:sldId id="260"/>
             <p14:sldId id="261"/>
+            <p14:sldId id="279"/>
             <p14:sldId id="263"/>
             <p14:sldId id="269"/>
             <p14:sldId id="265"/>
-            <p14:sldId id="274"/>
             <p14:sldId id="266"/>
             <p14:sldId id="268"/>
-            <p14:sldId id="270"/>
             <p14:sldId id="271"/>
             <p14:sldId id="272"/>
             <p14:sldId id="273"/>
             <p14:sldId id="275"/>
-            <p14:sldId id="276"/>
             <p14:sldId id="277"/>
             <p14:sldId id="278"/>
+            <p14:sldId id="280"/>
+            <p14:sldId id="283"/>
+            <p14:sldId id="284"/>
+            <p14:sldId id="281"/>
+            <p14:sldId id="282"/>
+            <p14:sldId id="285"/>
+            <p14:sldId id="286"/>
+            <p14:sldId id="287"/>
+            <p14:sldId id="288"/>
+            <p14:sldId id="289"/>
           </p14:sldIdLst>
         </p14:section>
       </p14:sectionLst>
+    </p:ext>
+    <p:ext uri="{EFAFB233-063F-42B5-8137-9DF3F51BA10A}">
+      <p15:sldGuideLst xmlns:p15="http://schemas.microsoft.com/office/powerpoint/2012/main"/>
     </p:ext>
   </p:extLst>
 </p:presentation>
@@ -326,7 +345,7 @@
             <a:fld id="{87DE6118-2437-4B30-8E3C-4D2BE6020583}" type="datetimeFigureOut">
               <a:rPr lang="en-US" dirty="0"/>
               <a:pPr/>
-              <a:t>6/6/2019</a:t>
+              <a:t>6/14/2019</a:t>
             </a:fld>
             <a:endParaRPr lang="en-US" dirty="0"/>
           </a:p>
@@ -652,7 +671,7 @@
           <a:p>
             <a:fld id="{87DE6118-2437-4B30-8E3C-4D2BE6020583}" type="datetimeFigureOut">
               <a:rPr lang="en-US" dirty="0"/>
-              <a:t>6/6/2019</a:t>
+              <a:t>6/14/2019</a:t>
             </a:fld>
             <a:endParaRPr lang="en-US" dirty="0"/>
           </a:p>
@@ -827,7 +846,7 @@
           <a:p>
             <a:fld id="{87DE6118-2437-4B30-8E3C-4D2BE6020583}" type="datetimeFigureOut">
               <a:rPr lang="en-US" dirty="0"/>
-              <a:t>6/6/2019</a:t>
+              <a:t>6/14/2019</a:t>
             </a:fld>
             <a:endParaRPr lang="en-US" dirty="0"/>
           </a:p>
@@ -992,7 +1011,7 @@
           <a:p>
             <a:fld id="{87DE6118-2437-4B30-8E3C-4D2BE6020583}" type="datetimeFigureOut">
               <a:rPr lang="en-US" dirty="0"/>
-              <a:t>6/6/2019</a:t>
+              <a:t>6/14/2019</a:t>
             </a:fld>
             <a:endParaRPr lang="en-US" dirty="0"/>
           </a:p>
@@ -1265,7 +1284,7 @@
             <a:fld id="{87DE6118-2437-4B30-8E3C-4D2BE6020583}" type="datetimeFigureOut">
               <a:rPr lang="en-US" dirty="0"/>
               <a:pPr/>
-              <a:t>6/6/2019</a:t>
+              <a:t>6/14/2019</a:t>
             </a:fld>
             <a:endParaRPr lang="en-US" dirty="0"/>
           </a:p>
@@ -1655,7 +1674,7 @@
           <a:p>
             <a:fld id="{87DE6118-2437-4B30-8E3C-4D2BE6020583}" type="datetimeFigureOut">
               <a:rPr lang="en-US" dirty="0"/>
-              <a:t>6/6/2019</a:t>
+              <a:t>6/14/2019</a:t>
             </a:fld>
             <a:endParaRPr lang="en-US" dirty="0"/>
           </a:p>
@@ -2127,7 +2146,7 @@
           <a:p>
             <a:fld id="{87DE6118-2437-4B30-8E3C-4D2BE6020583}" type="datetimeFigureOut">
               <a:rPr lang="en-US" dirty="0"/>
-              <a:t>6/6/2019</a:t>
+              <a:t>6/14/2019</a:t>
             </a:fld>
             <a:endParaRPr lang="en-US" dirty="0"/>
           </a:p>
@@ -2240,7 +2259,7 @@
           <a:p>
             <a:fld id="{87DE6118-2437-4B30-8E3C-4D2BE6020583}" type="datetimeFigureOut">
               <a:rPr lang="en-US" dirty="0"/>
-              <a:t>6/6/2019</a:t>
+              <a:t>6/14/2019</a:t>
             </a:fld>
             <a:endParaRPr lang="en-US" dirty="0"/>
           </a:p>
@@ -2330,7 +2349,7 @@
           <a:p>
             <a:fld id="{87DE6118-2437-4B30-8E3C-4D2BE6020583}" type="datetimeFigureOut">
               <a:rPr lang="en-US" dirty="0"/>
-              <a:t>6/6/2019</a:t>
+              <a:t>6/14/2019</a:t>
             </a:fld>
             <a:endParaRPr lang="en-US" dirty="0"/>
           </a:p>
@@ -2672,7 +2691,7 @@
             <a:fld id="{87DE6118-2437-4B30-8E3C-4D2BE6020583}" type="datetimeFigureOut">
               <a:rPr lang="en-US" dirty="0"/>
               <a:pPr/>
-              <a:t>6/6/2019</a:t>
+              <a:t>6/14/2019</a:t>
             </a:fld>
             <a:endParaRPr lang="en-US" dirty="0"/>
           </a:p>
@@ -3057,7 +3076,7 @@
             <a:fld id="{87DE6118-2437-4B30-8E3C-4D2BE6020583}" type="datetimeFigureOut">
               <a:rPr lang="en-US" dirty="0"/>
               <a:pPr/>
-              <a:t>6/6/2019</a:t>
+              <a:t>6/14/2019</a:t>
             </a:fld>
             <a:endParaRPr lang="en-US" dirty="0"/>
           </a:p>
@@ -3332,7 +3351,7 @@
             <a:fld id="{87DE6118-2437-4B30-8E3C-4D2BE6020583}" type="datetimeFigureOut">
               <a:rPr lang="en-US" dirty="0"/>
               <a:pPr/>
-              <a:t>6/6/2019</a:t>
+              <a:t>6/14/2019</a:t>
             </a:fld>
             <a:endParaRPr lang="en-US" dirty="0"/>
           </a:p>
@@ -3906,8 +3925,8 @@
         </p:nvSpPr>
         <p:spPr>
           <a:xfrm>
-            <a:off x="2680163" y="4592384"/>
-            <a:ext cx="6831673" cy="1086237"/>
+            <a:off x="2680161" y="1971703"/>
+            <a:ext cx="6831673" cy="544554"/>
           </a:xfrm>
         </p:spPr>
         <p:txBody>
@@ -4039,72 +4058,16 @@
           </a:p>
         </p:txBody>
       </p:sp>
-      <p:pic>
-        <p:nvPicPr>
-          <p:cNvPr id="5" name="Imagem 4">
-            <a:extLst>
-              <a:ext uri="{FF2B5EF4-FFF2-40B4-BE49-F238E27FC236}">
-                <a16:creationId xmlns:a16="http://schemas.microsoft.com/office/drawing/2014/main" id="{3455AC28-89E4-431C-9889-43A32FEDD71F}"/>
-              </a:ext>
-            </a:extLst>
-          </p:cNvPr>
-          <p:cNvPicPr>
-            <a:picLocks noChangeAspect="1"/>
-          </p:cNvPicPr>
-          <p:nvPr/>
-        </p:nvPicPr>
-        <p:blipFill>
-          <a:blip r:embed="rId2"/>
-          <a:stretch>
-            <a:fillRect/>
-          </a:stretch>
-        </p:blipFill>
-        <p:spPr>
-          <a:xfrm>
-            <a:off x="4580159" y="3097694"/>
-            <a:ext cx="6246867" cy="3094225"/>
-          </a:xfrm>
-          <a:prstGeom prst="rect">
-            <a:avLst/>
-          </a:prstGeom>
-          <a:ln w="38100" cap="sq">
-            <a:solidFill>
-              <a:srgbClr val="000000"/>
-            </a:solidFill>
-            <a:prstDash val="solid"/>
-            <a:miter lim="800000"/>
-          </a:ln>
-          <a:effectLst>
-            <a:outerShdw blurRad="50800" dist="38100" dir="2700000" algn="tl" rotWithShape="0">
-              <a:srgbClr val="000000">
-                <a:alpha val="43000"/>
-              </a:srgbClr>
-            </a:outerShdw>
-          </a:effectLst>
-        </p:spPr>
-      </p:pic>
     </p:spTree>
     <p:extLst>
       <p:ext uri="{BB962C8B-B14F-4D97-AF65-F5344CB8AC3E}">
-        <p14:creationId xmlns:p14="http://schemas.microsoft.com/office/powerpoint/2010/main" val="3057483825"/>
+        <p14:creationId xmlns:p14="http://schemas.microsoft.com/office/powerpoint/2010/main" val="2543991114"/>
       </p:ext>
     </p:extLst>
   </p:cSld>
   <p:clrMapOvr>
     <a:masterClrMapping/>
   </p:clrMapOvr>
-  <mc:AlternateContent xmlns:mc="http://schemas.openxmlformats.org/markup-compatibility/2006">
-    <mc:Choice xmlns:p14="http://schemas.microsoft.com/office/powerpoint/2010/main" Requires="p14">
-      <p:transition spd="med" p14:dur="700">
-        <p:fade/>
-      </p:transition>
-    </mc:Choice>
-    <mc:Fallback>
-      <p:transition spd="med">
-        <p:fade/>
-      </p:transition>
-    </mc:Fallback>
-  </mc:AlternateContent>
 </p:sld>
 </file>
 
@@ -4306,13 +4269,13 @@
   <p:clrMapOvr>
     <a:masterClrMapping/>
   </p:clrMapOvr>
-  <mc:AlternateContent xmlns:mc="http://schemas.openxmlformats.org/markup-compatibility/2006">
-    <mc:Choice xmlns:p14="http://schemas.microsoft.com/office/powerpoint/2010/main" Requires="p14">
+  <mc:AlternateContent xmlns:mc="http://schemas.openxmlformats.org/markup-compatibility/2006" xmlns:p14="http://schemas.microsoft.com/office/powerpoint/2010/main">
+    <mc:Choice Requires="p14">
       <p:transition spd="med" p14:dur="700">
         <p:fade/>
       </p:transition>
     </mc:Choice>
-    <mc:Fallback>
+    <mc:Fallback xmlns="">
       <p:transition spd="med">
         <p:fade/>
       </p:transition>
@@ -4518,33 +4481,28 @@
       </p:sp>
       <p:pic>
         <p:nvPicPr>
-          <p:cNvPr id="4" name="Imagem 3">
+          <p:cNvPr id="5" name="Imagem 4">
             <a:extLst>
               <a:ext uri="{FF2B5EF4-FFF2-40B4-BE49-F238E27FC236}">
-                <a16:creationId xmlns:a16="http://schemas.microsoft.com/office/drawing/2014/main" id="{7FC0D7D8-1FAE-4328-97CD-E5FE02469C2E}"/>
+                <a16:creationId xmlns:a16="http://schemas.microsoft.com/office/drawing/2014/main" id="{7BEA8FC5-28E5-4C92-805C-EC0CBFB10DED}"/>
               </a:ext>
             </a:extLst>
           </p:cNvPr>
-          <p:cNvPicPr/>
+          <p:cNvPicPr>
+            <a:picLocks noChangeAspect="1"/>
+          </p:cNvPicPr>
           <p:nvPr/>
         </p:nvPicPr>
         <p:blipFill>
-          <a:blip r:embed="rId2">
-            <a:extLst>
-              <a:ext uri="{28A0092B-C50C-407E-A947-70E740481C1C}">
-                <a14:useLocalDpi xmlns:a14="http://schemas.microsoft.com/office/drawing/2010/main" val="0"/>
-              </a:ext>
-            </a:extLst>
-          </a:blip>
-          <a:srcRect/>
+          <a:blip r:embed="rId2"/>
           <a:stretch>
             <a:fillRect/>
           </a:stretch>
         </p:blipFill>
-        <p:spPr bwMode="auto">
-          <a:xfrm>
-            <a:off x="1989415" y="3020681"/>
-            <a:ext cx="8789635" cy="3313858"/>
+        <p:spPr>
+          <a:xfrm>
+            <a:off x="2567517" y="2992363"/>
+            <a:ext cx="7056966" cy="3387030"/>
           </a:xfrm>
           <a:prstGeom prst="rect">
             <a:avLst/>
@@ -4568,20 +4526,20 @@
     </p:spTree>
     <p:extLst>
       <p:ext uri="{BB962C8B-B14F-4D97-AF65-F5344CB8AC3E}">
-        <p14:creationId xmlns:p14="http://schemas.microsoft.com/office/powerpoint/2010/main" val="4235255218"/>
+        <p14:creationId xmlns:p14="http://schemas.microsoft.com/office/powerpoint/2010/main" val="4085612771"/>
       </p:ext>
     </p:extLst>
   </p:cSld>
   <p:clrMapOvr>
     <a:masterClrMapping/>
   </p:clrMapOvr>
-  <mc:AlternateContent xmlns:mc="http://schemas.openxmlformats.org/markup-compatibility/2006">
-    <mc:Choice xmlns:p14="http://schemas.microsoft.com/office/powerpoint/2010/main" Requires="p14">
+  <mc:AlternateContent xmlns:mc="http://schemas.openxmlformats.org/markup-compatibility/2006" xmlns:p14="http://schemas.microsoft.com/office/powerpoint/2010/main">
+    <mc:Choice Requires="p14">
       <p:transition spd="med" p14:dur="700">
         <p:fade/>
       </p:transition>
     </mc:Choice>
-    <mc:Fallback>
+    <mc:Fallback xmlns="">
       <p:transition spd="med">
         <p:fade/>
       </p:transition>
@@ -4683,10 +4641,10 @@
       </p:sp>
       <p:pic>
         <p:nvPicPr>
-          <p:cNvPr id="5" name="Imagem 4">
+          <p:cNvPr id="6" name="Imagem 5">
             <a:extLst>
               <a:ext uri="{FF2B5EF4-FFF2-40B4-BE49-F238E27FC236}">
-                <a16:creationId xmlns:a16="http://schemas.microsoft.com/office/drawing/2014/main" id="{7BEA8FC5-28E5-4C92-805C-EC0CBFB10DED}"/>
+                <a16:creationId xmlns:a16="http://schemas.microsoft.com/office/drawing/2014/main" id="{FA9184FE-B1EB-4ECA-91E5-2DB351C9F0E7}"/>
               </a:ext>
             </a:extLst>
           </p:cNvPr>
@@ -4703,8 +4661,8 @@
         </p:blipFill>
         <p:spPr>
           <a:xfrm>
-            <a:off x="2567517" y="2992363"/>
-            <a:ext cx="7056966" cy="3387030"/>
+            <a:off x="2140253" y="3266670"/>
+            <a:ext cx="8487960" cy="2905530"/>
           </a:xfrm>
           <a:prstGeom prst="rect">
             <a:avLst/>
@@ -4728,20 +4686,20 @@
     </p:spTree>
     <p:extLst>
       <p:ext uri="{BB962C8B-B14F-4D97-AF65-F5344CB8AC3E}">
-        <p14:creationId xmlns:p14="http://schemas.microsoft.com/office/powerpoint/2010/main" val="4085612771"/>
+        <p14:creationId xmlns:p14="http://schemas.microsoft.com/office/powerpoint/2010/main" val="2075795011"/>
       </p:ext>
     </p:extLst>
   </p:cSld>
   <p:clrMapOvr>
     <a:masterClrMapping/>
   </p:clrMapOvr>
-  <mc:AlternateContent xmlns:mc="http://schemas.openxmlformats.org/markup-compatibility/2006">
-    <mc:Choice xmlns:p14="http://schemas.microsoft.com/office/powerpoint/2010/main" Requires="p14">
+  <mc:AlternateContent xmlns:mc="http://schemas.openxmlformats.org/markup-compatibility/2006" xmlns:p14="http://schemas.microsoft.com/office/powerpoint/2010/main">
+    <mc:Choice Requires="p14">
       <p:transition spd="med" p14:dur="700">
         <p:fade/>
       </p:transition>
     </mc:Choice>
-    <mc:Fallback>
+    <mc:Fallback xmlns="">
       <p:transition spd="med">
         <p:fade/>
       </p:transition>
@@ -4843,10 +4801,10 @@
       </p:sp>
       <p:pic>
         <p:nvPicPr>
-          <p:cNvPr id="6" name="Imagem 5">
+          <p:cNvPr id="5" name="Imagem 4">
             <a:extLst>
               <a:ext uri="{FF2B5EF4-FFF2-40B4-BE49-F238E27FC236}">
-                <a16:creationId xmlns:a16="http://schemas.microsoft.com/office/drawing/2014/main" id="{FA9184FE-B1EB-4ECA-91E5-2DB351C9F0E7}"/>
+                <a16:creationId xmlns:a16="http://schemas.microsoft.com/office/drawing/2014/main" id="{C0CF31AE-B1F3-40EE-A065-D677BD15D5C5}"/>
               </a:ext>
             </a:extLst>
           </p:cNvPr>
@@ -4863,8 +4821,8 @@
         </p:blipFill>
         <p:spPr>
           <a:xfrm>
-            <a:off x="2140253" y="3266670"/>
-            <a:ext cx="8487960" cy="2905530"/>
+            <a:off x="2135490" y="3228564"/>
+            <a:ext cx="8497486" cy="2943636"/>
           </a:xfrm>
           <a:prstGeom prst="rect">
             <a:avLst/>
@@ -4888,20 +4846,20 @@
     </p:spTree>
     <p:extLst>
       <p:ext uri="{BB962C8B-B14F-4D97-AF65-F5344CB8AC3E}">
-        <p14:creationId xmlns:p14="http://schemas.microsoft.com/office/powerpoint/2010/main" val="2075795011"/>
+        <p14:creationId xmlns:p14="http://schemas.microsoft.com/office/powerpoint/2010/main" val="4279685359"/>
       </p:ext>
     </p:extLst>
   </p:cSld>
   <p:clrMapOvr>
     <a:masterClrMapping/>
   </p:clrMapOvr>
-  <mc:AlternateContent xmlns:mc="http://schemas.openxmlformats.org/markup-compatibility/2006">
-    <mc:Choice xmlns:p14="http://schemas.microsoft.com/office/powerpoint/2010/main" Requires="p14">
+  <mc:AlternateContent xmlns:mc="http://schemas.openxmlformats.org/markup-compatibility/2006" xmlns:p14="http://schemas.microsoft.com/office/powerpoint/2010/main">
+    <mc:Choice Requires="p14">
       <p:transition spd="med" p14:dur="700">
         <p:fade/>
       </p:transition>
     </mc:Choice>
-    <mc:Fallback>
+    <mc:Fallback xmlns="">
       <p:transition spd="med">
         <p:fade/>
       </p:transition>
@@ -4990,7 +4948,7 @@
           <a:p>
             <a:r>
               <a:rPr lang="pt-BR" sz="4000" dirty="0"/>
-              <a:t>Cadastro de usuário.</a:t>
+              <a:t>Cadastro de caso.</a:t>
             </a:r>
           </a:p>
           <a:p>
@@ -5001,72 +4959,16 @@
           </a:p>
         </p:txBody>
       </p:sp>
-      <p:pic>
-        <p:nvPicPr>
-          <p:cNvPr id="5" name="Imagem 4">
-            <a:extLst>
-              <a:ext uri="{FF2B5EF4-FFF2-40B4-BE49-F238E27FC236}">
-                <a16:creationId xmlns:a16="http://schemas.microsoft.com/office/drawing/2014/main" id="{C0CF31AE-B1F3-40EE-A065-D677BD15D5C5}"/>
-              </a:ext>
-            </a:extLst>
-          </p:cNvPr>
-          <p:cNvPicPr>
-            <a:picLocks noChangeAspect="1"/>
-          </p:cNvPicPr>
-          <p:nvPr/>
-        </p:nvPicPr>
-        <p:blipFill>
-          <a:blip r:embed="rId2"/>
-          <a:stretch>
-            <a:fillRect/>
-          </a:stretch>
-        </p:blipFill>
-        <p:spPr>
-          <a:xfrm>
-            <a:off x="2135490" y="3228564"/>
-            <a:ext cx="8497486" cy="2943636"/>
-          </a:xfrm>
-          <a:prstGeom prst="rect">
-            <a:avLst/>
-          </a:prstGeom>
-          <a:ln w="38100" cap="sq">
-            <a:solidFill>
-              <a:srgbClr val="000000"/>
-            </a:solidFill>
-            <a:prstDash val="solid"/>
-            <a:miter lim="800000"/>
-          </a:ln>
-          <a:effectLst>
-            <a:outerShdw blurRad="50800" dist="38100" dir="2700000" algn="tl" rotWithShape="0">
-              <a:srgbClr val="000000">
-                <a:alpha val="43000"/>
-              </a:srgbClr>
-            </a:outerShdw>
-          </a:effectLst>
-        </p:spPr>
-      </p:pic>
     </p:spTree>
     <p:extLst>
       <p:ext uri="{BB962C8B-B14F-4D97-AF65-F5344CB8AC3E}">
-        <p14:creationId xmlns:p14="http://schemas.microsoft.com/office/powerpoint/2010/main" val="4279685359"/>
+        <p14:creationId xmlns:p14="http://schemas.microsoft.com/office/powerpoint/2010/main" val="3207756600"/>
       </p:ext>
     </p:extLst>
   </p:cSld>
   <p:clrMapOvr>
     <a:masterClrMapping/>
   </p:clrMapOvr>
-  <mc:AlternateContent xmlns:mc="http://schemas.openxmlformats.org/markup-compatibility/2006">
-    <mc:Choice xmlns:p14="http://schemas.microsoft.com/office/powerpoint/2010/main" Requires="p14">
-      <p:transition spd="med" p14:dur="700">
-        <p:fade/>
-      </p:transition>
-    </mc:Choice>
-    <mc:Fallback>
-      <p:transition spd="med">
-        <p:fade/>
-      </p:transition>
-    </mc:Fallback>
-  </mc:AlternateContent>
 </p:sld>
 </file>
 
@@ -5161,16 +5063,72 @@
           </a:p>
         </p:txBody>
       </p:sp>
+      <p:pic>
+        <p:nvPicPr>
+          <p:cNvPr id="5" name="Imagem 4">
+            <a:extLst>
+              <a:ext uri="{FF2B5EF4-FFF2-40B4-BE49-F238E27FC236}">
+                <a16:creationId xmlns:a16="http://schemas.microsoft.com/office/drawing/2014/main" id="{1EB9D8B1-BA78-4B93-B87E-7D4C8BC6F3DA}"/>
+              </a:ext>
+            </a:extLst>
+          </p:cNvPr>
+          <p:cNvPicPr>
+            <a:picLocks noChangeAspect="1"/>
+          </p:cNvPicPr>
+          <p:nvPr/>
+        </p:nvPicPr>
+        <p:blipFill>
+          <a:blip r:embed="rId2"/>
+          <a:stretch>
+            <a:fillRect/>
+          </a:stretch>
+        </p:blipFill>
+        <p:spPr>
+          <a:xfrm>
+            <a:off x="5738191" y="2107485"/>
+            <a:ext cx="6288052" cy="4428761"/>
+          </a:xfrm>
+          <a:prstGeom prst="rect">
+            <a:avLst/>
+          </a:prstGeom>
+          <a:ln w="38100" cap="sq">
+            <a:solidFill>
+              <a:srgbClr val="000000"/>
+            </a:solidFill>
+            <a:prstDash val="solid"/>
+            <a:miter lim="800000"/>
+          </a:ln>
+          <a:effectLst>
+            <a:outerShdw blurRad="50800" dist="38100" dir="2700000" algn="tl" rotWithShape="0">
+              <a:srgbClr val="000000">
+                <a:alpha val="43000"/>
+              </a:srgbClr>
+            </a:outerShdw>
+          </a:effectLst>
+        </p:spPr>
+      </p:pic>
     </p:spTree>
     <p:extLst>
       <p:ext uri="{BB962C8B-B14F-4D97-AF65-F5344CB8AC3E}">
-        <p14:creationId xmlns:p14="http://schemas.microsoft.com/office/powerpoint/2010/main" val="3207756600"/>
+        <p14:creationId xmlns:p14="http://schemas.microsoft.com/office/powerpoint/2010/main" val="935554474"/>
       </p:ext>
     </p:extLst>
   </p:cSld>
   <p:clrMapOvr>
     <a:masterClrMapping/>
   </p:clrMapOvr>
+  <mc:AlternateContent xmlns:mc="http://schemas.openxmlformats.org/markup-compatibility/2006" xmlns:p14="http://schemas.microsoft.com/office/powerpoint/2010/main">
+    <mc:Choice Requires="p14">
+      <p:transition spd="med" p14:dur="700">
+        <p:fade/>
+      </p:transition>
+    </mc:Choice>
+    <mc:Fallback xmlns="">
+      <p:transition spd="med">
+        <p:fade/>
+      </p:transition>
+    </mc:Fallback>
+  </mc:AlternateContent>
 </p:sld>
 </file>
 
@@ -5209,7 +5167,7 @@
         </p:nvSpPr>
         <p:spPr>
           <a:xfrm>
-            <a:off x="1371599" y="685800"/>
+            <a:off x="1371600" y="685800"/>
             <a:ext cx="10025269" cy="758687"/>
           </a:xfrm>
         </p:spPr>
@@ -5270,30 +5228,25 @@
           <p:cNvPr id="6" name="Imagem 5">
             <a:extLst>
               <a:ext uri="{FF2B5EF4-FFF2-40B4-BE49-F238E27FC236}">
-                <a16:creationId xmlns:a16="http://schemas.microsoft.com/office/drawing/2014/main" id="{A1EDA87E-77E8-48E1-9870-6597C5AB9B4C}"/>
+                <a16:creationId xmlns:a16="http://schemas.microsoft.com/office/drawing/2014/main" id="{D3772A52-2A59-4BF1-AC60-C6AF18231DFE}"/>
               </a:ext>
             </a:extLst>
           </p:cNvPr>
-          <p:cNvPicPr/>
+          <p:cNvPicPr>
+            <a:picLocks noChangeAspect="1"/>
+          </p:cNvPicPr>
           <p:nvPr/>
         </p:nvPicPr>
         <p:blipFill>
-          <a:blip r:embed="rId2">
-            <a:extLst>
-              <a:ext uri="{28A0092B-C50C-407E-A947-70E740481C1C}">
-                <a14:useLocalDpi xmlns:a14="http://schemas.microsoft.com/office/drawing/2010/main" val="0"/>
-              </a:ext>
-            </a:extLst>
-          </a:blip>
-          <a:srcRect/>
+          <a:blip r:embed="rId2"/>
           <a:stretch>
             <a:fillRect/>
           </a:stretch>
         </p:blipFill>
-        <p:spPr bwMode="auto">
-          <a:xfrm>
-            <a:off x="1806463" y="3051313"/>
-            <a:ext cx="9155540" cy="3415748"/>
+        <p:spPr>
+          <a:xfrm>
+            <a:off x="5764695" y="2286000"/>
+            <a:ext cx="6228522" cy="4154865"/>
           </a:xfrm>
           <a:prstGeom prst="rect">
             <a:avLst/>
@@ -5317,20 +5270,20 @@
     </p:spTree>
     <p:extLst>
       <p:ext uri="{BB962C8B-B14F-4D97-AF65-F5344CB8AC3E}">
-        <p14:creationId xmlns:p14="http://schemas.microsoft.com/office/powerpoint/2010/main" val="1926157524"/>
+        <p14:creationId xmlns:p14="http://schemas.microsoft.com/office/powerpoint/2010/main" val="3857551804"/>
       </p:ext>
     </p:extLst>
   </p:cSld>
   <p:clrMapOvr>
     <a:masterClrMapping/>
   </p:clrMapOvr>
-  <mc:AlternateContent xmlns:mc="http://schemas.openxmlformats.org/markup-compatibility/2006">
-    <mc:Choice xmlns:p14="http://schemas.microsoft.com/office/powerpoint/2010/main" Requires="p14">
+  <mc:AlternateContent xmlns:mc="http://schemas.openxmlformats.org/markup-compatibility/2006" xmlns:p14="http://schemas.microsoft.com/office/powerpoint/2010/main">
+    <mc:Choice Requires="p14">
       <p:transition spd="med" p14:dur="700">
         <p:fade/>
       </p:transition>
     </mc:Choice>
-    <mc:Fallback>
+    <mc:Fallback xmlns="">
       <p:transition spd="med">
         <p:fade/>
       </p:transition>
@@ -5374,7 +5327,7 @@
         </p:nvSpPr>
         <p:spPr>
           <a:xfrm>
-            <a:off x="1371599" y="685800"/>
+            <a:off x="1371600" y="685800"/>
             <a:ext cx="10025269" cy="758687"/>
           </a:xfrm>
         </p:spPr>
@@ -5435,7 +5388,7 @@
           <p:cNvPr id="5" name="Imagem 4">
             <a:extLst>
               <a:ext uri="{FF2B5EF4-FFF2-40B4-BE49-F238E27FC236}">
-                <a16:creationId xmlns:a16="http://schemas.microsoft.com/office/drawing/2014/main" id="{1EB9D8B1-BA78-4B93-B87E-7D4C8BC6F3DA}"/>
+                <a16:creationId xmlns:a16="http://schemas.microsoft.com/office/drawing/2014/main" id="{9EDE96C1-3ED4-4E35-BA34-37A0F4FDE69F}"/>
               </a:ext>
             </a:extLst>
           </p:cNvPr>
@@ -5452,8 +5405,8 @@
         </p:blipFill>
         <p:spPr>
           <a:xfrm>
-            <a:off x="5738191" y="2107485"/>
-            <a:ext cx="6288052" cy="4428761"/>
+            <a:off x="1126434" y="3429000"/>
+            <a:ext cx="10515600" cy="2400300"/>
           </a:xfrm>
           <a:prstGeom prst="rect">
             <a:avLst/>
@@ -5477,20 +5430,20 @@
     </p:spTree>
     <p:extLst>
       <p:ext uri="{BB962C8B-B14F-4D97-AF65-F5344CB8AC3E}">
-        <p14:creationId xmlns:p14="http://schemas.microsoft.com/office/powerpoint/2010/main" val="935554474"/>
+        <p14:creationId xmlns:p14="http://schemas.microsoft.com/office/powerpoint/2010/main" val="1066425855"/>
       </p:ext>
     </p:extLst>
   </p:cSld>
   <p:clrMapOvr>
     <a:masterClrMapping/>
   </p:clrMapOvr>
-  <mc:AlternateContent xmlns:mc="http://schemas.openxmlformats.org/markup-compatibility/2006">
-    <mc:Choice xmlns:p14="http://schemas.microsoft.com/office/powerpoint/2010/main" Requires="p14">
+  <mc:AlternateContent xmlns:mc="http://schemas.openxmlformats.org/markup-compatibility/2006" xmlns:p14="http://schemas.microsoft.com/office/powerpoint/2010/main">
+    <mc:Choice Requires="p14">
       <p:transition spd="med" p14:dur="700">
         <p:fade/>
       </p:transition>
     </mc:Choice>
-    <mc:Fallback>
+    <mc:Fallback xmlns="">
       <p:transition spd="med">
         <p:fade/>
       </p:transition>
@@ -5690,7 +5643,7 @@
           <a:p>
             <a:r>
               <a:rPr lang="pt-BR" sz="4000" dirty="0"/>
-              <a:t>Cadastro de caso.</a:t>
+              <a:t>Processos.</a:t>
             </a:r>
           </a:p>
           <a:p>
@@ -5701,12 +5654,128 @@
           </a:p>
         </p:txBody>
       </p:sp>
+    </p:spTree>
+    <p:extLst>
+      <p:ext uri="{BB962C8B-B14F-4D97-AF65-F5344CB8AC3E}">
+        <p14:creationId xmlns:p14="http://schemas.microsoft.com/office/powerpoint/2010/main" val="1126218302"/>
+      </p:ext>
+    </p:extLst>
+  </p:cSld>
+  <p:clrMapOvr>
+    <a:masterClrMapping/>
+  </p:clrMapOvr>
+  <mc:AlternateContent xmlns:mc="http://schemas.openxmlformats.org/markup-compatibility/2006" xmlns:p14="http://schemas.microsoft.com/office/powerpoint/2010/main">
+    <mc:Choice Requires="p14">
+      <p:transition spd="med" p14:dur="700">
+        <p:fade/>
+      </p:transition>
+    </mc:Choice>
+    <mc:Fallback xmlns="">
+      <p:transition spd="med">
+        <p:fade/>
+      </p:transition>
+    </mc:Fallback>
+  </mc:AlternateContent>
+</p:sld>
+</file>
+
+<file path=ppt/slides/slide21.xml><?xml version="1.0" encoding="utf-8"?>
+<p:sld xmlns:a="http://schemas.openxmlformats.org/drawingml/2006/main" xmlns:r="http://schemas.openxmlformats.org/officeDocument/2006/relationships" xmlns:p="http://schemas.openxmlformats.org/presentationml/2006/main">
+  <p:cSld>
+    <p:spTree>
+      <p:nvGrpSpPr>
+        <p:cNvPr id="1" name=""/>
+        <p:cNvGrpSpPr/>
+        <p:nvPr/>
+      </p:nvGrpSpPr>
+      <p:grpSpPr>
+        <a:xfrm>
+          <a:off x="0" y="0"/>
+          <a:ext cx="0" cy="0"/>
+          <a:chOff x="0" y="0"/>
+          <a:chExt cx="0" cy="0"/>
+        </a:xfrm>
+      </p:grpSpPr>
+      <p:sp>
+        <p:nvSpPr>
+          <p:cNvPr id="2" name="Título 1">
+            <a:extLst>
+              <a:ext uri="{FF2B5EF4-FFF2-40B4-BE49-F238E27FC236}">
+                <a16:creationId xmlns:a16="http://schemas.microsoft.com/office/drawing/2014/main" id="{D737DEE5-B6B0-477E-ADA6-F6728C1C6263}"/>
+              </a:ext>
+            </a:extLst>
+          </p:cNvPr>
+          <p:cNvSpPr>
+            <a:spLocks noGrp="1"/>
+          </p:cNvSpPr>
+          <p:nvPr>
+            <p:ph type="title"/>
+          </p:nvPr>
+        </p:nvSpPr>
+        <p:spPr>
+          <a:xfrm>
+            <a:off x="1371600" y="685800"/>
+            <a:ext cx="10025269" cy="758687"/>
+          </a:xfrm>
+        </p:spPr>
+        <p:txBody>
+          <a:bodyPr/>
+          <a:lstStyle/>
+          <a:p>
+            <a:r>
+              <a:rPr lang="pt-BR" b="1" dirty="0"/>
+              <a:t>DESENVOLVIMENTO</a:t>
+            </a:r>
+          </a:p>
+        </p:txBody>
+      </p:sp>
+      <p:sp>
+        <p:nvSpPr>
+          <p:cNvPr id="3" name="Espaço Reservado para Conteúdo 2">
+            <a:extLst>
+              <a:ext uri="{FF2B5EF4-FFF2-40B4-BE49-F238E27FC236}">
+                <a16:creationId xmlns:a16="http://schemas.microsoft.com/office/drawing/2014/main" id="{D951B36D-1F6E-4DD9-8465-68F7EAD9AB3B}"/>
+              </a:ext>
+            </a:extLst>
+          </p:cNvPr>
+          <p:cNvSpPr>
+            <a:spLocks noGrp="1"/>
+          </p:cNvSpPr>
+          <p:nvPr>
+            <p:ph idx="1"/>
+          </p:nvPr>
+        </p:nvSpPr>
+        <p:spPr>
+          <a:xfrm>
+            <a:off x="1371600" y="2286000"/>
+            <a:ext cx="9455426" cy="3886200"/>
+          </a:xfrm>
+        </p:spPr>
+        <p:txBody>
+          <a:bodyPr>
+            <a:normAutofit/>
+          </a:bodyPr>
+          <a:lstStyle/>
+          <a:p>
+            <a:r>
+              <a:rPr lang="pt-BR" sz="4000" dirty="0"/>
+              <a:t>Processos.</a:t>
+            </a:r>
+          </a:p>
+          <a:p>
+            <a:pPr marL="0" indent="0">
+              <a:buNone/>
+            </a:pPr>
+            <a:endParaRPr lang="pt-BR" sz="4000" dirty="0"/>
+          </a:p>
+        </p:txBody>
+      </p:sp>
       <p:pic>
         <p:nvPicPr>
-          <p:cNvPr id="6" name="Imagem 5">
+          <p:cNvPr id="4" name="Imagem 3">
             <a:extLst>
               <a:ext uri="{FF2B5EF4-FFF2-40B4-BE49-F238E27FC236}">
-                <a16:creationId xmlns:a16="http://schemas.microsoft.com/office/drawing/2014/main" id="{D3772A52-2A59-4BF1-AC60-C6AF18231DFE}"/>
+                <a16:creationId xmlns:a16="http://schemas.microsoft.com/office/drawing/2014/main" id="{89929295-BB81-4D08-90C8-E798083FFBFA}"/>
               </a:ext>
             </a:extLst>
           </p:cNvPr>
@@ -5723,8 +5792,8 @@
         </p:blipFill>
         <p:spPr>
           <a:xfrm>
-            <a:off x="5764695" y="2286000"/>
-            <a:ext cx="6228522" cy="4154865"/>
+            <a:off x="1211538" y="3190875"/>
+            <a:ext cx="10696575" cy="2981325"/>
           </a:xfrm>
           <a:prstGeom prst="rect">
             <a:avLst/>
@@ -5748,20 +5817,1267 @@
     </p:spTree>
     <p:extLst>
       <p:ext uri="{BB962C8B-B14F-4D97-AF65-F5344CB8AC3E}">
-        <p14:creationId xmlns:p14="http://schemas.microsoft.com/office/powerpoint/2010/main" val="3857551804"/>
+        <p14:creationId xmlns:p14="http://schemas.microsoft.com/office/powerpoint/2010/main" val="3120762844"/>
       </p:ext>
     </p:extLst>
   </p:cSld>
   <p:clrMapOvr>
     <a:masterClrMapping/>
   </p:clrMapOvr>
-  <mc:AlternateContent xmlns:mc="http://schemas.openxmlformats.org/markup-compatibility/2006">
-    <mc:Choice xmlns:p14="http://schemas.microsoft.com/office/powerpoint/2010/main" Requires="p14">
+  <mc:AlternateContent xmlns:mc="http://schemas.openxmlformats.org/markup-compatibility/2006" xmlns:p14="http://schemas.microsoft.com/office/powerpoint/2010/main">
+    <mc:Choice Requires="p14">
       <p:transition spd="med" p14:dur="700">
         <p:fade/>
       </p:transition>
     </mc:Choice>
-    <mc:Fallback>
+    <mc:Fallback xmlns="">
+      <p:transition spd="med">
+        <p:fade/>
+      </p:transition>
+    </mc:Fallback>
+  </mc:AlternateContent>
+</p:sld>
+</file>
+
+<file path=ppt/slides/slide22.xml><?xml version="1.0" encoding="utf-8"?>
+<p:sld xmlns:a="http://schemas.openxmlformats.org/drawingml/2006/main" xmlns:r="http://schemas.openxmlformats.org/officeDocument/2006/relationships" xmlns:p="http://schemas.openxmlformats.org/presentationml/2006/main">
+  <p:cSld>
+    <p:spTree>
+      <p:nvGrpSpPr>
+        <p:cNvPr id="1" name=""/>
+        <p:cNvGrpSpPr/>
+        <p:nvPr/>
+      </p:nvGrpSpPr>
+      <p:grpSpPr>
+        <a:xfrm>
+          <a:off x="0" y="0"/>
+          <a:ext cx="0" cy="0"/>
+          <a:chOff x="0" y="0"/>
+          <a:chExt cx="0" cy="0"/>
+        </a:xfrm>
+      </p:grpSpPr>
+      <p:sp>
+        <p:nvSpPr>
+          <p:cNvPr id="2" name="Título 1">
+            <a:extLst>
+              <a:ext uri="{FF2B5EF4-FFF2-40B4-BE49-F238E27FC236}">
+                <a16:creationId xmlns:a16="http://schemas.microsoft.com/office/drawing/2014/main" id="{D737DEE5-B6B0-477E-ADA6-F6728C1C6263}"/>
+              </a:ext>
+            </a:extLst>
+          </p:cNvPr>
+          <p:cNvSpPr>
+            <a:spLocks noGrp="1"/>
+          </p:cNvSpPr>
+          <p:nvPr>
+            <p:ph type="title"/>
+          </p:nvPr>
+        </p:nvSpPr>
+        <p:spPr>
+          <a:xfrm>
+            <a:off x="1371600" y="685800"/>
+            <a:ext cx="10025269" cy="758687"/>
+          </a:xfrm>
+        </p:spPr>
+        <p:txBody>
+          <a:bodyPr/>
+          <a:lstStyle/>
+          <a:p>
+            <a:r>
+              <a:rPr lang="pt-BR" b="1" dirty="0"/>
+              <a:t>DESENVOLVIMENTO</a:t>
+            </a:r>
+          </a:p>
+        </p:txBody>
+      </p:sp>
+      <p:sp>
+        <p:nvSpPr>
+          <p:cNvPr id="3" name="Espaço Reservado para Conteúdo 2">
+            <a:extLst>
+              <a:ext uri="{FF2B5EF4-FFF2-40B4-BE49-F238E27FC236}">
+                <a16:creationId xmlns:a16="http://schemas.microsoft.com/office/drawing/2014/main" id="{D951B36D-1F6E-4DD9-8465-68F7EAD9AB3B}"/>
+              </a:ext>
+            </a:extLst>
+          </p:cNvPr>
+          <p:cNvSpPr>
+            <a:spLocks noGrp="1"/>
+          </p:cNvSpPr>
+          <p:nvPr>
+            <p:ph idx="1"/>
+          </p:nvPr>
+        </p:nvSpPr>
+        <p:spPr>
+          <a:xfrm>
+            <a:off x="1371600" y="2286000"/>
+            <a:ext cx="9455426" cy="3886200"/>
+          </a:xfrm>
+        </p:spPr>
+        <p:txBody>
+          <a:bodyPr>
+            <a:normAutofit/>
+          </a:bodyPr>
+          <a:lstStyle/>
+          <a:p>
+            <a:r>
+              <a:rPr lang="pt-BR" sz="4000" dirty="0"/>
+              <a:t>Filtros e </a:t>
+            </a:r>
+          </a:p>
+          <a:p>
+            <a:pPr marL="0" indent="0">
+              <a:buNone/>
+            </a:pPr>
+            <a:r>
+              <a:rPr lang="pt-BR" sz="4000" dirty="0"/>
+              <a:t>relatórios.</a:t>
+            </a:r>
+          </a:p>
+          <a:p>
+            <a:pPr marL="0" indent="0">
+              <a:buNone/>
+            </a:pPr>
+            <a:endParaRPr lang="pt-BR" sz="4000" dirty="0"/>
+          </a:p>
+        </p:txBody>
+      </p:sp>
+    </p:spTree>
+    <p:extLst>
+      <p:ext uri="{BB962C8B-B14F-4D97-AF65-F5344CB8AC3E}">
+        <p14:creationId xmlns:p14="http://schemas.microsoft.com/office/powerpoint/2010/main" val="1452351030"/>
+      </p:ext>
+    </p:extLst>
+  </p:cSld>
+  <p:clrMapOvr>
+    <a:masterClrMapping/>
+  </p:clrMapOvr>
+</p:sld>
+</file>
+
+<file path=ppt/slides/slide23.xml><?xml version="1.0" encoding="utf-8"?>
+<p:sld xmlns:a="http://schemas.openxmlformats.org/drawingml/2006/main" xmlns:r="http://schemas.openxmlformats.org/officeDocument/2006/relationships" xmlns:p="http://schemas.openxmlformats.org/presentationml/2006/main">
+  <p:cSld>
+    <p:spTree>
+      <p:nvGrpSpPr>
+        <p:cNvPr id="1" name=""/>
+        <p:cNvGrpSpPr/>
+        <p:nvPr/>
+      </p:nvGrpSpPr>
+      <p:grpSpPr>
+        <a:xfrm>
+          <a:off x="0" y="0"/>
+          <a:ext cx="0" cy="0"/>
+          <a:chOff x="0" y="0"/>
+          <a:chExt cx="0" cy="0"/>
+        </a:xfrm>
+      </p:grpSpPr>
+      <p:sp>
+        <p:nvSpPr>
+          <p:cNvPr id="2" name="Título 1">
+            <a:extLst>
+              <a:ext uri="{FF2B5EF4-FFF2-40B4-BE49-F238E27FC236}">
+                <a16:creationId xmlns:a16="http://schemas.microsoft.com/office/drawing/2014/main" id="{D737DEE5-B6B0-477E-ADA6-F6728C1C6263}"/>
+              </a:ext>
+            </a:extLst>
+          </p:cNvPr>
+          <p:cNvSpPr>
+            <a:spLocks noGrp="1"/>
+          </p:cNvSpPr>
+          <p:nvPr>
+            <p:ph type="title"/>
+          </p:nvPr>
+        </p:nvSpPr>
+        <p:spPr>
+          <a:xfrm>
+            <a:off x="1371600" y="685800"/>
+            <a:ext cx="10025269" cy="758687"/>
+          </a:xfrm>
+        </p:spPr>
+        <p:txBody>
+          <a:bodyPr/>
+          <a:lstStyle/>
+          <a:p>
+            <a:r>
+              <a:rPr lang="pt-BR" b="1" dirty="0"/>
+              <a:t>DESENVOLVIMENTO</a:t>
+            </a:r>
+          </a:p>
+        </p:txBody>
+      </p:sp>
+      <p:sp>
+        <p:nvSpPr>
+          <p:cNvPr id="3" name="Espaço Reservado para Conteúdo 2">
+            <a:extLst>
+              <a:ext uri="{FF2B5EF4-FFF2-40B4-BE49-F238E27FC236}">
+                <a16:creationId xmlns:a16="http://schemas.microsoft.com/office/drawing/2014/main" id="{D951B36D-1F6E-4DD9-8465-68F7EAD9AB3B}"/>
+              </a:ext>
+            </a:extLst>
+          </p:cNvPr>
+          <p:cNvSpPr>
+            <a:spLocks noGrp="1"/>
+          </p:cNvSpPr>
+          <p:nvPr>
+            <p:ph idx="1"/>
+          </p:nvPr>
+        </p:nvSpPr>
+        <p:spPr>
+          <a:xfrm>
+            <a:off x="1371600" y="2286000"/>
+            <a:ext cx="9455426" cy="3886200"/>
+          </a:xfrm>
+        </p:spPr>
+        <p:txBody>
+          <a:bodyPr>
+            <a:normAutofit/>
+          </a:bodyPr>
+          <a:lstStyle/>
+          <a:p>
+            <a:r>
+              <a:rPr lang="pt-BR" sz="4000" dirty="0"/>
+              <a:t>Filtros e </a:t>
+            </a:r>
+          </a:p>
+          <a:p>
+            <a:pPr marL="0" indent="0">
+              <a:buNone/>
+            </a:pPr>
+            <a:r>
+              <a:rPr lang="pt-BR" sz="4000" dirty="0"/>
+              <a:t>relatórios.</a:t>
+            </a:r>
+          </a:p>
+          <a:p>
+            <a:pPr marL="0" indent="0">
+              <a:buNone/>
+            </a:pPr>
+            <a:endParaRPr lang="pt-BR" sz="4000" dirty="0"/>
+          </a:p>
+        </p:txBody>
+      </p:sp>
+      <p:pic>
+        <p:nvPicPr>
+          <p:cNvPr id="5" name="Imagem 4">
+            <a:extLst>
+              <a:ext uri="{FF2B5EF4-FFF2-40B4-BE49-F238E27FC236}">
+                <a16:creationId xmlns:a16="http://schemas.microsoft.com/office/drawing/2014/main" id="{B185E586-9F5B-46B3-BC65-6F8434C7DA6A}"/>
+              </a:ext>
+            </a:extLst>
+          </p:cNvPr>
+          <p:cNvPicPr>
+            <a:picLocks noChangeAspect="1"/>
+          </p:cNvPicPr>
+          <p:nvPr/>
+        </p:nvPicPr>
+        <p:blipFill>
+          <a:blip r:embed="rId2"/>
+          <a:stretch>
+            <a:fillRect/>
+          </a:stretch>
+        </p:blipFill>
+        <p:spPr>
+          <a:xfrm>
+            <a:off x="5802795" y="3160643"/>
+            <a:ext cx="6056732" cy="3478696"/>
+          </a:xfrm>
+          <a:prstGeom prst="rect">
+            <a:avLst/>
+          </a:prstGeom>
+          <a:ln w="38100" cap="sq">
+            <a:solidFill>
+              <a:srgbClr val="000000"/>
+            </a:solidFill>
+            <a:prstDash val="solid"/>
+            <a:miter lim="800000"/>
+          </a:ln>
+          <a:effectLst>
+            <a:outerShdw blurRad="50800" dist="38100" dir="2700000" algn="tl" rotWithShape="0">
+              <a:srgbClr val="000000">
+                <a:alpha val="43000"/>
+              </a:srgbClr>
+            </a:outerShdw>
+          </a:effectLst>
+        </p:spPr>
+      </p:pic>
+      <p:pic>
+        <p:nvPicPr>
+          <p:cNvPr id="6" name="Imagem 5">
+            <a:extLst>
+              <a:ext uri="{FF2B5EF4-FFF2-40B4-BE49-F238E27FC236}">
+                <a16:creationId xmlns:a16="http://schemas.microsoft.com/office/drawing/2014/main" id="{2DD9CFF2-DA49-4EA5-8C2E-6DADE0FF132E}"/>
+              </a:ext>
+            </a:extLst>
+          </p:cNvPr>
+          <p:cNvPicPr>
+            <a:picLocks noChangeAspect="1"/>
+          </p:cNvPicPr>
+          <p:nvPr/>
+        </p:nvPicPr>
+        <p:blipFill>
+          <a:blip r:embed="rId3"/>
+          <a:stretch>
+            <a:fillRect/>
+          </a:stretch>
+        </p:blipFill>
+        <p:spPr>
+          <a:xfrm>
+            <a:off x="1155617" y="3826772"/>
+            <a:ext cx="4431195" cy="2812567"/>
+          </a:xfrm>
+          <a:prstGeom prst="rect">
+            <a:avLst/>
+          </a:prstGeom>
+          <a:ln w="38100" cap="sq">
+            <a:solidFill>
+              <a:srgbClr val="000000"/>
+            </a:solidFill>
+            <a:prstDash val="solid"/>
+            <a:miter lim="800000"/>
+          </a:ln>
+          <a:effectLst>
+            <a:outerShdw blurRad="50800" dist="38100" dir="2700000" algn="tl" rotWithShape="0">
+              <a:srgbClr val="000000">
+                <a:alpha val="43000"/>
+              </a:srgbClr>
+            </a:outerShdw>
+          </a:effectLst>
+        </p:spPr>
+      </p:pic>
+    </p:spTree>
+    <p:extLst>
+      <p:ext uri="{BB962C8B-B14F-4D97-AF65-F5344CB8AC3E}">
+        <p14:creationId xmlns:p14="http://schemas.microsoft.com/office/powerpoint/2010/main" val="3794474493"/>
+      </p:ext>
+    </p:extLst>
+  </p:cSld>
+  <p:clrMapOvr>
+    <a:masterClrMapping/>
+  </p:clrMapOvr>
+  <mc:AlternateContent xmlns:mc="http://schemas.openxmlformats.org/markup-compatibility/2006" xmlns:p14="http://schemas.microsoft.com/office/powerpoint/2010/main">
+    <mc:Choice Requires="p14">
+      <p:transition spd="med" p14:dur="700">
+        <p:fade/>
+      </p:transition>
+    </mc:Choice>
+    <mc:Fallback xmlns="">
+      <p:transition spd="med">
+        <p:fade/>
+      </p:transition>
+    </mc:Fallback>
+  </mc:AlternateContent>
+</p:sld>
+</file>
+
+<file path=ppt/slides/slide24.xml><?xml version="1.0" encoding="utf-8"?>
+<p:sld xmlns:a="http://schemas.openxmlformats.org/drawingml/2006/main" xmlns:r="http://schemas.openxmlformats.org/officeDocument/2006/relationships" xmlns:p="http://schemas.openxmlformats.org/presentationml/2006/main">
+  <p:cSld>
+    <p:spTree>
+      <p:nvGrpSpPr>
+        <p:cNvPr id="1" name=""/>
+        <p:cNvGrpSpPr/>
+        <p:nvPr/>
+      </p:nvGrpSpPr>
+      <p:grpSpPr>
+        <a:xfrm>
+          <a:off x="0" y="0"/>
+          <a:ext cx="0" cy="0"/>
+          <a:chOff x="0" y="0"/>
+          <a:chExt cx="0" cy="0"/>
+        </a:xfrm>
+      </p:grpSpPr>
+      <p:sp>
+        <p:nvSpPr>
+          <p:cNvPr id="2" name="Título 1">
+            <a:extLst>
+              <a:ext uri="{FF2B5EF4-FFF2-40B4-BE49-F238E27FC236}">
+                <a16:creationId xmlns:a16="http://schemas.microsoft.com/office/drawing/2014/main" id="{D737DEE5-B6B0-477E-ADA6-F6728C1C6263}"/>
+              </a:ext>
+            </a:extLst>
+          </p:cNvPr>
+          <p:cNvSpPr>
+            <a:spLocks noGrp="1"/>
+          </p:cNvSpPr>
+          <p:nvPr>
+            <p:ph type="title"/>
+          </p:nvPr>
+        </p:nvSpPr>
+        <p:spPr>
+          <a:xfrm>
+            <a:off x="1371600" y="685800"/>
+            <a:ext cx="10025269" cy="758687"/>
+          </a:xfrm>
+        </p:spPr>
+        <p:txBody>
+          <a:bodyPr/>
+          <a:lstStyle/>
+          <a:p>
+            <a:r>
+              <a:rPr lang="pt-BR" b="1" dirty="0"/>
+              <a:t>DESENVOLVIMENTO</a:t>
+            </a:r>
+          </a:p>
+        </p:txBody>
+      </p:sp>
+      <p:sp>
+        <p:nvSpPr>
+          <p:cNvPr id="3" name="Espaço Reservado para Conteúdo 2">
+            <a:extLst>
+              <a:ext uri="{FF2B5EF4-FFF2-40B4-BE49-F238E27FC236}">
+                <a16:creationId xmlns:a16="http://schemas.microsoft.com/office/drawing/2014/main" id="{D951B36D-1F6E-4DD9-8465-68F7EAD9AB3B}"/>
+              </a:ext>
+            </a:extLst>
+          </p:cNvPr>
+          <p:cNvSpPr>
+            <a:spLocks noGrp="1"/>
+          </p:cNvSpPr>
+          <p:nvPr>
+            <p:ph idx="1"/>
+          </p:nvPr>
+        </p:nvSpPr>
+        <p:spPr>
+          <a:xfrm>
+            <a:off x="1371600" y="2286000"/>
+            <a:ext cx="9455426" cy="3886200"/>
+          </a:xfrm>
+        </p:spPr>
+        <p:txBody>
+          <a:bodyPr>
+            <a:normAutofit/>
+          </a:bodyPr>
+          <a:lstStyle/>
+          <a:p>
+            <a:r>
+              <a:rPr lang="pt-BR" sz="4000" dirty="0"/>
+              <a:t>Filtros e </a:t>
+            </a:r>
+          </a:p>
+          <a:p>
+            <a:pPr marL="0" indent="0">
+              <a:buNone/>
+            </a:pPr>
+            <a:r>
+              <a:rPr lang="pt-BR" sz="4000" dirty="0"/>
+              <a:t>relatórios.</a:t>
+            </a:r>
+          </a:p>
+          <a:p>
+            <a:pPr marL="0" indent="0">
+              <a:buNone/>
+            </a:pPr>
+            <a:endParaRPr lang="pt-BR" sz="4000" dirty="0"/>
+          </a:p>
+        </p:txBody>
+      </p:sp>
+      <p:pic>
+        <p:nvPicPr>
+          <p:cNvPr id="4" name="Imagem 3">
+            <a:extLst>
+              <a:ext uri="{FF2B5EF4-FFF2-40B4-BE49-F238E27FC236}">
+                <a16:creationId xmlns:a16="http://schemas.microsoft.com/office/drawing/2014/main" id="{6F39680C-57FE-4B36-B850-9605592B7CC9}"/>
+              </a:ext>
+            </a:extLst>
+          </p:cNvPr>
+          <p:cNvPicPr>
+            <a:picLocks noChangeAspect="1"/>
+          </p:cNvPicPr>
+          <p:nvPr/>
+        </p:nvPicPr>
+        <p:blipFill>
+          <a:blip r:embed="rId2"/>
+          <a:stretch>
+            <a:fillRect/>
+          </a:stretch>
+        </p:blipFill>
+        <p:spPr>
+          <a:xfrm>
+            <a:off x="4102791" y="2178177"/>
+            <a:ext cx="7771158" cy="4101845"/>
+          </a:xfrm>
+          <a:prstGeom prst="rect">
+            <a:avLst/>
+          </a:prstGeom>
+          <a:ln w="38100" cap="sq">
+            <a:solidFill>
+              <a:srgbClr val="000000"/>
+            </a:solidFill>
+            <a:prstDash val="solid"/>
+            <a:miter lim="800000"/>
+          </a:ln>
+          <a:effectLst>
+            <a:outerShdw blurRad="50800" dist="38100" dir="2700000" algn="tl" rotWithShape="0">
+              <a:srgbClr val="000000">
+                <a:alpha val="43000"/>
+              </a:srgbClr>
+            </a:outerShdw>
+          </a:effectLst>
+        </p:spPr>
+      </p:pic>
+    </p:spTree>
+    <p:extLst>
+      <p:ext uri="{BB962C8B-B14F-4D97-AF65-F5344CB8AC3E}">
+        <p14:creationId xmlns:p14="http://schemas.microsoft.com/office/powerpoint/2010/main" val="3549461156"/>
+      </p:ext>
+    </p:extLst>
+  </p:cSld>
+  <p:clrMapOvr>
+    <a:masterClrMapping/>
+  </p:clrMapOvr>
+  <mc:AlternateContent xmlns:mc="http://schemas.openxmlformats.org/markup-compatibility/2006" xmlns:p14="http://schemas.microsoft.com/office/powerpoint/2010/main">
+    <mc:Choice Requires="p14">
+      <p:transition spd="med" p14:dur="700">
+        <p:fade/>
+      </p:transition>
+    </mc:Choice>
+    <mc:Fallback xmlns="">
+      <p:transition spd="med">
+        <p:fade/>
+      </p:transition>
+    </mc:Fallback>
+  </mc:AlternateContent>
+</p:sld>
+</file>
+
+<file path=ppt/slides/slide25.xml><?xml version="1.0" encoding="utf-8"?>
+<p:sld xmlns:a="http://schemas.openxmlformats.org/drawingml/2006/main" xmlns:r="http://schemas.openxmlformats.org/officeDocument/2006/relationships" xmlns:p="http://schemas.openxmlformats.org/presentationml/2006/main">
+  <p:cSld>
+    <p:spTree>
+      <p:nvGrpSpPr>
+        <p:cNvPr id="1" name=""/>
+        <p:cNvGrpSpPr/>
+        <p:nvPr/>
+      </p:nvGrpSpPr>
+      <p:grpSpPr>
+        <a:xfrm>
+          <a:off x="0" y="0"/>
+          <a:ext cx="0" cy="0"/>
+          <a:chOff x="0" y="0"/>
+          <a:chExt cx="0" cy="0"/>
+        </a:xfrm>
+      </p:grpSpPr>
+      <p:sp>
+        <p:nvSpPr>
+          <p:cNvPr id="2" name="Título 1">
+            <a:extLst>
+              <a:ext uri="{FF2B5EF4-FFF2-40B4-BE49-F238E27FC236}">
+                <a16:creationId xmlns:a16="http://schemas.microsoft.com/office/drawing/2014/main" id="{D737DEE5-B6B0-477E-ADA6-F6728C1C6263}"/>
+              </a:ext>
+            </a:extLst>
+          </p:cNvPr>
+          <p:cNvSpPr>
+            <a:spLocks noGrp="1"/>
+          </p:cNvSpPr>
+          <p:nvPr>
+            <p:ph type="title"/>
+          </p:nvPr>
+        </p:nvSpPr>
+        <p:spPr>
+          <a:xfrm>
+            <a:off x="1371600" y="685800"/>
+            <a:ext cx="10025269" cy="758687"/>
+          </a:xfrm>
+        </p:spPr>
+        <p:txBody>
+          <a:bodyPr/>
+          <a:lstStyle/>
+          <a:p>
+            <a:r>
+              <a:rPr lang="pt-BR" b="1" dirty="0"/>
+              <a:t>CONCLUSÃO</a:t>
+            </a:r>
+          </a:p>
+        </p:txBody>
+      </p:sp>
+      <p:sp>
+        <p:nvSpPr>
+          <p:cNvPr id="3" name="Espaço Reservado para Conteúdo 2">
+            <a:extLst>
+              <a:ext uri="{FF2B5EF4-FFF2-40B4-BE49-F238E27FC236}">
+                <a16:creationId xmlns:a16="http://schemas.microsoft.com/office/drawing/2014/main" id="{D951B36D-1F6E-4DD9-8465-68F7EAD9AB3B}"/>
+              </a:ext>
+            </a:extLst>
+          </p:cNvPr>
+          <p:cNvSpPr>
+            <a:spLocks noGrp="1"/>
+          </p:cNvSpPr>
+          <p:nvPr>
+            <p:ph idx="1"/>
+          </p:nvPr>
+        </p:nvSpPr>
+        <p:spPr>
+          <a:xfrm>
+            <a:off x="1371600" y="2286000"/>
+            <a:ext cx="9455426" cy="3886200"/>
+          </a:xfrm>
+        </p:spPr>
+        <p:txBody>
+          <a:bodyPr>
+            <a:normAutofit/>
+          </a:bodyPr>
+          <a:lstStyle/>
+          <a:p>
+            <a:pPr marL="0" indent="0">
+              <a:buNone/>
+            </a:pPr>
+            <a:endParaRPr lang="pt-BR" sz="4000" dirty="0"/>
+          </a:p>
+        </p:txBody>
+      </p:sp>
+    </p:spTree>
+    <p:extLst>
+      <p:ext uri="{BB962C8B-B14F-4D97-AF65-F5344CB8AC3E}">
+        <p14:creationId xmlns:p14="http://schemas.microsoft.com/office/powerpoint/2010/main" val="273469966"/>
+      </p:ext>
+    </p:extLst>
+  </p:cSld>
+  <p:clrMapOvr>
+    <a:masterClrMapping/>
+  </p:clrMapOvr>
+  <mc:AlternateContent xmlns:mc="http://schemas.openxmlformats.org/markup-compatibility/2006" xmlns:p14="http://schemas.microsoft.com/office/powerpoint/2010/main">
+    <mc:Choice Requires="p14">
+      <p:transition spd="med" p14:dur="700">
+        <p:fade/>
+      </p:transition>
+    </mc:Choice>
+    <mc:Fallback xmlns="">
+      <p:transition spd="med">
+        <p:fade/>
+      </p:transition>
+    </mc:Fallback>
+  </mc:AlternateContent>
+</p:sld>
+</file>
+
+<file path=ppt/slides/slide26.xml><?xml version="1.0" encoding="utf-8"?>
+<p:sld xmlns:a="http://schemas.openxmlformats.org/drawingml/2006/main" xmlns:r="http://schemas.openxmlformats.org/officeDocument/2006/relationships" xmlns:p="http://schemas.openxmlformats.org/presentationml/2006/main">
+  <p:cSld>
+    <p:spTree>
+      <p:nvGrpSpPr>
+        <p:cNvPr id="1" name=""/>
+        <p:cNvGrpSpPr/>
+        <p:nvPr/>
+      </p:nvGrpSpPr>
+      <p:grpSpPr>
+        <a:xfrm>
+          <a:off x="0" y="0"/>
+          <a:ext cx="0" cy="0"/>
+          <a:chOff x="0" y="0"/>
+          <a:chExt cx="0" cy="0"/>
+        </a:xfrm>
+      </p:grpSpPr>
+      <p:sp>
+        <p:nvSpPr>
+          <p:cNvPr id="2" name="Título 1">
+            <a:extLst>
+              <a:ext uri="{FF2B5EF4-FFF2-40B4-BE49-F238E27FC236}">
+                <a16:creationId xmlns:a16="http://schemas.microsoft.com/office/drawing/2014/main" id="{D737DEE5-B6B0-477E-ADA6-F6728C1C6263}"/>
+              </a:ext>
+            </a:extLst>
+          </p:cNvPr>
+          <p:cNvSpPr>
+            <a:spLocks noGrp="1"/>
+          </p:cNvSpPr>
+          <p:nvPr>
+            <p:ph type="title"/>
+          </p:nvPr>
+        </p:nvSpPr>
+        <p:spPr>
+          <a:xfrm>
+            <a:off x="1371600" y="685800"/>
+            <a:ext cx="10025269" cy="758687"/>
+          </a:xfrm>
+        </p:spPr>
+        <p:txBody>
+          <a:bodyPr/>
+          <a:lstStyle/>
+          <a:p>
+            <a:r>
+              <a:rPr lang="pt-BR" b="1" dirty="0"/>
+              <a:t>TRABALHOS FUTUROS</a:t>
+            </a:r>
+          </a:p>
+        </p:txBody>
+      </p:sp>
+      <p:sp>
+        <p:nvSpPr>
+          <p:cNvPr id="3" name="Espaço Reservado para Conteúdo 2">
+            <a:extLst>
+              <a:ext uri="{FF2B5EF4-FFF2-40B4-BE49-F238E27FC236}">
+                <a16:creationId xmlns:a16="http://schemas.microsoft.com/office/drawing/2014/main" id="{D951B36D-1F6E-4DD9-8465-68F7EAD9AB3B}"/>
+              </a:ext>
+            </a:extLst>
+          </p:cNvPr>
+          <p:cNvSpPr>
+            <a:spLocks noGrp="1"/>
+          </p:cNvSpPr>
+          <p:nvPr>
+            <p:ph idx="1"/>
+          </p:nvPr>
+        </p:nvSpPr>
+        <p:spPr>
+          <a:xfrm>
+            <a:off x="1371600" y="2286000"/>
+            <a:ext cx="9455426" cy="3886200"/>
+          </a:xfrm>
+        </p:spPr>
+        <p:txBody>
+          <a:bodyPr>
+            <a:normAutofit/>
+          </a:bodyPr>
+          <a:lstStyle/>
+          <a:p>
+            <a:pPr marL="0" indent="0">
+              <a:buNone/>
+            </a:pPr>
+            <a:endParaRPr lang="pt-BR" sz="4000" dirty="0"/>
+          </a:p>
+        </p:txBody>
+      </p:sp>
+    </p:spTree>
+    <p:extLst>
+      <p:ext uri="{BB962C8B-B14F-4D97-AF65-F5344CB8AC3E}">
+        <p14:creationId xmlns:p14="http://schemas.microsoft.com/office/powerpoint/2010/main" val="740344653"/>
+      </p:ext>
+    </p:extLst>
+  </p:cSld>
+  <p:clrMapOvr>
+    <a:masterClrMapping/>
+  </p:clrMapOvr>
+  <mc:AlternateContent xmlns:mc="http://schemas.openxmlformats.org/markup-compatibility/2006" xmlns:p14="http://schemas.microsoft.com/office/powerpoint/2010/main">
+    <mc:Choice Requires="p14">
+      <p:transition spd="med" p14:dur="700">
+        <p:fade/>
+      </p:transition>
+    </mc:Choice>
+    <mc:Fallback xmlns="">
+      <p:transition spd="med">
+        <p:fade/>
+      </p:transition>
+    </mc:Fallback>
+  </mc:AlternateContent>
+</p:sld>
+</file>
+
+<file path=ppt/slides/slide27.xml><?xml version="1.0" encoding="utf-8"?>
+<p:sld xmlns:a="http://schemas.openxmlformats.org/drawingml/2006/main" xmlns:r="http://schemas.openxmlformats.org/officeDocument/2006/relationships" xmlns:p="http://schemas.openxmlformats.org/presentationml/2006/main">
+  <p:cSld>
+    <p:spTree>
+      <p:nvGrpSpPr>
+        <p:cNvPr id="1" name=""/>
+        <p:cNvGrpSpPr/>
+        <p:nvPr/>
+      </p:nvGrpSpPr>
+      <p:grpSpPr>
+        <a:xfrm>
+          <a:off x="0" y="0"/>
+          <a:ext cx="0" cy="0"/>
+          <a:chOff x="0" y="0"/>
+          <a:chExt cx="0" cy="0"/>
+        </a:xfrm>
+      </p:grpSpPr>
+      <p:sp>
+        <p:nvSpPr>
+          <p:cNvPr id="2" name="Título 1">
+            <a:extLst>
+              <a:ext uri="{FF2B5EF4-FFF2-40B4-BE49-F238E27FC236}">
+                <a16:creationId xmlns:a16="http://schemas.microsoft.com/office/drawing/2014/main" id="{D737DEE5-B6B0-477E-ADA6-F6728C1C6263}"/>
+              </a:ext>
+            </a:extLst>
+          </p:cNvPr>
+          <p:cNvSpPr>
+            <a:spLocks noGrp="1"/>
+          </p:cNvSpPr>
+          <p:nvPr>
+            <p:ph type="title"/>
+          </p:nvPr>
+        </p:nvSpPr>
+        <p:spPr>
+          <a:xfrm>
+            <a:off x="1371600" y="685800"/>
+            <a:ext cx="10025269" cy="758687"/>
+          </a:xfrm>
+        </p:spPr>
+        <p:txBody>
+          <a:bodyPr/>
+          <a:lstStyle/>
+          <a:p>
+            <a:r>
+              <a:rPr lang="pt-BR" b="1" dirty="0"/>
+              <a:t>REFERÊNCIAS</a:t>
+            </a:r>
+          </a:p>
+        </p:txBody>
+      </p:sp>
+      <p:sp>
+        <p:nvSpPr>
+          <p:cNvPr id="3" name="Espaço Reservado para Conteúdo 2">
+            <a:extLst>
+              <a:ext uri="{FF2B5EF4-FFF2-40B4-BE49-F238E27FC236}">
+                <a16:creationId xmlns:a16="http://schemas.microsoft.com/office/drawing/2014/main" id="{D951B36D-1F6E-4DD9-8465-68F7EAD9AB3B}"/>
+              </a:ext>
+            </a:extLst>
+          </p:cNvPr>
+          <p:cNvSpPr>
+            <a:spLocks noGrp="1"/>
+          </p:cNvSpPr>
+          <p:nvPr>
+            <p:ph idx="1"/>
+          </p:nvPr>
+        </p:nvSpPr>
+        <p:spPr>
+          <a:xfrm>
+            <a:off x="1371600" y="2286000"/>
+            <a:ext cx="9455426" cy="3886200"/>
+          </a:xfrm>
+        </p:spPr>
+        <p:txBody>
+          <a:bodyPr>
+            <a:normAutofit/>
+          </a:bodyPr>
+          <a:lstStyle/>
+          <a:p>
+            <a:pPr marL="0" indent="0">
+              <a:buNone/>
+            </a:pPr>
+            <a:r>
+              <a:rPr lang="pt-BR" dirty="0"/>
+              <a:t>CRONAPP. </a:t>
+            </a:r>
+            <a:r>
+              <a:rPr lang="pt-BR" b="1" dirty="0"/>
+              <a:t>Os maiores desafios e barreiras no desenvolvimento de softwares</a:t>
+            </a:r>
+            <a:r>
+              <a:rPr lang="pt-BR" dirty="0"/>
+              <a:t>. [</a:t>
+            </a:r>
+            <a:r>
+              <a:rPr lang="pt-BR" i="1" dirty="0"/>
+              <a:t>S. l.</a:t>
+            </a:r>
+            <a:r>
+              <a:rPr lang="pt-BR" dirty="0"/>
+              <a:t>], 9 out. 2017. Disponível em: https://www.cronapp.io/</a:t>
+            </a:r>
+            <a:r>
+              <a:rPr lang="pt-BR" dirty="0" err="1"/>
+              <a:t>pt-br</a:t>
+            </a:r>
+            <a:r>
+              <a:rPr lang="pt-BR" dirty="0"/>
+              <a:t>/os-maiores-desafios-e-barreiras-no-desenvolvimento-de-softwares/. Acesso em: 31 mar. 2019.</a:t>
+            </a:r>
+          </a:p>
+          <a:p>
+            <a:pPr marL="0" indent="0">
+              <a:buNone/>
+            </a:pPr>
+            <a:r>
+              <a:rPr lang="pt-BR" dirty="0"/>
+              <a:t>MOESCH, Beatriz; TOFFOLO, </a:t>
+            </a:r>
+            <a:r>
+              <a:rPr lang="pt-BR" dirty="0" err="1"/>
+              <a:t>Geferson</a:t>
+            </a:r>
+            <a:r>
+              <a:rPr lang="pt-BR" dirty="0"/>
+              <a:t>. </a:t>
+            </a:r>
+            <a:r>
+              <a:rPr lang="pt-BR" b="1" dirty="0"/>
+              <a:t>SISTEMA PARA GERENCIAMENTO DE PROCESSOS JURÍDICOS PARA O SAJUG</a:t>
+            </a:r>
+            <a:r>
+              <a:rPr lang="pt-BR" dirty="0"/>
+              <a:t>. Santa Catarina, 2013. Disponível em: http://revista.faifaculdades.edu.br/</a:t>
+            </a:r>
+            <a:r>
+              <a:rPr lang="pt-BR" dirty="0" err="1"/>
+              <a:t>index.php</a:t>
+            </a:r>
+            <a:r>
+              <a:rPr lang="pt-BR" dirty="0"/>
+              <a:t>/</a:t>
+            </a:r>
+            <a:r>
+              <a:rPr lang="pt-BR" dirty="0" err="1"/>
+              <a:t>conexao</a:t>
+            </a:r>
+            <a:r>
+              <a:rPr lang="pt-BR" dirty="0"/>
+              <a:t>/</a:t>
+            </a:r>
+            <a:r>
+              <a:rPr lang="pt-BR" dirty="0" err="1"/>
+              <a:t>article</a:t>
+            </a:r>
+            <a:r>
+              <a:rPr lang="pt-BR" dirty="0"/>
+              <a:t>/</a:t>
+            </a:r>
+            <a:r>
+              <a:rPr lang="pt-BR" dirty="0" err="1"/>
+              <a:t>view</a:t>
+            </a:r>
+            <a:r>
+              <a:rPr lang="pt-BR" dirty="0"/>
+              <a:t>/23/9. </a:t>
+            </a:r>
+            <a:r>
+              <a:rPr lang="en-US" dirty="0" err="1"/>
+              <a:t>Acesso</a:t>
+            </a:r>
+            <a:r>
+              <a:rPr lang="en-US" dirty="0"/>
+              <a:t> </a:t>
+            </a:r>
+            <a:r>
+              <a:rPr lang="en-US" dirty="0" err="1"/>
+              <a:t>em</a:t>
+            </a:r>
+            <a:r>
+              <a:rPr lang="en-US" dirty="0"/>
+              <a:t>: 25 mar. 2019.</a:t>
+            </a:r>
+            <a:endParaRPr lang="pt-BR" dirty="0"/>
+          </a:p>
+          <a:p>
+            <a:pPr marL="0" indent="0">
+              <a:buNone/>
+            </a:pPr>
+            <a:r>
+              <a:rPr lang="pt-BR" dirty="0"/>
+              <a:t>PROJURIS. </a:t>
+            </a:r>
+            <a:r>
+              <a:rPr lang="pt-BR" b="1" dirty="0"/>
+              <a:t>Aprenda em 1 minuto: o que é NPJ? Como funciona? Quem pode participar?</a:t>
+            </a:r>
+            <a:r>
+              <a:rPr lang="pt-BR" dirty="0"/>
+              <a:t>. [</a:t>
+            </a:r>
+            <a:r>
+              <a:rPr lang="pt-BR" i="1" dirty="0"/>
+              <a:t>S. l.</a:t>
+            </a:r>
+            <a:r>
+              <a:rPr lang="pt-BR" dirty="0"/>
+              <a:t>], [2017?]. Disponível em: https://www.projuris.com.br/como-funciona-</a:t>
+            </a:r>
+            <a:r>
+              <a:rPr lang="pt-BR" dirty="0" err="1"/>
+              <a:t>nucleo</a:t>
+            </a:r>
+            <a:r>
+              <a:rPr lang="pt-BR" dirty="0"/>
+              <a:t>-de-pratica-</a:t>
+            </a:r>
+            <a:r>
+              <a:rPr lang="pt-BR" dirty="0" err="1"/>
+              <a:t>juridica</a:t>
+            </a:r>
+            <a:r>
+              <a:rPr lang="pt-BR" dirty="0"/>
+              <a:t>-</a:t>
+            </a:r>
+            <a:r>
+              <a:rPr lang="pt-BR" dirty="0" err="1"/>
+              <a:t>npj</a:t>
+            </a:r>
+            <a:r>
+              <a:rPr lang="pt-BR" dirty="0"/>
+              <a:t>/. Acesso em: 25 mar. 2019.</a:t>
+            </a:r>
+          </a:p>
+          <a:p>
+            <a:pPr marL="0" indent="0">
+              <a:buNone/>
+            </a:pPr>
+            <a:endParaRPr lang="pt-BR" sz="4000" dirty="0"/>
+          </a:p>
+        </p:txBody>
+      </p:sp>
+    </p:spTree>
+    <p:extLst>
+      <p:ext uri="{BB962C8B-B14F-4D97-AF65-F5344CB8AC3E}">
+        <p14:creationId xmlns:p14="http://schemas.microsoft.com/office/powerpoint/2010/main" val="1533938094"/>
+      </p:ext>
+    </p:extLst>
+  </p:cSld>
+  <p:clrMapOvr>
+    <a:masterClrMapping/>
+  </p:clrMapOvr>
+  <mc:AlternateContent xmlns:mc="http://schemas.openxmlformats.org/markup-compatibility/2006" xmlns:p14="http://schemas.microsoft.com/office/powerpoint/2010/main">
+    <mc:Choice Requires="p14">
+      <p:transition spd="med" p14:dur="700">
+        <p:fade/>
+      </p:transition>
+    </mc:Choice>
+    <mc:Fallback xmlns="">
+      <p:transition spd="med">
+        <p:fade/>
+      </p:transition>
+    </mc:Fallback>
+  </mc:AlternateContent>
+</p:sld>
+</file>
+
+<file path=ppt/slides/slide28.xml><?xml version="1.0" encoding="utf-8"?>
+<p:sld xmlns:a="http://schemas.openxmlformats.org/drawingml/2006/main" xmlns:r="http://schemas.openxmlformats.org/officeDocument/2006/relationships" xmlns:p="http://schemas.openxmlformats.org/presentationml/2006/main">
+  <p:cSld>
+    <p:spTree>
+      <p:nvGrpSpPr>
+        <p:cNvPr id="1" name=""/>
+        <p:cNvGrpSpPr/>
+        <p:nvPr/>
+      </p:nvGrpSpPr>
+      <p:grpSpPr>
+        <a:xfrm>
+          <a:off x="0" y="0"/>
+          <a:ext cx="0" cy="0"/>
+          <a:chOff x="0" y="0"/>
+          <a:chExt cx="0" cy="0"/>
+        </a:xfrm>
+      </p:grpSpPr>
+      <p:sp>
+        <p:nvSpPr>
+          <p:cNvPr id="2" name="Título 1">
+            <a:extLst>
+              <a:ext uri="{FF2B5EF4-FFF2-40B4-BE49-F238E27FC236}">
+                <a16:creationId xmlns:a16="http://schemas.microsoft.com/office/drawing/2014/main" id="{D737DEE5-B6B0-477E-ADA6-F6728C1C6263}"/>
+              </a:ext>
+            </a:extLst>
+          </p:cNvPr>
+          <p:cNvSpPr>
+            <a:spLocks noGrp="1"/>
+          </p:cNvSpPr>
+          <p:nvPr>
+            <p:ph type="title"/>
+          </p:nvPr>
+        </p:nvSpPr>
+        <p:spPr>
+          <a:xfrm>
+            <a:off x="1371600" y="685800"/>
+            <a:ext cx="10025269" cy="758687"/>
+          </a:xfrm>
+        </p:spPr>
+        <p:txBody>
+          <a:bodyPr/>
+          <a:lstStyle/>
+          <a:p>
+            <a:r>
+              <a:rPr lang="pt-BR" b="1" dirty="0"/>
+              <a:t>REFERÊNCIAS</a:t>
+            </a:r>
+          </a:p>
+        </p:txBody>
+      </p:sp>
+      <p:sp>
+        <p:nvSpPr>
+          <p:cNvPr id="3" name="Espaço Reservado para Conteúdo 2">
+            <a:extLst>
+              <a:ext uri="{FF2B5EF4-FFF2-40B4-BE49-F238E27FC236}">
+                <a16:creationId xmlns:a16="http://schemas.microsoft.com/office/drawing/2014/main" id="{D951B36D-1F6E-4DD9-8465-68F7EAD9AB3B}"/>
+              </a:ext>
+            </a:extLst>
+          </p:cNvPr>
+          <p:cNvSpPr>
+            <a:spLocks noGrp="1"/>
+          </p:cNvSpPr>
+          <p:nvPr>
+            <p:ph idx="1"/>
+          </p:nvPr>
+        </p:nvSpPr>
+        <p:spPr>
+          <a:xfrm>
+            <a:off x="1371600" y="2286000"/>
+            <a:ext cx="9455426" cy="3886200"/>
+          </a:xfrm>
+        </p:spPr>
+        <p:txBody>
+          <a:bodyPr>
+            <a:normAutofit lnSpcReduction="10000"/>
+          </a:bodyPr>
+          <a:lstStyle/>
+          <a:p>
+            <a:pPr marL="0" indent="0">
+              <a:buNone/>
+            </a:pPr>
+            <a:r>
+              <a:rPr lang="pt-BR" dirty="0"/>
+              <a:t>PROJURIS. </a:t>
+            </a:r>
+            <a:r>
+              <a:rPr lang="pt-BR" b="1" dirty="0"/>
+              <a:t>“Com </a:t>
+            </a:r>
+            <a:r>
+              <a:rPr lang="pt-BR" b="1" dirty="0" err="1"/>
+              <a:t>ProJuris</a:t>
+            </a:r>
+            <a:r>
+              <a:rPr lang="pt-BR" b="1" dirty="0"/>
+              <a:t>, acabamos com a necessidade de alimentar planilhas em Excel, relatórios e agenda física”</a:t>
+            </a:r>
+            <a:r>
+              <a:rPr lang="pt-BR" dirty="0"/>
+              <a:t>. [</a:t>
+            </a:r>
+            <a:r>
+              <a:rPr lang="pt-BR" i="1" dirty="0"/>
+              <a:t>S. l.</a:t>
+            </a:r>
+            <a:r>
+              <a:rPr lang="pt-BR" dirty="0"/>
+              <a:t>], [2016?]. Disponível em: https://www.projuris.com.br/case-software-</a:t>
+            </a:r>
+            <a:r>
+              <a:rPr lang="pt-BR" dirty="0" err="1"/>
+              <a:t>juridico</a:t>
+            </a:r>
+            <a:r>
+              <a:rPr lang="pt-BR" dirty="0"/>
+              <a:t>-</a:t>
+            </a:r>
+            <a:r>
+              <a:rPr lang="pt-BR" dirty="0" err="1"/>
+              <a:t>projuris</a:t>
+            </a:r>
+            <a:r>
+              <a:rPr lang="pt-BR" dirty="0"/>
+              <a:t>-paul-</a:t>
+            </a:r>
+            <a:r>
+              <a:rPr lang="pt-BR" dirty="0" err="1"/>
+              <a:t>gouveia</a:t>
+            </a:r>
+            <a:r>
+              <a:rPr lang="pt-BR" dirty="0"/>
+              <a:t>-horta-advogados/. Acesso em: 25 mar. 2019.</a:t>
+            </a:r>
+          </a:p>
+          <a:p>
+            <a:pPr marL="0" indent="0">
+              <a:buNone/>
+            </a:pPr>
+            <a:r>
+              <a:rPr lang="pt-BR" dirty="0"/>
+              <a:t>PUCPR. </a:t>
+            </a:r>
+            <a:r>
+              <a:rPr lang="pt-BR" b="1" dirty="0"/>
+              <a:t>Núcleo de Prática Jurídica</a:t>
+            </a:r>
+            <a:r>
+              <a:rPr lang="pt-BR" dirty="0"/>
+              <a:t>. [</a:t>
+            </a:r>
+            <a:r>
+              <a:rPr lang="pt-BR" i="1" dirty="0"/>
+              <a:t>S. l.</a:t>
+            </a:r>
+            <a:r>
+              <a:rPr lang="pt-BR" dirty="0"/>
+              <a:t>], [20--?]. Disponível em: https://www.pucpr.br/escola-de-direito/</a:t>
+            </a:r>
+            <a:r>
+              <a:rPr lang="pt-BR" dirty="0" err="1"/>
+              <a:t>nucleo</a:t>
+            </a:r>
+            <a:r>
+              <a:rPr lang="pt-BR" dirty="0"/>
+              <a:t>-de-pratica-</a:t>
+            </a:r>
+            <a:r>
+              <a:rPr lang="pt-BR" dirty="0" err="1"/>
+              <a:t>juridica</a:t>
+            </a:r>
+            <a:r>
+              <a:rPr lang="pt-BR" dirty="0"/>
+              <a:t>/. Acesso em: 25 mar. 2019.</a:t>
+            </a:r>
+          </a:p>
+          <a:p>
+            <a:pPr marL="0" indent="0">
+              <a:buNone/>
+            </a:pPr>
+            <a:r>
+              <a:rPr lang="pt-BR" dirty="0"/>
+              <a:t>SAJ ADV. </a:t>
+            </a:r>
+            <a:r>
+              <a:rPr lang="pt-BR" b="1" dirty="0"/>
+              <a:t>SAJ ADV</a:t>
+            </a:r>
+            <a:r>
+              <a:rPr lang="pt-BR" dirty="0"/>
+              <a:t>. Santa Catarina, [2018?]. Disponível em: https://www.sajadv.com.br/. Acesso em: 25 mar. 2019.</a:t>
+            </a:r>
+          </a:p>
+          <a:p>
+            <a:pPr marL="0" indent="0">
+              <a:buNone/>
+            </a:pPr>
+            <a:r>
+              <a:rPr lang="pt-BR" dirty="0"/>
+              <a:t>UP. </a:t>
+            </a:r>
+            <a:r>
+              <a:rPr lang="pt-BR" b="1" dirty="0"/>
+              <a:t>Núcleo de Prática Jurídica (NPJ)</a:t>
+            </a:r>
+            <a:r>
+              <a:rPr lang="pt-BR" dirty="0"/>
+              <a:t>. Paraná, [2018?]. Disponível em: https://www.up.edu.br/londrina/</a:t>
+            </a:r>
+            <a:r>
+              <a:rPr lang="pt-BR" dirty="0" err="1"/>
+              <a:t>nucleo</a:t>
+            </a:r>
+            <a:r>
+              <a:rPr lang="pt-BR" dirty="0"/>
+              <a:t>-de-pratica-</a:t>
+            </a:r>
+            <a:r>
+              <a:rPr lang="pt-BR" dirty="0" err="1"/>
+              <a:t>juridica</a:t>
+            </a:r>
+            <a:r>
+              <a:rPr lang="pt-BR" dirty="0"/>
+              <a:t>--</a:t>
+            </a:r>
+            <a:r>
+              <a:rPr lang="pt-BR" dirty="0" err="1"/>
+              <a:t>npj</a:t>
+            </a:r>
+            <a:r>
+              <a:rPr lang="pt-BR" dirty="0"/>
+              <a:t>-. Acesso em: 25 mar. 2019.</a:t>
+            </a:r>
+          </a:p>
+          <a:p>
+            <a:pPr marL="0" indent="0">
+              <a:buNone/>
+            </a:pPr>
+            <a:endParaRPr lang="pt-BR" sz="4000" dirty="0"/>
+          </a:p>
+        </p:txBody>
+      </p:sp>
+    </p:spTree>
+    <p:extLst>
+      <p:ext uri="{BB962C8B-B14F-4D97-AF65-F5344CB8AC3E}">
+        <p14:creationId xmlns:p14="http://schemas.microsoft.com/office/powerpoint/2010/main" val="3711201019"/>
+      </p:ext>
+    </p:extLst>
+  </p:cSld>
+  <p:clrMapOvr>
+    <a:masterClrMapping/>
+  </p:clrMapOvr>
+  <mc:AlternateContent xmlns:mc="http://schemas.openxmlformats.org/markup-compatibility/2006" xmlns:p14="http://schemas.microsoft.com/office/powerpoint/2010/main">
+    <mc:Choice Requires="p14">
+      <p:transition spd="med" p14:dur="700">
+        <p:fade/>
+      </p:transition>
+    </mc:Choice>
+    <mc:Fallback xmlns="">
       <p:transition spd="med">
         <p:fade/>
       </p:transition>
@@ -5960,13 +7276,13 @@
   <p:clrMapOvr>
     <a:masterClrMapping/>
   </p:clrMapOvr>
-  <mc:AlternateContent xmlns:mc="http://schemas.openxmlformats.org/markup-compatibility/2006">
-    <mc:Choice xmlns:p14="http://schemas.microsoft.com/office/powerpoint/2010/main" Requires="p14">
+  <mc:AlternateContent xmlns:mc="http://schemas.openxmlformats.org/markup-compatibility/2006" xmlns:p14="http://schemas.microsoft.com/office/powerpoint/2010/main">
+    <mc:Choice Requires="p14">
       <p:transition spd="med" p14:dur="700">
         <p:fade/>
       </p:transition>
     </mc:Choice>
-    <mc:Fallback>
+    <mc:Fallback xmlns="">
       <p:transition spd="med">
         <p:fade/>
       </p:transition>
@@ -6079,13 +7395,13 @@
   <p:clrMapOvr>
     <a:masterClrMapping/>
   </p:clrMapOvr>
-  <mc:AlternateContent xmlns:mc="http://schemas.openxmlformats.org/markup-compatibility/2006">
-    <mc:Choice xmlns:p14="http://schemas.microsoft.com/office/powerpoint/2010/main" Requires="p14">
+  <mc:AlternateContent xmlns:mc="http://schemas.openxmlformats.org/markup-compatibility/2006" xmlns:p14="http://schemas.microsoft.com/office/powerpoint/2010/main">
+    <mc:Choice Requires="p14">
       <p:transition spd="med" p14:dur="700">
         <p:fade/>
       </p:transition>
     </mc:Choice>
-    <mc:Fallback>
+    <mc:Fallback xmlns="">
       <p:transition spd="med">
         <p:fade/>
       </p:transition>
@@ -6205,13 +7521,13 @@
   <p:clrMapOvr>
     <a:masterClrMapping/>
   </p:clrMapOvr>
-  <mc:AlternateContent xmlns:mc="http://schemas.openxmlformats.org/markup-compatibility/2006">
-    <mc:Choice xmlns:p14="http://schemas.microsoft.com/office/powerpoint/2010/main" Requires="p14">
+  <mc:AlternateContent xmlns:mc="http://schemas.openxmlformats.org/markup-compatibility/2006" xmlns:p14="http://schemas.microsoft.com/office/powerpoint/2010/main">
+    <mc:Choice Requires="p14">
       <p:transition spd="med" p14:dur="700">
         <p:fade/>
       </p:transition>
     </mc:Choice>
-    <mc:Fallback>
+    <mc:Fallback xmlns="">
       <p:transition spd="med">
         <p:fade/>
       </p:transition>
@@ -6253,19 +7569,14 @@
             <p:ph type="title"/>
           </p:nvPr>
         </p:nvSpPr>
-        <p:spPr>
-          <a:xfrm>
-            <a:off x="1371599" y="685800"/>
-            <a:ext cx="10025269" cy="1485900"/>
-          </a:xfrm>
-        </p:spPr>
+        <p:spPr/>
         <p:txBody>
           <a:bodyPr/>
           <a:lstStyle/>
           <a:p>
             <a:r>
               <a:rPr lang="pt-BR" b="1" dirty="0"/>
-              <a:t>O AUXÍLIO NA ORGANIZAÇÃO DOS DADOS</a:t>
+              <a:t>FUNDAMENTAÇÃO</a:t>
             </a:r>
           </a:p>
         </p:txBody>
@@ -6289,7 +7600,7 @@
         <p:spPr>
           <a:xfrm>
             <a:off x="1371600" y="2286000"/>
-            <a:ext cx="9455426" cy="3886200"/>
+            <a:ext cx="10025270" cy="3886200"/>
           </a:xfrm>
         </p:spPr>
         <p:txBody>
@@ -6300,28 +7611,44 @@
           <a:p>
             <a:r>
               <a:rPr lang="pt-BR" sz="4000" dirty="0"/>
-              <a:t>UM LOCAL OU MÉTODO MAIS PRÁTICO;</a:t>
+              <a:t>DADOS JURÍDICOS</a:t>
             </a:r>
           </a:p>
           <a:p>
             <a:pPr lvl="1"/>
             <a:r>
+              <a:rPr lang="pt-BR" sz="4000" dirty="0" err="1"/>
+              <a:t>Moesch</a:t>
+            </a:r>
+            <a:r>
               <a:rPr lang="pt-BR" sz="4000" dirty="0"/>
-              <a:t>Avisos;</a:t>
+              <a:t> e </a:t>
+            </a:r>
+            <a:r>
+              <a:rPr lang="pt-BR" sz="4000" dirty="0" err="1"/>
+              <a:t>Toffolo</a:t>
+            </a:r>
+            <a:r>
+              <a:rPr lang="pt-BR" sz="4000" dirty="0"/>
+              <a:t>;</a:t>
             </a:r>
           </a:p>
           <a:p>
             <a:pPr lvl="1"/>
             <a:r>
+              <a:rPr lang="pt-BR" sz="4000" dirty="0" err="1"/>
+              <a:t>ProJuris</a:t>
+            </a:r>
+            <a:r>
               <a:rPr lang="pt-BR" sz="4000" dirty="0"/>
-              <a:t>Períodos de alteração de registros dos usuários;</a:t>
+              <a:t>;</a:t>
             </a:r>
           </a:p>
           <a:p>
             <a:pPr lvl="1"/>
             <a:r>
               <a:rPr lang="pt-BR" sz="4000" dirty="0"/>
-              <a:t>Organização dos contextos;</a:t>
+              <a:t>SAJ ADV.</a:t>
             </a:r>
           </a:p>
         </p:txBody>
@@ -6329,13 +7656,25 @@
     </p:spTree>
     <p:extLst>
       <p:ext uri="{BB962C8B-B14F-4D97-AF65-F5344CB8AC3E}">
-        <p14:creationId xmlns:p14="http://schemas.microsoft.com/office/powerpoint/2010/main" val="1850422462"/>
+        <p14:creationId xmlns:p14="http://schemas.microsoft.com/office/powerpoint/2010/main" val="1388584722"/>
       </p:ext>
     </p:extLst>
   </p:cSld>
   <p:clrMapOvr>
     <a:masterClrMapping/>
   </p:clrMapOvr>
+  <mc:AlternateContent xmlns:mc="http://schemas.openxmlformats.org/markup-compatibility/2006" xmlns:p14="http://schemas.microsoft.com/office/powerpoint/2010/main">
+    <mc:Choice Requires="p14">
+      <p:transition spd="med" p14:dur="700">
+        <p:fade/>
+      </p:transition>
+    </mc:Choice>
+    <mc:Fallback xmlns="">
+      <p:transition spd="med">
+        <p:fade/>
+      </p:transition>
+    </mc:Fallback>
+  </mc:AlternateContent>
 </p:sld>
 </file>
 
@@ -6375,7 +7714,7 @@
         <p:spPr>
           <a:xfrm>
             <a:off x="1371599" y="685800"/>
-            <a:ext cx="10025269" cy="758687"/>
+            <a:ext cx="10025269" cy="1485900"/>
           </a:xfrm>
         </p:spPr>
         <p:txBody>
@@ -6384,7 +7723,7 @@
           <a:p>
             <a:r>
               <a:rPr lang="pt-BR" b="1" dirty="0"/>
-              <a:t>DESENVOLVIMENTO</a:t>
+              <a:t>O AUXÍLIO NA ORGANIZAÇÃO DOS DADOS</a:t>
             </a:r>
           </a:p>
         </p:txBody>
@@ -6417,17 +7756,38 @@
           </a:bodyPr>
           <a:lstStyle/>
           <a:p>
-            <a:pPr marL="0" indent="0">
-              <a:buNone/>
-            </a:pPr>
-            <a:endParaRPr lang="pt-BR" sz="4000" dirty="0"/>
+            <a:r>
+              <a:rPr lang="pt-BR" sz="4000" dirty="0"/>
+              <a:t>UM LOCAL OU MÉTODO MAIS PRÁTICO;</a:t>
+            </a:r>
+          </a:p>
+          <a:p>
+            <a:pPr lvl="1"/>
+            <a:r>
+              <a:rPr lang="pt-BR" sz="4000" dirty="0"/>
+              <a:t>Avisos;</a:t>
+            </a:r>
+          </a:p>
+          <a:p>
+            <a:pPr lvl="1"/>
+            <a:r>
+              <a:rPr lang="pt-BR" sz="4000" dirty="0"/>
+              <a:t>Períodos de alteração de registros dos usuários;</a:t>
+            </a:r>
+          </a:p>
+          <a:p>
+            <a:pPr lvl="1"/>
+            <a:r>
+              <a:rPr lang="pt-BR" sz="4000" dirty="0"/>
+              <a:t>Organização dos contextos;</a:t>
+            </a:r>
           </a:p>
         </p:txBody>
       </p:sp>
     </p:spTree>
     <p:extLst>
       <p:ext uri="{BB962C8B-B14F-4D97-AF65-F5344CB8AC3E}">
-        <p14:creationId xmlns:p14="http://schemas.microsoft.com/office/powerpoint/2010/main" val="2200792357"/>
+        <p14:creationId xmlns:p14="http://schemas.microsoft.com/office/powerpoint/2010/main" val="1850422462"/>
       </p:ext>
     </p:extLst>
   </p:cSld>
@@ -6515,21 +7875,6 @@
           </a:bodyPr>
           <a:lstStyle/>
           <a:p>
-            <a:r>
-              <a:rPr lang="pt-BR" sz="4000" dirty="0"/>
-              <a:t>Controle de acessos </a:t>
-            </a:r>
-          </a:p>
-          <a:p>
-            <a:pPr marL="0" indent="0">
-              <a:buNone/>
-            </a:pPr>
-            <a:r>
-              <a:rPr lang="pt-BR" sz="4000" dirty="0"/>
-              <a:t>e hierarquia.</a:t>
-            </a:r>
-          </a:p>
-          <a:p>
             <a:pPr marL="0" indent="0">
               <a:buNone/>
             </a:pPr>
@@ -6540,7 +7885,7 @@
     </p:spTree>
     <p:extLst>
       <p:ext uri="{BB962C8B-B14F-4D97-AF65-F5344CB8AC3E}">
-        <p14:creationId xmlns:p14="http://schemas.microsoft.com/office/powerpoint/2010/main" val="2543991114"/>
+        <p14:creationId xmlns:p14="http://schemas.microsoft.com/office/powerpoint/2010/main" val="2200792357"/>
       </p:ext>
     </p:extLst>
   </p:cSld>

--- a/NPJ.pptx
+++ b/NPJ.pptx
@@ -12,27 +12,11 @@
     <p:sldId id="260" r:id="rId6"/>
     <p:sldId id="261" r:id="rId7"/>
     <p:sldId id="279" r:id="rId8"/>
-    <p:sldId id="263" r:id="rId9"/>
-    <p:sldId id="269" r:id="rId10"/>
-    <p:sldId id="265" r:id="rId11"/>
-    <p:sldId id="266" r:id="rId12"/>
-    <p:sldId id="268" r:id="rId13"/>
-    <p:sldId id="271" r:id="rId14"/>
-    <p:sldId id="272" r:id="rId15"/>
-    <p:sldId id="273" r:id="rId16"/>
-    <p:sldId id="275" r:id="rId17"/>
-    <p:sldId id="277" r:id="rId18"/>
-    <p:sldId id="278" r:id="rId19"/>
-    <p:sldId id="280" r:id="rId20"/>
-    <p:sldId id="283" r:id="rId21"/>
-    <p:sldId id="284" r:id="rId22"/>
-    <p:sldId id="281" r:id="rId23"/>
-    <p:sldId id="282" r:id="rId24"/>
-    <p:sldId id="285" r:id="rId25"/>
-    <p:sldId id="286" r:id="rId26"/>
-    <p:sldId id="287" r:id="rId27"/>
-    <p:sldId id="288" r:id="rId28"/>
-    <p:sldId id="289" r:id="rId29"/>
+    <p:sldId id="269" r:id="rId9"/>
+    <p:sldId id="286" r:id="rId10"/>
+    <p:sldId id="287" r:id="rId11"/>
+    <p:sldId id="288" r:id="rId12"/>
+    <p:sldId id="289" r:id="rId13"/>
   </p:sldIdLst>
   <p:sldSz cx="12192000" cy="6858000"/>
   <p:notesSz cx="6858000" cy="9144000"/>
@@ -143,23 +127,7 @@
             <p14:sldId id="260"/>
             <p14:sldId id="261"/>
             <p14:sldId id="279"/>
-            <p14:sldId id="263"/>
             <p14:sldId id="269"/>
-            <p14:sldId id="265"/>
-            <p14:sldId id="266"/>
-            <p14:sldId id="268"/>
-            <p14:sldId id="271"/>
-            <p14:sldId id="272"/>
-            <p14:sldId id="273"/>
-            <p14:sldId id="275"/>
-            <p14:sldId id="277"/>
-            <p14:sldId id="278"/>
-            <p14:sldId id="280"/>
-            <p14:sldId id="283"/>
-            <p14:sldId id="284"/>
-            <p14:sldId id="281"/>
-            <p14:sldId id="282"/>
-            <p14:sldId id="285"/>
             <p14:sldId id="286"/>
             <p14:sldId id="287"/>
             <p14:sldId id="288"/>
@@ -345,7 +313,7 @@
             <a:fld id="{87DE6118-2437-4B30-8E3C-4D2BE6020583}" type="datetimeFigureOut">
               <a:rPr lang="en-US" dirty="0"/>
               <a:pPr/>
-              <a:t>6/14/2019</a:t>
+              <a:t>6/21/2019</a:t>
             </a:fld>
             <a:endParaRPr lang="en-US" dirty="0"/>
           </a:p>
@@ -671,7 +639,7 @@
           <a:p>
             <a:fld id="{87DE6118-2437-4B30-8E3C-4D2BE6020583}" type="datetimeFigureOut">
               <a:rPr lang="en-US" dirty="0"/>
-              <a:t>6/14/2019</a:t>
+              <a:t>6/21/2019</a:t>
             </a:fld>
             <a:endParaRPr lang="en-US" dirty="0"/>
           </a:p>
@@ -846,7 +814,7 @@
           <a:p>
             <a:fld id="{87DE6118-2437-4B30-8E3C-4D2BE6020583}" type="datetimeFigureOut">
               <a:rPr lang="en-US" dirty="0"/>
-              <a:t>6/14/2019</a:t>
+              <a:t>6/21/2019</a:t>
             </a:fld>
             <a:endParaRPr lang="en-US" dirty="0"/>
           </a:p>
@@ -1011,7 +979,7 @@
           <a:p>
             <a:fld id="{87DE6118-2437-4B30-8E3C-4D2BE6020583}" type="datetimeFigureOut">
               <a:rPr lang="en-US" dirty="0"/>
-              <a:t>6/14/2019</a:t>
+              <a:t>6/21/2019</a:t>
             </a:fld>
             <a:endParaRPr lang="en-US" dirty="0"/>
           </a:p>
@@ -1284,7 +1252,7 @@
             <a:fld id="{87DE6118-2437-4B30-8E3C-4D2BE6020583}" type="datetimeFigureOut">
               <a:rPr lang="en-US" dirty="0"/>
               <a:pPr/>
-              <a:t>6/14/2019</a:t>
+              <a:t>6/21/2019</a:t>
             </a:fld>
             <a:endParaRPr lang="en-US" dirty="0"/>
           </a:p>
@@ -1674,7 +1642,7 @@
           <a:p>
             <a:fld id="{87DE6118-2437-4B30-8E3C-4D2BE6020583}" type="datetimeFigureOut">
               <a:rPr lang="en-US" dirty="0"/>
-              <a:t>6/14/2019</a:t>
+              <a:t>6/21/2019</a:t>
             </a:fld>
             <a:endParaRPr lang="en-US" dirty="0"/>
           </a:p>
@@ -2146,7 +2114,7 @@
           <a:p>
             <a:fld id="{87DE6118-2437-4B30-8E3C-4D2BE6020583}" type="datetimeFigureOut">
               <a:rPr lang="en-US" dirty="0"/>
-              <a:t>6/14/2019</a:t>
+              <a:t>6/21/2019</a:t>
             </a:fld>
             <a:endParaRPr lang="en-US" dirty="0"/>
           </a:p>
@@ -2259,7 +2227,7 @@
           <a:p>
             <a:fld id="{87DE6118-2437-4B30-8E3C-4D2BE6020583}" type="datetimeFigureOut">
               <a:rPr lang="en-US" dirty="0"/>
-              <a:t>6/14/2019</a:t>
+              <a:t>6/21/2019</a:t>
             </a:fld>
             <a:endParaRPr lang="en-US" dirty="0"/>
           </a:p>
@@ -2349,7 +2317,7 @@
           <a:p>
             <a:fld id="{87DE6118-2437-4B30-8E3C-4D2BE6020583}" type="datetimeFigureOut">
               <a:rPr lang="en-US" dirty="0"/>
-              <a:t>6/14/2019</a:t>
+              <a:t>6/21/2019</a:t>
             </a:fld>
             <a:endParaRPr lang="en-US" dirty="0"/>
           </a:p>
@@ -2691,7 +2659,7 @@
             <a:fld id="{87DE6118-2437-4B30-8E3C-4D2BE6020583}" type="datetimeFigureOut">
               <a:rPr lang="en-US" dirty="0"/>
               <a:pPr/>
-              <a:t>6/14/2019</a:t>
+              <a:t>6/21/2019</a:t>
             </a:fld>
             <a:endParaRPr lang="en-US" dirty="0"/>
           </a:p>
@@ -3076,7 +3044,7 @@
             <a:fld id="{87DE6118-2437-4B30-8E3C-4D2BE6020583}" type="datetimeFigureOut">
               <a:rPr lang="en-US" dirty="0"/>
               <a:pPr/>
-              <a:t>6/14/2019</a:t>
+              <a:t>6/21/2019</a:t>
             </a:fld>
             <a:endParaRPr lang="en-US" dirty="0"/>
           </a:p>
@@ -3351,7 +3319,7 @@
             <a:fld id="{87DE6118-2437-4B30-8E3C-4D2BE6020583}" type="datetimeFigureOut">
               <a:rPr lang="en-US" dirty="0"/>
               <a:pPr/>
-              <a:t>6/14/2019</a:t>
+              <a:t>6/21/2019</a:t>
             </a:fld>
             <a:endParaRPr lang="en-US" dirty="0"/>
           </a:p>
@@ -3993,7 +3961,7 @@
         </p:nvSpPr>
         <p:spPr>
           <a:xfrm>
-            <a:off x="1371599" y="685800"/>
+            <a:off x="1371600" y="685800"/>
             <a:ext cx="10025269" cy="758687"/>
           </a:xfrm>
         </p:spPr>
@@ -4003,7 +3971,7 @@
           <a:p>
             <a:r>
               <a:rPr lang="pt-BR" b="1" dirty="0"/>
-              <a:t>DESENVOLVIMENTO</a:t>
+              <a:t>TRABALHOS FUTUROS</a:t>
             </a:r>
           </a:p>
         </p:txBody>
@@ -4038,30 +4006,15 @@
           <a:p>
             <a:r>
               <a:rPr lang="pt-BR" sz="4000" dirty="0"/>
-              <a:t>Controle de acessos </a:t>
-            </a:r>
-          </a:p>
-          <a:p>
-            <a:pPr marL="0" indent="0">
-              <a:buNone/>
-            </a:pPr>
-            <a:r>
-              <a:rPr lang="pt-BR" sz="4000" dirty="0"/>
-              <a:t>e hierarquia.</a:t>
-            </a:r>
-          </a:p>
-          <a:p>
-            <a:pPr marL="0" indent="0">
-              <a:buNone/>
-            </a:pPr>
-            <a:endParaRPr lang="pt-BR" sz="4000" dirty="0"/>
+              <a:t>O que ainda pode ser feito?</a:t>
+            </a:r>
           </a:p>
         </p:txBody>
       </p:sp>
     </p:spTree>
     <p:extLst>
       <p:ext uri="{BB962C8B-B14F-4D97-AF65-F5344CB8AC3E}">
-        <p14:creationId xmlns:p14="http://schemas.microsoft.com/office/powerpoint/2010/main" val="2543991114"/>
+        <p14:creationId xmlns:p14="http://schemas.microsoft.com/office/powerpoint/2010/main" val="740344653"/>
       </p:ext>
     </p:extLst>
   </p:cSld>
@@ -4106,7 +4059,7 @@
         </p:nvSpPr>
         <p:spPr>
           <a:xfrm>
-            <a:off x="1371599" y="685800"/>
+            <a:off x="1371600" y="685800"/>
             <a:ext cx="10025269" cy="758687"/>
           </a:xfrm>
         </p:spPr>
@@ -4116,7 +4069,7 @@
           <a:p>
             <a:r>
               <a:rPr lang="pt-BR" b="1" dirty="0"/>
-              <a:t>DESENVOLVIMENTO</a:t>
+              <a:t>REFERÊNCIAS</a:t>
             </a:r>
           </a:p>
         </p:txBody>
@@ -4149,18 +4102,159 @@
           </a:bodyPr>
           <a:lstStyle/>
           <a:p>
-            <a:r>
-              <a:rPr lang="pt-BR" sz="4000" dirty="0"/>
-              <a:t>Controle de acessos </a:t>
-            </a:r>
-          </a:p>
-          <a:p>
             <a:pPr marL="0" indent="0">
               <a:buNone/>
             </a:pPr>
             <a:r>
-              <a:rPr lang="pt-BR" sz="4000" dirty="0"/>
-              <a:t>e hierarquia.</a:t>
+              <a:rPr lang="pt-BR" dirty="0"/>
+              <a:t>CRONAPP. </a:t>
+            </a:r>
+            <a:r>
+              <a:rPr lang="pt-BR" b="1" dirty="0"/>
+              <a:t>Os maiores desafios e barreiras no desenvolvimento de softwares</a:t>
+            </a:r>
+            <a:r>
+              <a:rPr lang="pt-BR" dirty="0"/>
+              <a:t>. [</a:t>
+            </a:r>
+            <a:r>
+              <a:rPr lang="pt-BR" i="1" dirty="0"/>
+              <a:t>S. l.</a:t>
+            </a:r>
+            <a:r>
+              <a:rPr lang="pt-BR" dirty="0"/>
+              <a:t>], 9 out. 2017. Disponível em: https://www.cronapp.io/</a:t>
+            </a:r>
+            <a:r>
+              <a:rPr lang="pt-BR" dirty="0" err="1"/>
+              <a:t>pt-br</a:t>
+            </a:r>
+            <a:r>
+              <a:rPr lang="pt-BR" dirty="0"/>
+              <a:t>/os-maiores-desafios-e-barreiras-no-desenvolvimento-de-softwares/. Acesso em: 31 mar. 2019.</a:t>
+            </a:r>
+          </a:p>
+          <a:p>
+            <a:pPr marL="0" indent="0">
+              <a:buNone/>
+            </a:pPr>
+            <a:r>
+              <a:rPr lang="pt-BR" dirty="0"/>
+              <a:t>MOESCH, Beatriz; TOFFOLO, </a:t>
+            </a:r>
+            <a:r>
+              <a:rPr lang="pt-BR" dirty="0" err="1"/>
+              <a:t>Geferson</a:t>
+            </a:r>
+            <a:r>
+              <a:rPr lang="pt-BR" dirty="0"/>
+              <a:t>. </a:t>
+            </a:r>
+            <a:r>
+              <a:rPr lang="pt-BR" b="1" dirty="0"/>
+              <a:t>SISTEMA PARA GERENCIAMENTO DE PROCESSOS JURÍDICOS PARA O SAJUG</a:t>
+            </a:r>
+            <a:r>
+              <a:rPr lang="pt-BR" dirty="0"/>
+              <a:t>. Santa Catarina, 2013. Disponível em: http://revista.faifaculdades.edu.br/</a:t>
+            </a:r>
+            <a:r>
+              <a:rPr lang="pt-BR" dirty="0" err="1"/>
+              <a:t>index.php</a:t>
+            </a:r>
+            <a:r>
+              <a:rPr lang="pt-BR" dirty="0"/>
+              <a:t>/</a:t>
+            </a:r>
+            <a:r>
+              <a:rPr lang="pt-BR" dirty="0" err="1"/>
+              <a:t>conexao</a:t>
+            </a:r>
+            <a:r>
+              <a:rPr lang="pt-BR" dirty="0"/>
+              <a:t>/</a:t>
+            </a:r>
+            <a:r>
+              <a:rPr lang="pt-BR" dirty="0" err="1"/>
+              <a:t>article</a:t>
+            </a:r>
+            <a:r>
+              <a:rPr lang="pt-BR" dirty="0"/>
+              <a:t>/</a:t>
+            </a:r>
+            <a:r>
+              <a:rPr lang="pt-BR" dirty="0" err="1"/>
+              <a:t>view</a:t>
+            </a:r>
+            <a:r>
+              <a:rPr lang="pt-BR" dirty="0"/>
+              <a:t>/23/9. </a:t>
+            </a:r>
+            <a:r>
+              <a:rPr lang="en-US" dirty="0" err="1"/>
+              <a:t>Acesso</a:t>
+            </a:r>
+            <a:r>
+              <a:rPr lang="en-US" dirty="0"/>
+              <a:t> </a:t>
+            </a:r>
+            <a:r>
+              <a:rPr lang="en-US" dirty="0" err="1"/>
+              <a:t>em</a:t>
+            </a:r>
+            <a:r>
+              <a:rPr lang="en-US" dirty="0"/>
+              <a:t>: 25 mar. 2019.</a:t>
+            </a:r>
+            <a:endParaRPr lang="pt-BR" dirty="0"/>
+          </a:p>
+          <a:p>
+            <a:pPr marL="0" indent="0">
+              <a:buNone/>
+            </a:pPr>
+            <a:r>
+              <a:rPr lang="pt-BR" dirty="0"/>
+              <a:t>PROJURIS. </a:t>
+            </a:r>
+            <a:r>
+              <a:rPr lang="pt-BR" b="1" dirty="0"/>
+              <a:t>Aprenda em 1 minuto: o que é NPJ? Como funciona? Quem pode participar?</a:t>
+            </a:r>
+            <a:r>
+              <a:rPr lang="pt-BR" dirty="0"/>
+              <a:t>. [</a:t>
+            </a:r>
+            <a:r>
+              <a:rPr lang="pt-BR" i="1" dirty="0"/>
+              <a:t>S. l.</a:t>
+            </a:r>
+            <a:r>
+              <a:rPr lang="pt-BR" dirty="0"/>
+              <a:t>], [2017?]. Disponível em: https://www.projuris.com.br/como-funciona-</a:t>
+            </a:r>
+            <a:r>
+              <a:rPr lang="pt-BR" dirty="0" err="1"/>
+              <a:t>nucleo</a:t>
+            </a:r>
+            <a:r>
+              <a:rPr lang="pt-BR" dirty="0"/>
+              <a:t>-de-pratica-</a:t>
+            </a:r>
+            <a:r>
+              <a:rPr lang="pt-BR" dirty="0" err="1"/>
+              <a:t>juridica</a:t>
+            </a:r>
+            <a:r>
+              <a:rPr lang="pt-BR" dirty="0"/>
+              <a:t>-</a:t>
+            </a:r>
+            <a:r>
+              <a:rPr lang="pt-BR" dirty="0" err="1"/>
+              <a:t>npj</a:t>
+            </a:r>
+            <a:r>
+              <a:rPr lang="pt-BR" dirty="0"/>
+              <a:t>/. Acesso em: 25 mar. 2019.</a:t>
             </a:r>
           </a:p>
           <a:p>
@@ -4171,116 +4265,16 @@
           </a:p>
         </p:txBody>
       </p:sp>
-      <p:pic>
-        <p:nvPicPr>
-          <p:cNvPr id="6" name="Imagem 5">
-            <a:extLst>
-              <a:ext uri="{FF2B5EF4-FFF2-40B4-BE49-F238E27FC236}">
-                <a16:creationId xmlns:a16="http://schemas.microsoft.com/office/drawing/2014/main" id="{D7E4647C-2E1F-4F0E-9472-E9CD5E8BEF52}"/>
-              </a:ext>
-            </a:extLst>
-          </p:cNvPr>
-          <p:cNvPicPr>
-            <a:picLocks noChangeAspect="1"/>
-          </p:cNvPicPr>
-          <p:nvPr/>
-        </p:nvPicPr>
-        <p:blipFill>
-          <a:blip r:embed="rId2"/>
-          <a:stretch>
-            <a:fillRect/>
-          </a:stretch>
-        </p:blipFill>
-        <p:spPr>
-          <a:xfrm>
-            <a:off x="6584181" y="2378611"/>
-            <a:ext cx="2051779" cy="3886200"/>
-          </a:xfrm>
-          <a:prstGeom prst="rect">
-            <a:avLst/>
-          </a:prstGeom>
-          <a:ln w="38100" cap="sq">
-            <a:solidFill>
-              <a:srgbClr val="000000"/>
-            </a:solidFill>
-            <a:prstDash val="solid"/>
-            <a:miter lim="800000"/>
-          </a:ln>
-          <a:effectLst>
-            <a:outerShdw blurRad="50800" dist="38100" dir="2700000" algn="tl" rotWithShape="0">
-              <a:srgbClr val="000000">
-                <a:alpha val="43000"/>
-              </a:srgbClr>
-            </a:outerShdw>
-          </a:effectLst>
-        </p:spPr>
-      </p:pic>
-      <p:pic>
-        <p:nvPicPr>
-          <p:cNvPr id="8" name="Imagem 7">
-            <a:extLst>
-              <a:ext uri="{FF2B5EF4-FFF2-40B4-BE49-F238E27FC236}">
-                <a16:creationId xmlns:a16="http://schemas.microsoft.com/office/drawing/2014/main" id="{ACAEA7CC-D7AA-42DF-AAB6-9080BCEFCE4B}"/>
-              </a:ext>
-            </a:extLst>
-          </p:cNvPr>
-          <p:cNvPicPr>
-            <a:picLocks noChangeAspect="1"/>
-          </p:cNvPicPr>
-          <p:nvPr/>
-        </p:nvPicPr>
-        <p:blipFill>
-          <a:blip r:embed="rId3"/>
-          <a:stretch>
-            <a:fillRect/>
-          </a:stretch>
-        </p:blipFill>
-        <p:spPr>
-          <a:xfrm>
-            <a:off x="8945217" y="1348257"/>
-            <a:ext cx="2234797" cy="4916554"/>
-          </a:xfrm>
-          <a:prstGeom prst="rect">
-            <a:avLst/>
-          </a:prstGeom>
-          <a:ln w="38100" cap="sq">
-            <a:solidFill>
-              <a:srgbClr val="000000"/>
-            </a:solidFill>
-            <a:prstDash val="solid"/>
-            <a:miter lim="800000"/>
-          </a:ln>
-          <a:effectLst>
-            <a:outerShdw blurRad="50800" dist="38100" dir="2700000" algn="tl" rotWithShape="0">
-              <a:srgbClr val="000000">
-                <a:alpha val="43000"/>
-              </a:srgbClr>
-            </a:outerShdw>
-          </a:effectLst>
-        </p:spPr>
-      </p:pic>
     </p:spTree>
     <p:extLst>
       <p:ext uri="{BB962C8B-B14F-4D97-AF65-F5344CB8AC3E}">
-        <p14:creationId xmlns:p14="http://schemas.microsoft.com/office/powerpoint/2010/main" val="3407469106"/>
+        <p14:creationId xmlns:p14="http://schemas.microsoft.com/office/powerpoint/2010/main" val="1533938094"/>
       </p:ext>
     </p:extLst>
   </p:cSld>
   <p:clrMapOvr>
     <a:masterClrMapping/>
   </p:clrMapOvr>
-  <mc:AlternateContent xmlns:mc="http://schemas.openxmlformats.org/markup-compatibility/2006" xmlns:p14="http://schemas.microsoft.com/office/powerpoint/2010/main">
-    <mc:Choice Requires="p14">
-      <p:transition spd="med" p14:dur="700">
-        <p:fade/>
-      </p:transition>
-    </mc:Choice>
-    <mc:Fallback xmlns="">
-      <p:transition spd="med">
-        <p:fade/>
-      </p:transition>
-    </mc:Fallback>
-  </mc:AlternateContent>
 </p:sld>
 </file>
 
@@ -4319,7 +4313,7 @@
         </p:nvSpPr>
         <p:spPr>
           <a:xfrm>
-            <a:off x="1371599" y="685800"/>
+            <a:off x="1371600" y="685800"/>
             <a:ext cx="10025269" cy="758687"/>
           </a:xfrm>
         </p:spPr>
@@ -4329,7 +4323,7 @@
           <a:p>
             <a:r>
               <a:rPr lang="pt-BR" b="1" dirty="0"/>
-              <a:t>DESENVOLVIMENTO</a:t>
+              <a:t>REFERÊNCIAS</a:t>
             </a:r>
           </a:p>
         </p:txBody>
@@ -4358,13 +4352,163 @@
         </p:spPr>
         <p:txBody>
           <a:bodyPr>
-            <a:normAutofit/>
+            <a:normAutofit lnSpcReduction="10000"/>
           </a:bodyPr>
           <a:lstStyle/>
           <a:p>
-            <a:r>
-              <a:rPr lang="pt-BR" sz="4000" dirty="0"/>
-              <a:t>Cadastro de usuário.</a:t>
+            <a:pPr marL="0" indent="0">
+              <a:buNone/>
+            </a:pPr>
+            <a:r>
+              <a:rPr lang="pt-BR" dirty="0"/>
+              <a:t>PROJURIS. </a:t>
+            </a:r>
+            <a:r>
+              <a:rPr lang="pt-BR" b="1" dirty="0"/>
+              <a:t>“Com </a:t>
+            </a:r>
+            <a:r>
+              <a:rPr lang="pt-BR" b="1" dirty="0" err="1"/>
+              <a:t>ProJuris</a:t>
+            </a:r>
+            <a:r>
+              <a:rPr lang="pt-BR" b="1" dirty="0"/>
+              <a:t>, acabamos com a necessidade de alimentar planilhas em Excel, relatórios e agenda física”</a:t>
+            </a:r>
+            <a:r>
+              <a:rPr lang="pt-BR" dirty="0"/>
+              <a:t>. [</a:t>
+            </a:r>
+            <a:r>
+              <a:rPr lang="pt-BR" i="1" dirty="0"/>
+              <a:t>S. l.</a:t>
+            </a:r>
+            <a:r>
+              <a:rPr lang="pt-BR" dirty="0"/>
+              <a:t>], [2016?]. Disponível em: https://www.projuris.com.br/case-software-</a:t>
+            </a:r>
+            <a:r>
+              <a:rPr lang="pt-BR" dirty="0" err="1"/>
+              <a:t>juridico</a:t>
+            </a:r>
+            <a:r>
+              <a:rPr lang="pt-BR" dirty="0"/>
+              <a:t>-</a:t>
+            </a:r>
+            <a:r>
+              <a:rPr lang="pt-BR" dirty="0" err="1"/>
+              <a:t>projuris</a:t>
+            </a:r>
+            <a:r>
+              <a:rPr lang="pt-BR" dirty="0"/>
+              <a:t>-paul-</a:t>
+            </a:r>
+            <a:r>
+              <a:rPr lang="pt-BR" dirty="0" err="1"/>
+              <a:t>gouveia</a:t>
+            </a:r>
+            <a:r>
+              <a:rPr lang="pt-BR" dirty="0"/>
+              <a:t>-horta-advogados/. Acesso em: 25 mar. 2019.</a:t>
+            </a:r>
+          </a:p>
+          <a:p>
+            <a:pPr marL="0" indent="0">
+              <a:buNone/>
+            </a:pPr>
+            <a:r>
+              <a:rPr lang="pt-BR" dirty="0"/>
+              <a:t>PUCPR. </a:t>
+            </a:r>
+            <a:r>
+              <a:rPr lang="pt-BR" b="1" dirty="0"/>
+              <a:t>Núcleo de Prática Jurídica</a:t>
+            </a:r>
+            <a:r>
+              <a:rPr lang="pt-BR" dirty="0"/>
+              <a:t>. [</a:t>
+            </a:r>
+            <a:r>
+              <a:rPr lang="pt-BR" i="1" dirty="0"/>
+              <a:t>S. l.</a:t>
+            </a:r>
+            <a:r>
+              <a:rPr lang="pt-BR" dirty="0"/>
+              <a:t>], [20--?]. Disponível em: https://www.pucpr.br/escola-de-direito/</a:t>
+            </a:r>
+            <a:r>
+              <a:rPr lang="pt-BR" dirty="0" err="1"/>
+              <a:t>nucleo</a:t>
+            </a:r>
+            <a:r>
+              <a:rPr lang="pt-BR" dirty="0"/>
+              <a:t>-de-pratica-</a:t>
+            </a:r>
+            <a:r>
+              <a:rPr lang="pt-BR" dirty="0" err="1"/>
+              <a:t>juridica</a:t>
+            </a:r>
+            <a:r>
+              <a:rPr lang="pt-BR" dirty="0"/>
+              <a:t>/. Acesso em: 25 mar. 2019.</a:t>
+            </a:r>
+          </a:p>
+          <a:p>
+            <a:pPr marL="0" indent="0">
+              <a:buNone/>
+            </a:pPr>
+            <a:r>
+              <a:rPr lang="pt-BR" dirty="0"/>
+              <a:t>SAJ ADV. </a:t>
+            </a:r>
+            <a:r>
+              <a:rPr lang="pt-BR" b="1" dirty="0"/>
+              <a:t>SAJ ADV</a:t>
+            </a:r>
+            <a:r>
+              <a:rPr lang="pt-BR" dirty="0"/>
+              <a:t>. Santa Catarina, [2018?]. Disponível em: https://www.sajadv.com.br/. Acesso em: 25 mar. 2019.</a:t>
+            </a:r>
+          </a:p>
+          <a:p>
+            <a:pPr marL="0" indent="0">
+              <a:buNone/>
+            </a:pPr>
+            <a:r>
+              <a:rPr lang="pt-BR" dirty="0"/>
+              <a:t>UP. </a:t>
+            </a:r>
+            <a:r>
+              <a:rPr lang="pt-BR" b="1" dirty="0"/>
+              <a:t>Núcleo de Prática Jurídica (NPJ)</a:t>
+            </a:r>
+            <a:r>
+              <a:rPr lang="pt-BR" dirty="0"/>
+              <a:t>. Paraná, [2018?]. Disponível em: https://www.up.edu.br/londrina/</a:t>
+            </a:r>
+            <a:r>
+              <a:rPr lang="pt-BR" dirty="0" err="1"/>
+              <a:t>nucleo</a:t>
+            </a:r>
+            <a:r>
+              <a:rPr lang="pt-BR" dirty="0"/>
+              <a:t>-de-pratica-</a:t>
+            </a:r>
+            <a:r>
+              <a:rPr lang="pt-BR" dirty="0" err="1"/>
+              <a:t>juridica</a:t>
+            </a:r>
+            <a:r>
+              <a:rPr lang="pt-BR" dirty="0"/>
+              <a:t>--</a:t>
+            </a:r>
+            <a:r>
+              <a:rPr lang="pt-BR" dirty="0" err="1"/>
+              <a:t>npj</a:t>
+            </a:r>
+            <a:r>
+              <a:rPr lang="pt-BR" dirty="0"/>
+              <a:t>-. Acesso em: 25 mar. 2019.</a:t>
             </a:r>
           </a:p>
           <a:p>
@@ -4378,1059 +4522,7 @@
     </p:spTree>
     <p:extLst>
       <p:ext uri="{BB962C8B-B14F-4D97-AF65-F5344CB8AC3E}">
-        <p14:creationId xmlns:p14="http://schemas.microsoft.com/office/powerpoint/2010/main" val="3704898656"/>
-      </p:ext>
-    </p:extLst>
-  </p:cSld>
-  <p:clrMapOvr>
-    <a:masterClrMapping/>
-  </p:clrMapOvr>
-</p:sld>
-</file>
-
-<file path=ppt/slides/slide13.xml><?xml version="1.0" encoding="utf-8"?>
-<p:sld xmlns:a="http://schemas.openxmlformats.org/drawingml/2006/main" xmlns:r="http://schemas.openxmlformats.org/officeDocument/2006/relationships" xmlns:p="http://schemas.openxmlformats.org/presentationml/2006/main">
-  <p:cSld>
-    <p:spTree>
-      <p:nvGrpSpPr>
-        <p:cNvPr id="1" name=""/>
-        <p:cNvGrpSpPr/>
-        <p:nvPr/>
-      </p:nvGrpSpPr>
-      <p:grpSpPr>
-        <a:xfrm>
-          <a:off x="0" y="0"/>
-          <a:ext cx="0" cy="0"/>
-          <a:chOff x="0" y="0"/>
-          <a:chExt cx="0" cy="0"/>
-        </a:xfrm>
-      </p:grpSpPr>
-      <p:sp>
-        <p:nvSpPr>
-          <p:cNvPr id="2" name="Título 1">
-            <a:extLst>
-              <a:ext uri="{FF2B5EF4-FFF2-40B4-BE49-F238E27FC236}">
-                <a16:creationId xmlns:a16="http://schemas.microsoft.com/office/drawing/2014/main" id="{D737DEE5-B6B0-477E-ADA6-F6728C1C6263}"/>
-              </a:ext>
-            </a:extLst>
-          </p:cNvPr>
-          <p:cNvSpPr>
-            <a:spLocks noGrp="1"/>
-          </p:cNvSpPr>
-          <p:nvPr>
-            <p:ph type="title"/>
-          </p:nvPr>
-        </p:nvSpPr>
-        <p:spPr>
-          <a:xfrm>
-            <a:off x="1371599" y="685800"/>
-            <a:ext cx="10025269" cy="758687"/>
-          </a:xfrm>
-        </p:spPr>
-        <p:txBody>
-          <a:bodyPr/>
-          <a:lstStyle/>
-          <a:p>
-            <a:r>
-              <a:rPr lang="pt-BR" b="1" dirty="0"/>
-              <a:t>DESENVOLVIMENTO</a:t>
-            </a:r>
-          </a:p>
-        </p:txBody>
-      </p:sp>
-      <p:sp>
-        <p:nvSpPr>
-          <p:cNvPr id="3" name="Espaço Reservado para Conteúdo 2">
-            <a:extLst>
-              <a:ext uri="{FF2B5EF4-FFF2-40B4-BE49-F238E27FC236}">
-                <a16:creationId xmlns:a16="http://schemas.microsoft.com/office/drawing/2014/main" id="{D951B36D-1F6E-4DD9-8465-68F7EAD9AB3B}"/>
-              </a:ext>
-            </a:extLst>
-          </p:cNvPr>
-          <p:cNvSpPr>
-            <a:spLocks noGrp="1"/>
-          </p:cNvSpPr>
-          <p:nvPr>
-            <p:ph idx="1"/>
-          </p:nvPr>
-        </p:nvSpPr>
-        <p:spPr>
-          <a:xfrm>
-            <a:off x="1371600" y="2286000"/>
-            <a:ext cx="9455426" cy="3886200"/>
-          </a:xfrm>
-        </p:spPr>
-        <p:txBody>
-          <a:bodyPr>
-            <a:normAutofit/>
-          </a:bodyPr>
-          <a:lstStyle/>
-          <a:p>
-            <a:r>
-              <a:rPr lang="pt-BR" sz="4000" dirty="0"/>
-              <a:t>Cadastro de usuário.</a:t>
-            </a:r>
-          </a:p>
-          <a:p>
-            <a:pPr marL="0" indent="0">
-              <a:buNone/>
-            </a:pPr>
-            <a:endParaRPr lang="pt-BR" sz="4000" dirty="0"/>
-          </a:p>
-        </p:txBody>
-      </p:sp>
-      <p:pic>
-        <p:nvPicPr>
-          <p:cNvPr id="5" name="Imagem 4">
-            <a:extLst>
-              <a:ext uri="{FF2B5EF4-FFF2-40B4-BE49-F238E27FC236}">
-                <a16:creationId xmlns:a16="http://schemas.microsoft.com/office/drawing/2014/main" id="{7BEA8FC5-28E5-4C92-805C-EC0CBFB10DED}"/>
-              </a:ext>
-            </a:extLst>
-          </p:cNvPr>
-          <p:cNvPicPr>
-            <a:picLocks noChangeAspect="1"/>
-          </p:cNvPicPr>
-          <p:nvPr/>
-        </p:nvPicPr>
-        <p:blipFill>
-          <a:blip r:embed="rId2"/>
-          <a:stretch>
-            <a:fillRect/>
-          </a:stretch>
-        </p:blipFill>
-        <p:spPr>
-          <a:xfrm>
-            <a:off x="2567517" y="2992363"/>
-            <a:ext cx="7056966" cy="3387030"/>
-          </a:xfrm>
-          <a:prstGeom prst="rect">
-            <a:avLst/>
-          </a:prstGeom>
-          <a:ln w="38100" cap="sq">
-            <a:solidFill>
-              <a:srgbClr val="000000"/>
-            </a:solidFill>
-            <a:prstDash val="solid"/>
-            <a:miter lim="800000"/>
-          </a:ln>
-          <a:effectLst>
-            <a:outerShdw blurRad="50800" dist="38100" dir="2700000" algn="tl" rotWithShape="0">
-              <a:srgbClr val="000000">
-                <a:alpha val="43000"/>
-              </a:srgbClr>
-            </a:outerShdw>
-          </a:effectLst>
-        </p:spPr>
-      </p:pic>
-    </p:spTree>
-    <p:extLst>
-      <p:ext uri="{BB962C8B-B14F-4D97-AF65-F5344CB8AC3E}">
-        <p14:creationId xmlns:p14="http://schemas.microsoft.com/office/powerpoint/2010/main" val="4085612771"/>
-      </p:ext>
-    </p:extLst>
-  </p:cSld>
-  <p:clrMapOvr>
-    <a:masterClrMapping/>
-  </p:clrMapOvr>
-  <mc:AlternateContent xmlns:mc="http://schemas.openxmlformats.org/markup-compatibility/2006" xmlns:p14="http://schemas.microsoft.com/office/powerpoint/2010/main">
-    <mc:Choice Requires="p14">
-      <p:transition spd="med" p14:dur="700">
-        <p:fade/>
-      </p:transition>
-    </mc:Choice>
-    <mc:Fallback xmlns="">
-      <p:transition spd="med">
-        <p:fade/>
-      </p:transition>
-    </mc:Fallback>
-  </mc:AlternateContent>
-</p:sld>
-</file>
-
-<file path=ppt/slides/slide14.xml><?xml version="1.0" encoding="utf-8"?>
-<p:sld xmlns:a="http://schemas.openxmlformats.org/drawingml/2006/main" xmlns:r="http://schemas.openxmlformats.org/officeDocument/2006/relationships" xmlns:p="http://schemas.openxmlformats.org/presentationml/2006/main">
-  <p:cSld>
-    <p:spTree>
-      <p:nvGrpSpPr>
-        <p:cNvPr id="1" name=""/>
-        <p:cNvGrpSpPr/>
-        <p:nvPr/>
-      </p:nvGrpSpPr>
-      <p:grpSpPr>
-        <a:xfrm>
-          <a:off x="0" y="0"/>
-          <a:ext cx="0" cy="0"/>
-          <a:chOff x="0" y="0"/>
-          <a:chExt cx="0" cy="0"/>
-        </a:xfrm>
-      </p:grpSpPr>
-      <p:sp>
-        <p:nvSpPr>
-          <p:cNvPr id="2" name="Título 1">
-            <a:extLst>
-              <a:ext uri="{FF2B5EF4-FFF2-40B4-BE49-F238E27FC236}">
-                <a16:creationId xmlns:a16="http://schemas.microsoft.com/office/drawing/2014/main" id="{D737DEE5-B6B0-477E-ADA6-F6728C1C6263}"/>
-              </a:ext>
-            </a:extLst>
-          </p:cNvPr>
-          <p:cNvSpPr>
-            <a:spLocks noGrp="1"/>
-          </p:cNvSpPr>
-          <p:nvPr>
-            <p:ph type="title"/>
-          </p:nvPr>
-        </p:nvSpPr>
-        <p:spPr>
-          <a:xfrm>
-            <a:off x="1371599" y="685800"/>
-            <a:ext cx="10025269" cy="758687"/>
-          </a:xfrm>
-        </p:spPr>
-        <p:txBody>
-          <a:bodyPr/>
-          <a:lstStyle/>
-          <a:p>
-            <a:r>
-              <a:rPr lang="pt-BR" b="1" dirty="0"/>
-              <a:t>DESENVOLVIMENTO</a:t>
-            </a:r>
-          </a:p>
-        </p:txBody>
-      </p:sp>
-      <p:sp>
-        <p:nvSpPr>
-          <p:cNvPr id="3" name="Espaço Reservado para Conteúdo 2">
-            <a:extLst>
-              <a:ext uri="{FF2B5EF4-FFF2-40B4-BE49-F238E27FC236}">
-                <a16:creationId xmlns:a16="http://schemas.microsoft.com/office/drawing/2014/main" id="{D951B36D-1F6E-4DD9-8465-68F7EAD9AB3B}"/>
-              </a:ext>
-            </a:extLst>
-          </p:cNvPr>
-          <p:cNvSpPr>
-            <a:spLocks noGrp="1"/>
-          </p:cNvSpPr>
-          <p:nvPr>
-            <p:ph idx="1"/>
-          </p:nvPr>
-        </p:nvSpPr>
-        <p:spPr>
-          <a:xfrm>
-            <a:off x="1371600" y="2286000"/>
-            <a:ext cx="9455426" cy="3886200"/>
-          </a:xfrm>
-        </p:spPr>
-        <p:txBody>
-          <a:bodyPr>
-            <a:normAutofit/>
-          </a:bodyPr>
-          <a:lstStyle/>
-          <a:p>
-            <a:r>
-              <a:rPr lang="pt-BR" sz="4000" dirty="0"/>
-              <a:t>Cadastro de usuário.</a:t>
-            </a:r>
-          </a:p>
-          <a:p>
-            <a:pPr marL="0" indent="0">
-              <a:buNone/>
-            </a:pPr>
-            <a:endParaRPr lang="pt-BR" sz="4000" dirty="0"/>
-          </a:p>
-        </p:txBody>
-      </p:sp>
-      <p:pic>
-        <p:nvPicPr>
-          <p:cNvPr id="6" name="Imagem 5">
-            <a:extLst>
-              <a:ext uri="{FF2B5EF4-FFF2-40B4-BE49-F238E27FC236}">
-                <a16:creationId xmlns:a16="http://schemas.microsoft.com/office/drawing/2014/main" id="{FA9184FE-B1EB-4ECA-91E5-2DB351C9F0E7}"/>
-              </a:ext>
-            </a:extLst>
-          </p:cNvPr>
-          <p:cNvPicPr>
-            <a:picLocks noChangeAspect="1"/>
-          </p:cNvPicPr>
-          <p:nvPr/>
-        </p:nvPicPr>
-        <p:blipFill>
-          <a:blip r:embed="rId2"/>
-          <a:stretch>
-            <a:fillRect/>
-          </a:stretch>
-        </p:blipFill>
-        <p:spPr>
-          <a:xfrm>
-            <a:off x="2140253" y="3266670"/>
-            <a:ext cx="8487960" cy="2905530"/>
-          </a:xfrm>
-          <a:prstGeom prst="rect">
-            <a:avLst/>
-          </a:prstGeom>
-          <a:ln w="38100" cap="sq">
-            <a:solidFill>
-              <a:srgbClr val="000000"/>
-            </a:solidFill>
-            <a:prstDash val="solid"/>
-            <a:miter lim="800000"/>
-          </a:ln>
-          <a:effectLst>
-            <a:outerShdw blurRad="50800" dist="38100" dir="2700000" algn="tl" rotWithShape="0">
-              <a:srgbClr val="000000">
-                <a:alpha val="43000"/>
-              </a:srgbClr>
-            </a:outerShdw>
-          </a:effectLst>
-        </p:spPr>
-      </p:pic>
-    </p:spTree>
-    <p:extLst>
-      <p:ext uri="{BB962C8B-B14F-4D97-AF65-F5344CB8AC3E}">
-        <p14:creationId xmlns:p14="http://schemas.microsoft.com/office/powerpoint/2010/main" val="2075795011"/>
-      </p:ext>
-    </p:extLst>
-  </p:cSld>
-  <p:clrMapOvr>
-    <a:masterClrMapping/>
-  </p:clrMapOvr>
-  <mc:AlternateContent xmlns:mc="http://schemas.openxmlformats.org/markup-compatibility/2006" xmlns:p14="http://schemas.microsoft.com/office/powerpoint/2010/main">
-    <mc:Choice Requires="p14">
-      <p:transition spd="med" p14:dur="700">
-        <p:fade/>
-      </p:transition>
-    </mc:Choice>
-    <mc:Fallback xmlns="">
-      <p:transition spd="med">
-        <p:fade/>
-      </p:transition>
-    </mc:Fallback>
-  </mc:AlternateContent>
-</p:sld>
-</file>
-
-<file path=ppt/slides/slide15.xml><?xml version="1.0" encoding="utf-8"?>
-<p:sld xmlns:a="http://schemas.openxmlformats.org/drawingml/2006/main" xmlns:r="http://schemas.openxmlformats.org/officeDocument/2006/relationships" xmlns:p="http://schemas.openxmlformats.org/presentationml/2006/main">
-  <p:cSld>
-    <p:spTree>
-      <p:nvGrpSpPr>
-        <p:cNvPr id="1" name=""/>
-        <p:cNvGrpSpPr/>
-        <p:nvPr/>
-      </p:nvGrpSpPr>
-      <p:grpSpPr>
-        <a:xfrm>
-          <a:off x="0" y="0"/>
-          <a:ext cx="0" cy="0"/>
-          <a:chOff x="0" y="0"/>
-          <a:chExt cx="0" cy="0"/>
-        </a:xfrm>
-      </p:grpSpPr>
-      <p:sp>
-        <p:nvSpPr>
-          <p:cNvPr id="2" name="Título 1">
-            <a:extLst>
-              <a:ext uri="{FF2B5EF4-FFF2-40B4-BE49-F238E27FC236}">
-                <a16:creationId xmlns:a16="http://schemas.microsoft.com/office/drawing/2014/main" id="{D737DEE5-B6B0-477E-ADA6-F6728C1C6263}"/>
-              </a:ext>
-            </a:extLst>
-          </p:cNvPr>
-          <p:cNvSpPr>
-            <a:spLocks noGrp="1"/>
-          </p:cNvSpPr>
-          <p:nvPr>
-            <p:ph type="title"/>
-          </p:nvPr>
-        </p:nvSpPr>
-        <p:spPr>
-          <a:xfrm>
-            <a:off x="1371599" y="685800"/>
-            <a:ext cx="10025269" cy="758687"/>
-          </a:xfrm>
-        </p:spPr>
-        <p:txBody>
-          <a:bodyPr/>
-          <a:lstStyle/>
-          <a:p>
-            <a:r>
-              <a:rPr lang="pt-BR" b="1" dirty="0"/>
-              <a:t>DESENVOLVIMENTO</a:t>
-            </a:r>
-          </a:p>
-        </p:txBody>
-      </p:sp>
-      <p:sp>
-        <p:nvSpPr>
-          <p:cNvPr id="3" name="Espaço Reservado para Conteúdo 2">
-            <a:extLst>
-              <a:ext uri="{FF2B5EF4-FFF2-40B4-BE49-F238E27FC236}">
-                <a16:creationId xmlns:a16="http://schemas.microsoft.com/office/drawing/2014/main" id="{D951B36D-1F6E-4DD9-8465-68F7EAD9AB3B}"/>
-              </a:ext>
-            </a:extLst>
-          </p:cNvPr>
-          <p:cNvSpPr>
-            <a:spLocks noGrp="1"/>
-          </p:cNvSpPr>
-          <p:nvPr>
-            <p:ph idx="1"/>
-          </p:nvPr>
-        </p:nvSpPr>
-        <p:spPr>
-          <a:xfrm>
-            <a:off x="1371600" y="2286000"/>
-            <a:ext cx="9455426" cy="3886200"/>
-          </a:xfrm>
-        </p:spPr>
-        <p:txBody>
-          <a:bodyPr>
-            <a:normAutofit/>
-          </a:bodyPr>
-          <a:lstStyle/>
-          <a:p>
-            <a:r>
-              <a:rPr lang="pt-BR" sz="4000" dirty="0"/>
-              <a:t>Cadastro de usuário.</a:t>
-            </a:r>
-          </a:p>
-          <a:p>
-            <a:pPr marL="0" indent="0">
-              <a:buNone/>
-            </a:pPr>
-            <a:endParaRPr lang="pt-BR" sz="4000" dirty="0"/>
-          </a:p>
-        </p:txBody>
-      </p:sp>
-      <p:pic>
-        <p:nvPicPr>
-          <p:cNvPr id="5" name="Imagem 4">
-            <a:extLst>
-              <a:ext uri="{FF2B5EF4-FFF2-40B4-BE49-F238E27FC236}">
-                <a16:creationId xmlns:a16="http://schemas.microsoft.com/office/drawing/2014/main" id="{C0CF31AE-B1F3-40EE-A065-D677BD15D5C5}"/>
-              </a:ext>
-            </a:extLst>
-          </p:cNvPr>
-          <p:cNvPicPr>
-            <a:picLocks noChangeAspect="1"/>
-          </p:cNvPicPr>
-          <p:nvPr/>
-        </p:nvPicPr>
-        <p:blipFill>
-          <a:blip r:embed="rId2"/>
-          <a:stretch>
-            <a:fillRect/>
-          </a:stretch>
-        </p:blipFill>
-        <p:spPr>
-          <a:xfrm>
-            <a:off x="2135490" y="3228564"/>
-            <a:ext cx="8497486" cy="2943636"/>
-          </a:xfrm>
-          <a:prstGeom prst="rect">
-            <a:avLst/>
-          </a:prstGeom>
-          <a:ln w="38100" cap="sq">
-            <a:solidFill>
-              <a:srgbClr val="000000"/>
-            </a:solidFill>
-            <a:prstDash val="solid"/>
-            <a:miter lim="800000"/>
-          </a:ln>
-          <a:effectLst>
-            <a:outerShdw blurRad="50800" dist="38100" dir="2700000" algn="tl" rotWithShape="0">
-              <a:srgbClr val="000000">
-                <a:alpha val="43000"/>
-              </a:srgbClr>
-            </a:outerShdw>
-          </a:effectLst>
-        </p:spPr>
-      </p:pic>
-    </p:spTree>
-    <p:extLst>
-      <p:ext uri="{BB962C8B-B14F-4D97-AF65-F5344CB8AC3E}">
-        <p14:creationId xmlns:p14="http://schemas.microsoft.com/office/powerpoint/2010/main" val="4279685359"/>
-      </p:ext>
-    </p:extLst>
-  </p:cSld>
-  <p:clrMapOvr>
-    <a:masterClrMapping/>
-  </p:clrMapOvr>
-  <mc:AlternateContent xmlns:mc="http://schemas.openxmlformats.org/markup-compatibility/2006" xmlns:p14="http://schemas.microsoft.com/office/powerpoint/2010/main">
-    <mc:Choice Requires="p14">
-      <p:transition spd="med" p14:dur="700">
-        <p:fade/>
-      </p:transition>
-    </mc:Choice>
-    <mc:Fallback xmlns="">
-      <p:transition spd="med">
-        <p:fade/>
-      </p:transition>
-    </mc:Fallback>
-  </mc:AlternateContent>
-</p:sld>
-</file>
-
-<file path=ppt/slides/slide16.xml><?xml version="1.0" encoding="utf-8"?>
-<p:sld xmlns:a="http://schemas.openxmlformats.org/drawingml/2006/main" xmlns:r="http://schemas.openxmlformats.org/officeDocument/2006/relationships" xmlns:p="http://schemas.openxmlformats.org/presentationml/2006/main">
-  <p:cSld>
-    <p:spTree>
-      <p:nvGrpSpPr>
-        <p:cNvPr id="1" name=""/>
-        <p:cNvGrpSpPr/>
-        <p:nvPr/>
-      </p:nvGrpSpPr>
-      <p:grpSpPr>
-        <a:xfrm>
-          <a:off x="0" y="0"/>
-          <a:ext cx="0" cy="0"/>
-          <a:chOff x="0" y="0"/>
-          <a:chExt cx="0" cy="0"/>
-        </a:xfrm>
-      </p:grpSpPr>
-      <p:sp>
-        <p:nvSpPr>
-          <p:cNvPr id="2" name="Título 1">
-            <a:extLst>
-              <a:ext uri="{FF2B5EF4-FFF2-40B4-BE49-F238E27FC236}">
-                <a16:creationId xmlns:a16="http://schemas.microsoft.com/office/drawing/2014/main" id="{D737DEE5-B6B0-477E-ADA6-F6728C1C6263}"/>
-              </a:ext>
-            </a:extLst>
-          </p:cNvPr>
-          <p:cNvSpPr>
-            <a:spLocks noGrp="1"/>
-          </p:cNvSpPr>
-          <p:nvPr>
-            <p:ph type="title"/>
-          </p:nvPr>
-        </p:nvSpPr>
-        <p:spPr>
-          <a:xfrm>
-            <a:off x="1371599" y="685800"/>
-            <a:ext cx="10025269" cy="758687"/>
-          </a:xfrm>
-        </p:spPr>
-        <p:txBody>
-          <a:bodyPr/>
-          <a:lstStyle/>
-          <a:p>
-            <a:r>
-              <a:rPr lang="pt-BR" b="1" dirty="0"/>
-              <a:t>DESENVOLVIMENTO</a:t>
-            </a:r>
-          </a:p>
-        </p:txBody>
-      </p:sp>
-      <p:sp>
-        <p:nvSpPr>
-          <p:cNvPr id="3" name="Espaço Reservado para Conteúdo 2">
-            <a:extLst>
-              <a:ext uri="{FF2B5EF4-FFF2-40B4-BE49-F238E27FC236}">
-                <a16:creationId xmlns:a16="http://schemas.microsoft.com/office/drawing/2014/main" id="{D951B36D-1F6E-4DD9-8465-68F7EAD9AB3B}"/>
-              </a:ext>
-            </a:extLst>
-          </p:cNvPr>
-          <p:cNvSpPr>
-            <a:spLocks noGrp="1"/>
-          </p:cNvSpPr>
-          <p:nvPr>
-            <p:ph idx="1"/>
-          </p:nvPr>
-        </p:nvSpPr>
-        <p:spPr>
-          <a:xfrm>
-            <a:off x="1371600" y="2286000"/>
-            <a:ext cx="9455426" cy="3886200"/>
-          </a:xfrm>
-        </p:spPr>
-        <p:txBody>
-          <a:bodyPr>
-            <a:normAutofit/>
-          </a:bodyPr>
-          <a:lstStyle/>
-          <a:p>
-            <a:r>
-              <a:rPr lang="pt-BR" sz="4000" dirty="0"/>
-              <a:t>Cadastro de caso.</a:t>
-            </a:r>
-          </a:p>
-          <a:p>
-            <a:pPr marL="0" indent="0">
-              <a:buNone/>
-            </a:pPr>
-            <a:endParaRPr lang="pt-BR" sz="4000" dirty="0"/>
-          </a:p>
-        </p:txBody>
-      </p:sp>
-    </p:spTree>
-    <p:extLst>
-      <p:ext uri="{BB962C8B-B14F-4D97-AF65-F5344CB8AC3E}">
-        <p14:creationId xmlns:p14="http://schemas.microsoft.com/office/powerpoint/2010/main" val="3207756600"/>
-      </p:ext>
-    </p:extLst>
-  </p:cSld>
-  <p:clrMapOvr>
-    <a:masterClrMapping/>
-  </p:clrMapOvr>
-</p:sld>
-</file>
-
-<file path=ppt/slides/slide17.xml><?xml version="1.0" encoding="utf-8"?>
-<p:sld xmlns:a="http://schemas.openxmlformats.org/drawingml/2006/main" xmlns:r="http://schemas.openxmlformats.org/officeDocument/2006/relationships" xmlns:p="http://schemas.openxmlformats.org/presentationml/2006/main">
-  <p:cSld>
-    <p:spTree>
-      <p:nvGrpSpPr>
-        <p:cNvPr id="1" name=""/>
-        <p:cNvGrpSpPr/>
-        <p:nvPr/>
-      </p:nvGrpSpPr>
-      <p:grpSpPr>
-        <a:xfrm>
-          <a:off x="0" y="0"/>
-          <a:ext cx="0" cy="0"/>
-          <a:chOff x="0" y="0"/>
-          <a:chExt cx="0" cy="0"/>
-        </a:xfrm>
-      </p:grpSpPr>
-      <p:sp>
-        <p:nvSpPr>
-          <p:cNvPr id="2" name="Título 1">
-            <a:extLst>
-              <a:ext uri="{FF2B5EF4-FFF2-40B4-BE49-F238E27FC236}">
-                <a16:creationId xmlns:a16="http://schemas.microsoft.com/office/drawing/2014/main" id="{D737DEE5-B6B0-477E-ADA6-F6728C1C6263}"/>
-              </a:ext>
-            </a:extLst>
-          </p:cNvPr>
-          <p:cNvSpPr>
-            <a:spLocks noGrp="1"/>
-          </p:cNvSpPr>
-          <p:nvPr>
-            <p:ph type="title"/>
-          </p:nvPr>
-        </p:nvSpPr>
-        <p:spPr>
-          <a:xfrm>
-            <a:off x="1371599" y="685800"/>
-            <a:ext cx="10025269" cy="758687"/>
-          </a:xfrm>
-        </p:spPr>
-        <p:txBody>
-          <a:bodyPr/>
-          <a:lstStyle/>
-          <a:p>
-            <a:r>
-              <a:rPr lang="pt-BR" b="1" dirty="0"/>
-              <a:t>DESENVOLVIMENTO</a:t>
-            </a:r>
-          </a:p>
-        </p:txBody>
-      </p:sp>
-      <p:sp>
-        <p:nvSpPr>
-          <p:cNvPr id="3" name="Espaço Reservado para Conteúdo 2">
-            <a:extLst>
-              <a:ext uri="{FF2B5EF4-FFF2-40B4-BE49-F238E27FC236}">
-                <a16:creationId xmlns:a16="http://schemas.microsoft.com/office/drawing/2014/main" id="{D951B36D-1F6E-4DD9-8465-68F7EAD9AB3B}"/>
-              </a:ext>
-            </a:extLst>
-          </p:cNvPr>
-          <p:cNvSpPr>
-            <a:spLocks noGrp="1"/>
-          </p:cNvSpPr>
-          <p:nvPr>
-            <p:ph idx="1"/>
-          </p:nvPr>
-        </p:nvSpPr>
-        <p:spPr>
-          <a:xfrm>
-            <a:off x="1371600" y="2286000"/>
-            <a:ext cx="9455426" cy="3886200"/>
-          </a:xfrm>
-        </p:spPr>
-        <p:txBody>
-          <a:bodyPr>
-            <a:normAutofit/>
-          </a:bodyPr>
-          <a:lstStyle/>
-          <a:p>
-            <a:r>
-              <a:rPr lang="pt-BR" sz="4000" dirty="0"/>
-              <a:t>Cadastro de caso.</a:t>
-            </a:r>
-          </a:p>
-          <a:p>
-            <a:pPr marL="0" indent="0">
-              <a:buNone/>
-            </a:pPr>
-            <a:endParaRPr lang="pt-BR" sz="4000" dirty="0"/>
-          </a:p>
-        </p:txBody>
-      </p:sp>
-      <p:pic>
-        <p:nvPicPr>
-          <p:cNvPr id="5" name="Imagem 4">
-            <a:extLst>
-              <a:ext uri="{FF2B5EF4-FFF2-40B4-BE49-F238E27FC236}">
-                <a16:creationId xmlns:a16="http://schemas.microsoft.com/office/drawing/2014/main" id="{1EB9D8B1-BA78-4B93-B87E-7D4C8BC6F3DA}"/>
-              </a:ext>
-            </a:extLst>
-          </p:cNvPr>
-          <p:cNvPicPr>
-            <a:picLocks noChangeAspect="1"/>
-          </p:cNvPicPr>
-          <p:nvPr/>
-        </p:nvPicPr>
-        <p:blipFill>
-          <a:blip r:embed="rId2"/>
-          <a:stretch>
-            <a:fillRect/>
-          </a:stretch>
-        </p:blipFill>
-        <p:spPr>
-          <a:xfrm>
-            <a:off x="5738191" y="2107485"/>
-            <a:ext cx="6288052" cy="4428761"/>
-          </a:xfrm>
-          <a:prstGeom prst="rect">
-            <a:avLst/>
-          </a:prstGeom>
-          <a:ln w="38100" cap="sq">
-            <a:solidFill>
-              <a:srgbClr val="000000"/>
-            </a:solidFill>
-            <a:prstDash val="solid"/>
-            <a:miter lim="800000"/>
-          </a:ln>
-          <a:effectLst>
-            <a:outerShdw blurRad="50800" dist="38100" dir="2700000" algn="tl" rotWithShape="0">
-              <a:srgbClr val="000000">
-                <a:alpha val="43000"/>
-              </a:srgbClr>
-            </a:outerShdw>
-          </a:effectLst>
-        </p:spPr>
-      </p:pic>
-    </p:spTree>
-    <p:extLst>
-      <p:ext uri="{BB962C8B-B14F-4D97-AF65-F5344CB8AC3E}">
-        <p14:creationId xmlns:p14="http://schemas.microsoft.com/office/powerpoint/2010/main" val="935554474"/>
-      </p:ext>
-    </p:extLst>
-  </p:cSld>
-  <p:clrMapOvr>
-    <a:masterClrMapping/>
-  </p:clrMapOvr>
-  <mc:AlternateContent xmlns:mc="http://schemas.openxmlformats.org/markup-compatibility/2006" xmlns:p14="http://schemas.microsoft.com/office/powerpoint/2010/main">
-    <mc:Choice Requires="p14">
-      <p:transition spd="med" p14:dur="700">
-        <p:fade/>
-      </p:transition>
-    </mc:Choice>
-    <mc:Fallback xmlns="">
-      <p:transition spd="med">
-        <p:fade/>
-      </p:transition>
-    </mc:Fallback>
-  </mc:AlternateContent>
-</p:sld>
-</file>
-
-<file path=ppt/slides/slide18.xml><?xml version="1.0" encoding="utf-8"?>
-<p:sld xmlns:a="http://schemas.openxmlformats.org/drawingml/2006/main" xmlns:r="http://schemas.openxmlformats.org/officeDocument/2006/relationships" xmlns:p="http://schemas.openxmlformats.org/presentationml/2006/main">
-  <p:cSld>
-    <p:spTree>
-      <p:nvGrpSpPr>
-        <p:cNvPr id="1" name=""/>
-        <p:cNvGrpSpPr/>
-        <p:nvPr/>
-      </p:nvGrpSpPr>
-      <p:grpSpPr>
-        <a:xfrm>
-          <a:off x="0" y="0"/>
-          <a:ext cx="0" cy="0"/>
-          <a:chOff x="0" y="0"/>
-          <a:chExt cx="0" cy="0"/>
-        </a:xfrm>
-      </p:grpSpPr>
-      <p:sp>
-        <p:nvSpPr>
-          <p:cNvPr id="2" name="Título 1">
-            <a:extLst>
-              <a:ext uri="{FF2B5EF4-FFF2-40B4-BE49-F238E27FC236}">
-                <a16:creationId xmlns:a16="http://schemas.microsoft.com/office/drawing/2014/main" id="{D737DEE5-B6B0-477E-ADA6-F6728C1C6263}"/>
-              </a:ext>
-            </a:extLst>
-          </p:cNvPr>
-          <p:cNvSpPr>
-            <a:spLocks noGrp="1"/>
-          </p:cNvSpPr>
-          <p:nvPr>
-            <p:ph type="title"/>
-          </p:nvPr>
-        </p:nvSpPr>
-        <p:spPr>
-          <a:xfrm>
-            <a:off x="1371600" y="685800"/>
-            <a:ext cx="10025269" cy="758687"/>
-          </a:xfrm>
-        </p:spPr>
-        <p:txBody>
-          <a:bodyPr/>
-          <a:lstStyle/>
-          <a:p>
-            <a:r>
-              <a:rPr lang="pt-BR" b="1" dirty="0"/>
-              <a:t>DESENVOLVIMENTO</a:t>
-            </a:r>
-          </a:p>
-        </p:txBody>
-      </p:sp>
-      <p:sp>
-        <p:nvSpPr>
-          <p:cNvPr id="3" name="Espaço Reservado para Conteúdo 2">
-            <a:extLst>
-              <a:ext uri="{FF2B5EF4-FFF2-40B4-BE49-F238E27FC236}">
-                <a16:creationId xmlns:a16="http://schemas.microsoft.com/office/drawing/2014/main" id="{D951B36D-1F6E-4DD9-8465-68F7EAD9AB3B}"/>
-              </a:ext>
-            </a:extLst>
-          </p:cNvPr>
-          <p:cNvSpPr>
-            <a:spLocks noGrp="1"/>
-          </p:cNvSpPr>
-          <p:nvPr>
-            <p:ph idx="1"/>
-          </p:nvPr>
-        </p:nvSpPr>
-        <p:spPr>
-          <a:xfrm>
-            <a:off x="1371600" y="2286000"/>
-            <a:ext cx="9455426" cy="3886200"/>
-          </a:xfrm>
-        </p:spPr>
-        <p:txBody>
-          <a:bodyPr>
-            <a:normAutofit/>
-          </a:bodyPr>
-          <a:lstStyle/>
-          <a:p>
-            <a:r>
-              <a:rPr lang="pt-BR" sz="4000" dirty="0"/>
-              <a:t>Cadastro de caso.</a:t>
-            </a:r>
-          </a:p>
-          <a:p>
-            <a:pPr marL="0" indent="0">
-              <a:buNone/>
-            </a:pPr>
-            <a:endParaRPr lang="pt-BR" sz="4000" dirty="0"/>
-          </a:p>
-        </p:txBody>
-      </p:sp>
-      <p:pic>
-        <p:nvPicPr>
-          <p:cNvPr id="6" name="Imagem 5">
-            <a:extLst>
-              <a:ext uri="{FF2B5EF4-FFF2-40B4-BE49-F238E27FC236}">
-                <a16:creationId xmlns:a16="http://schemas.microsoft.com/office/drawing/2014/main" id="{D3772A52-2A59-4BF1-AC60-C6AF18231DFE}"/>
-              </a:ext>
-            </a:extLst>
-          </p:cNvPr>
-          <p:cNvPicPr>
-            <a:picLocks noChangeAspect="1"/>
-          </p:cNvPicPr>
-          <p:nvPr/>
-        </p:nvPicPr>
-        <p:blipFill>
-          <a:blip r:embed="rId2"/>
-          <a:stretch>
-            <a:fillRect/>
-          </a:stretch>
-        </p:blipFill>
-        <p:spPr>
-          <a:xfrm>
-            <a:off x="5764695" y="2286000"/>
-            <a:ext cx="6228522" cy="4154865"/>
-          </a:xfrm>
-          <a:prstGeom prst="rect">
-            <a:avLst/>
-          </a:prstGeom>
-          <a:ln w="38100" cap="sq">
-            <a:solidFill>
-              <a:srgbClr val="000000"/>
-            </a:solidFill>
-            <a:prstDash val="solid"/>
-            <a:miter lim="800000"/>
-          </a:ln>
-          <a:effectLst>
-            <a:outerShdw blurRad="50800" dist="38100" dir="2700000" algn="tl" rotWithShape="0">
-              <a:srgbClr val="000000">
-                <a:alpha val="43000"/>
-              </a:srgbClr>
-            </a:outerShdw>
-          </a:effectLst>
-        </p:spPr>
-      </p:pic>
-    </p:spTree>
-    <p:extLst>
-      <p:ext uri="{BB962C8B-B14F-4D97-AF65-F5344CB8AC3E}">
-        <p14:creationId xmlns:p14="http://schemas.microsoft.com/office/powerpoint/2010/main" val="3857551804"/>
-      </p:ext>
-    </p:extLst>
-  </p:cSld>
-  <p:clrMapOvr>
-    <a:masterClrMapping/>
-  </p:clrMapOvr>
-  <mc:AlternateContent xmlns:mc="http://schemas.openxmlformats.org/markup-compatibility/2006" xmlns:p14="http://schemas.microsoft.com/office/powerpoint/2010/main">
-    <mc:Choice Requires="p14">
-      <p:transition spd="med" p14:dur="700">
-        <p:fade/>
-      </p:transition>
-    </mc:Choice>
-    <mc:Fallback xmlns="">
-      <p:transition spd="med">
-        <p:fade/>
-      </p:transition>
-    </mc:Fallback>
-  </mc:AlternateContent>
-</p:sld>
-</file>
-
-<file path=ppt/slides/slide19.xml><?xml version="1.0" encoding="utf-8"?>
-<p:sld xmlns:a="http://schemas.openxmlformats.org/drawingml/2006/main" xmlns:r="http://schemas.openxmlformats.org/officeDocument/2006/relationships" xmlns:p="http://schemas.openxmlformats.org/presentationml/2006/main">
-  <p:cSld>
-    <p:spTree>
-      <p:nvGrpSpPr>
-        <p:cNvPr id="1" name=""/>
-        <p:cNvGrpSpPr/>
-        <p:nvPr/>
-      </p:nvGrpSpPr>
-      <p:grpSpPr>
-        <a:xfrm>
-          <a:off x="0" y="0"/>
-          <a:ext cx="0" cy="0"/>
-          <a:chOff x="0" y="0"/>
-          <a:chExt cx="0" cy="0"/>
-        </a:xfrm>
-      </p:grpSpPr>
-      <p:sp>
-        <p:nvSpPr>
-          <p:cNvPr id="2" name="Título 1">
-            <a:extLst>
-              <a:ext uri="{FF2B5EF4-FFF2-40B4-BE49-F238E27FC236}">
-                <a16:creationId xmlns:a16="http://schemas.microsoft.com/office/drawing/2014/main" id="{D737DEE5-B6B0-477E-ADA6-F6728C1C6263}"/>
-              </a:ext>
-            </a:extLst>
-          </p:cNvPr>
-          <p:cNvSpPr>
-            <a:spLocks noGrp="1"/>
-          </p:cNvSpPr>
-          <p:nvPr>
-            <p:ph type="title"/>
-          </p:nvPr>
-        </p:nvSpPr>
-        <p:spPr>
-          <a:xfrm>
-            <a:off x="1371600" y="685800"/>
-            <a:ext cx="10025269" cy="758687"/>
-          </a:xfrm>
-        </p:spPr>
-        <p:txBody>
-          <a:bodyPr/>
-          <a:lstStyle/>
-          <a:p>
-            <a:r>
-              <a:rPr lang="pt-BR" b="1" dirty="0"/>
-              <a:t>DESENVOLVIMENTO</a:t>
-            </a:r>
-          </a:p>
-        </p:txBody>
-      </p:sp>
-      <p:sp>
-        <p:nvSpPr>
-          <p:cNvPr id="3" name="Espaço Reservado para Conteúdo 2">
-            <a:extLst>
-              <a:ext uri="{FF2B5EF4-FFF2-40B4-BE49-F238E27FC236}">
-                <a16:creationId xmlns:a16="http://schemas.microsoft.com/office/drawing/2014/main" id="{D951B36D-1F6E-4DD9-8465-68F7EAD9AB3B}"/>
-              </a:ext>
-            </a:extLst>
-          </p:cNvPr>
-          <p:cNvSpPr>
-            <a:spLocks noGrp="1"/>
-          </p:cNvSpPr>
-          <p:nvPr>
-            <p:ph idx="1"/>
-          </p:nvPr>
-        </p:nvSpPr>
-        <p:spPr>
-          <a:xfrm>
-            <a:off x="1371600" y="2286000"/>
-            <a:ext cx="9455426" cy="3886200"/>
-          </a:xfrm>
-        </p:spPr>
-        <p:txBody>
-          <a:bodyPr>
-            <a:normAutofit/>
-          </a:bodyPr>
-          <a:lstStyle/>
-          <a:p>
-            <a:r>
-              <a:rPr lang="pt-BR" sz="4000" dirty="0"/>
-              <a:t>Cadastro de caso.</a:t>
-            </a:r>
-          </a:p>
-          <a:p>
-            <a:pPr marL="0" indent="0">
-              <a:buNone/>
-            </a:pPr>
-            <a:endParaRPr lang="pt-BR" sz="4000" dirty="0"/>
-          </a:p>
-        </p:txBody>
-      </p:sp>
-      <p:pic>
-        <p:nvPicPr>
-          <p:cNvPr id="5" name="Imagem 4">
-            <a:extLst>
-              <a:ext uri="{FF2B5EF4-FFF2-40B4-BE49-F238E27FC236}">
-                <a16:creationId xmlns:a16="http://schemas.microsoft.com/office/drawing/2014/main" id="{9EDE96C1-3ED4-4E35-BA34-37A0F4FDE69F}"/>
-              </a:ext>
-            </a:extLst>
-          </p:cNvPr>
-          <p:cNvPicPr>
-            <a:picLocks noChangeAspect="1"/>
-          </p:cNvPicPr>
-          <p:nvPr/>
-        </p:nvPicPr>
-        <p:blipFill>
-          <a:blip r:embed="rId2"/>
-          <a:stretch>
-            <a:fillRect/>
-          </a:stretch>
-        </p:blipFill>
-        <p:spPr>
-          <a:xfrm>
-            <a:off x="1126434" y="3429000"/>
-            <a:ext cx="10515600" cy="2400300"/>
-          </a:xfrm>
-          <a:prstGeom prst="rect">
-            <a:avLst/>
-          </a:prstGeom>
-          <a:ln w="38100" cap="sq">
-            <a:solidFill>
-              <a:srgbClr val="000000"/>
-            </a:solidFill>
-            <a:prstDash val="solid"/>
-            <a:miter lim="800000"/>
-          </a:ln>
-          <a:effectLst>
-            <a:outerShdw blurRad="50800" dist="38100" dir="2700000" algn="tl" rotWithShape="0">
-              <a:srgbClr val="000000">
-                <a:alpha val="43000"/>
-              </a:srgbClr>
-            </a:outerShdw>
-          </a:effectLst>
-        </p:spPr>
-      </p:pic>
-    </p:spTree>
-    <p:extLst>
-      <p:ext uri="{BB962C8B-B14F-4D97-AF65-F5344CB8AC3E}">
-        <p14:creationId xmlns:p14="http://schemas.microsoft.com/office/powerpoint/2010/main" val="1066425855"/>
+        <p14:creationId xmlns:p14="http://schemas.microsoft.com/office/powerpoint/2010/main" val="3711201019"/>
       </p:ext>
     </p:extLst>
   </p:cSld>
@@ -5563,1529 +4655,6 @@
 </p:sld>
 </file>
 
-<file path=ppt/slides/slide20.xml><?xml version="1.0" encoding="utf-8"?>
-<p:sld xmlns:a="http://schemas.openxmlformats.org/drawingml/2006/main" xmlns:r="http://schemas.openxmlformats.org/officeDocument/2006/relationships" xmlns:p="http://schemas.openxmlformats.org/presentationml/2006/main">
-  <p:cSld>
-    <p:spTree>
-      <p:nvGrpSpPr>
-        <p:cNvPr id="1" name=""/>
-        <p:cNvGrpSpPr/>
-        <p:nvPr/>
-      </p:nvGrpSpPr>
-      <p:grpSpPr>
-        <a:xfrm>
-          <a:off x="0" y="0"/>
-          <a:ext cx="0" cy="0"/>
-          <a:chOff x="0" y="0"/>
-          <a:chExt cx="0" cy="0"/>
-        </a:xfrm>
-      </p:grpSpPr>
-      <p:sp>
-        <p:nvSpPr>
-          <p:cNvPr id="2" name="Título 1">
-            <a:extLst>
-              <a:ext uri="{FF2B5EF4-FFF2-40B4-BE49-F238E27FC236}">
-                <a16:creationId xmlns:a16="http://schemas.microsoft.com/office/drawing/2014/main" id="{D737DEE5-B6B0-477E-ADA6-F6728C1C6263}"/>
-              </a:ext>
-            </a:extLst>
-          </p:cNvPr>
-          <p:cNvSpPr>
-            <a:spLocks noGrp="1"/>
-          </p:cNvSpPr>
-          <p:nvPr>
-            <p:ph type="title"/>
-          </p:nvPr>
-        </p:nvSpPr>
-        <p:spPr>
-          <a:xfrm>
-            <a:off x="1371600" y="685800"/>
-            <a:ext cx="10025269" cy="758687"/>
-          </a:xfrm>
-        </p:spPr>
-        <p:txBody>
-          <a:bodyPr/>
-          <a:lstStyle/>
-          <a:p>
-            <a:r>
-              <a:rPr lang="pt-BR" b="1" dirty="0"/>
-              <a:t>DESENVOLVIMENTO</a:t>
-            </a:r>
-          </a:p>
-        </p:txBody>
-      </p:sp>
-      <p:sp>
-        <p:nvSpPr>
-          <p:cNvPr id="3" name="Espaço Reservado para Conteúdo 2">
-            <a:extLst>
-              <a:ext uri="{FF2B5EF4-FFF2-40B4-BE49-F238E27FC236}">
-                <a16:creationId xmlns:a16="http://schemas.microsoft.com/office/drawing/2014/main" id="{D951B36D-1F6E-4DD9-8465-68F7EAD9AB3B}"/>
-              </a:ext>
-            </a:extLst>
-          </p:cNvPr>
-          <p:cNvSpPr>
-            <a:spLocks noGrp="1"/>
-          </p:cNvSpPr>
-          <p:nvPr>
-            <p:ph idx="1"/>
-          </p:nvPr>
-        </p:nvSpPr>
-        <p:spPr>
-          <a:xfrm>
-            <a:off x="1371600" y="2286000"/>
-            <a:ext cx="9455426" cy="3886200"/>
-          </a:xfrm>
-        </p:spPr>
-        <p:txBody>
-          <a:bodyPr>
-            <a:normAutofit/>
-          </a:bodyPr>
-          <a:lstStyle/>
-          <a:p>
-            <a:r>
-              <a:rPr lang="pt-BR" sz="4000" dirty="0"/>
-              <a:t>Processos.</a:t>
-            </a:r>
-          </a:p>
-          <a:p>
-            <a:pPr marL="0" indent="0">
-              <a:buNone/>
-            </a:pPr>
-            <a:endParaRPr lang="pt-BR" sz="4000" dirty="0"/>
-          </a:p>
-        </p:txBody>
-      </p:sp>
-    </p:spTree>
-    <p:extLst>
-      <p:ext uri="{BB962C8B-B14F-4D97-AF65-F5344CB8AC3E}">
-        <p14:creationId xmlns:p14="http://schemas.microsoft.com/office/powerpoint/2010/main" val="1126218302"/>
-      </p:ext>
-    </p:extLst>
-  </p:cSld>
-  <p:clrMapOvr>
-    <a:masterClrMapping/>
-  </p:clrMapOvr>
-  <mc:AlternateContent xmlns:mc="http://schemas.openxmlformats.org/markup-compatibility/2006" xmlns:p14="http://schemas.microsoft.com/office/powerpoint/2010/main">
-    <mc:Choice Requires="p14">
-      <p:transition spd="med" p14:dur="700">
-        <p:fade/>
-      </p:transition>
-    </mc:Choice>
-    <mc:Fallback xmlns="">
-      <p:transition spd="med">
-        <p:fade/>
-      </p:transition>
-    </mc:Fallback>
-  </mc:AlternateContent>
-</p:sld>
-</file>
-
-<file path=ppt/slides/slide21.xml><?xml version="1.0" encoding="utf-8"?>
-<p:sld xmlns:a="http://schemas.openxmlformats.org/drawingml/2006/main" xmlns:r="http://schemas.openxmlformats.org/officeDocument/2006/relationships" xmlns:p="http://schemas.openxmlformats.org/presentationml/2006/main">
-  <p:cSld>
-    <p:spTree>
-      <p:nvGrpSpPr>
-        <p:cNvPr id="1" name=""/>
-        <p:cNvGrpSpPr/>
-        <p:nvPr/>
-      </p:nvGrpSpPr>
-      <p:grpSpPr>
-        <a:xfrm>
-          <a:off x="0" y="0"/>
-          <a:ext cx="0" cy="0"/>
-          <a:chOff x="0" y="0"/>
-          <a:chExt cx="0" cy="0"/>
-        </a:xfrm>
-      </p:grpSpPr>
-      <p:sp>
-        <p:nvSpPr>
-          <p:cNvPr id="2" name="Título 1">
-            <a:extLst>
-              <a:ext uri="{FF2B5EF4-FFF2-40B4-BE49-F238E27FC236}">
-                <a16:creationId xmlns:a16="http://schemas.microsoft.com/office/drawing/2014/main" id="{D737DEE5-B6B0-477E-ADA6-F6728C1C6263}"/>
-              </a:ext>
-            </a:extLst>
-          </p:cNvPr>
-          <p:cNvSpPr>
-            <a:spLocks noGrp="1"/>
-          </p:cNvSpPr>
-          <p:nvPr>
-            <p:ph type="title"/>
-          </p:nvPr>
-        </p:nvSpPr>
-        <p:spPr>
-          <a:xfrm>
-            <a:off x="1371600" y="685800"/>
-            <a:ext cx="10025269" cy="758687"/>
-          </a:xfrm>
-        </p:spPr>
-        <p:txBody>
-          <a:bodyPr/>
-          <a:lstStyle/>
-          <a:p>
-            <a:r>
-              <a:rPr lang="pt-BR" b="1" dirty="0"/>
-              <a:t>DESENVOLVIMENTO</a:t>
-            </a:r>
-          </a:p>
-        </p:txBody>
-      </p:sp>
-      <p:sp>
-        <p:nvSpPr>
-          <p:cNvPr id="3" name="Espaço Reservado para Conteúdo 2">
-            <a:extLst>
-              <a:ext uri="{FF2B5EF4-FFF2-40B4-BE49-F238E27FC236}">
-                <a16:creationId xmlns:a16="http://schemas.microsoft.com/office/drawing/2014/main" id="{D951B36D-1F6E-4DD9-8465-68F7EAD9AB3B}"/>
-              </a:ext>
-            </a:extLst>
-          </p:cNvPr>
-          <p:cNvSpPr>
-            <a:spLocks noGrp="1"/>
-          </p:cNvSpPr>
-          <p:nvPr>
-            <p:ph idx="1"/>
-          </p:nvPr>
-        </p:nvSpPr>
-        <p:spPr>
-          <a:xfrm>
-            <a:off x="1371600" y="2286000"/>
-            <a:ext cx="9455426" cy="3886200"/>
-          </a:xfrm>
-        </p:spPr>
-        <p:txBody>
-          <a:bodyPr>
-            <a:normAutofit/>
-          </a:bodyPr>
-          <a:lstStyle/>
-          <a:p>
-            <a:r>
-              <a:rPr lang="pt-BR" sz="4000" dirty="0"/>
-              <a:t>Processos.</a:t>
-            </a:r>
-          </a:p>
-          <a:p>
-            <a:pPr marL="0" indent="0">
-              <a:buNone/>
-            </a:pPr>
-            <a:endParaRPr lang="pt-BR" sz="4000" dirty="0"/>
-          </a:p>
-        </p:txBody>
-      </p:sp>
-      <p:pic>
-        <p:nvPicPr>
-          <p:cNvPr id="4" name="Imagem 3">
-            <a:extLst>
-              <a:ext uri="{FF2B5EF4-FFF2-40B4-BE49-F238E27FC236}">
-                <a16:creationId xmlns:a16="http://schemas.microsoft.com/office/drawing/2014/main" id="{89929295-BB81-4D08-90C8-E798083FFBFA}"/>
-              </a:ext>
-            </a:extLst>
-          </p:cNvPr>
-          <p:cNvPicPr>
-            <a:picLocks noChangeAspect="1"/>
-          </p:cNvPicPr>
-          <p:nvPr/>
-        </p:nvPicPr>
-        <p:blipFill>
-          <a:blip r:embed="rId2"/>
-          <a:stretch>
-            <a:fillRect/>
-          </a:stretch>
-        </p:blipFill>
-        <p:spPr>
-          <a:xfrm>
-            <a:off x="1211538" y="3190875"/>
-            <a:ext cx="10696575" cy="2981325"/>
-          </a:xfrm>
-          <a:prstGeom prst="rect">
-            <a:avLst/>
-          </a:prstGeom>
-          <a:ln w="38100" cap="sq">
-            <a:solidFill>
-              <a:srgbClr val="000000"/>
-            </a:solidFill>
-            <a:prstDash val="solid"/>
-            <a:miter lim="800000"/>
-          </a:ln>
-          <a:effectLst>
-            <a:outerShdw blurRad="50800" dist="38100" dir="2700000" algn="tl" rotWithShape="0">
-              <a:srgbClr val="000000">
-                <a:alpha val="43000"/>
-              </a:srgbClr>
-            </a:outerShdw>
-          </a:effectLst>
-        </p:spPr>
-      </p:pic>
-    </p:spTree>
-    <p:extLst>
-      <p:ext uri="{BB962C8B-B14F-4D97-AF65-F5344CB8AC3E}">
-        <p14:creationId xmlns:p14="http://schemas.microsoft.com/office/powerpoint/2010/main" val="3120762844"/>
-      </p:ext>
-    </p:extLst>
-  </p:cSld>
-  <p:clrMapOvr>
-    <a:masterClrMapping/>
-  </p:clrMapOvr>
-  <mc:AlternateContent xmlns:mc="http://schemas.openxmlformats.org/markup-compatibility/2006" xmlns:p14="http://schemas.microsoft.com/office/powerpoint/2010/main">
-    <mc:Choice Requires="p14">
-      <p:transition spd="med" p14:dur="700">
-        <p:fade/>
-      </p:transition>
-    </mc:Choice>
-    <mc:Fallback xmlns="">
-      <p:transition spd="med">
-        <p:fade/>
-      </p:transition>
-    </mc:Fallback>
-  </mc:AlternateContent>
-</p:sld>
-</file>
-
-<file path=ppt/slides/slide22.xml><?xml version="1.0" encoding="utf-8"?>
-<p:sld xmlns:a="http://schemas.openxmlformats.org/drawingml/2006/main" xmlns:r="http://schemas.openxmlformats.org/officeDocument/2006/relationships" xmlns:p="http://schemas.openxmlformats.org/presentationml/2006/main">
-  <p:cSld>
-    <p:spTree>
-      <p:nvGrpSpPr>
-        <p:cNvPr id="1" name=""/>
-        <p:cNvGrpSpPr/>
-        <p:nvPr/>
-      </p:nvGrpSpPr>
-      <p:grpSpPr>
-        <a:xfrm>
-          <a:off x="0" y="0"/>
-          <a:ext cx="0" cy="0"/>
-          <a:chOff x="0" y="0"/>
-          <a:chExt cx="0" cy="0"/>
-        </a:xfrm>
-      </p:grpSpPr>
-      <p:sp>
-        <p:nvSpPr>
-          <p:cNvPr id="2" name="Título 1">
-            <a:extLst>
-              <a:ext uri="{FF2B5EF4-FFF2-40B4-BE49-F238E27FC236}">
-                <a16:creationId xmlns:a16="http://schemas.microsoft.com/office/drawing/2014/main" id="{D737DEE5-B6B0-477E-ADA6-F6728C1C6263}"/>
-              </a:ext>
-            </a:extLst>
-          </p:cNvPr>
-          <p:cNvSpPr>
-            <a:spLocks noGrp="1"/>
-          </p:cNvSpPr>
-          <p:nvPr>
-            <p:ph type="title"/>
-          </p:nvPr>
-        </p:nvSpPr>
-        <p:spPr>
-          <a:xfrm>
-            <a:off x="1371600" y="685800"/>
-            <a:ext cx="10025269" cy="758687"/>
-          </a:xfrm>
-        </p:spPr>
-        <p:txBody>
-          <a:bodyPr/>
-          <a:lstStyle/>
-          <a:p>
-            <a:r>
-              <a:rPr lang="pt-BR" b="1" dirty="0"/>
-              <a:t>DESENVOLVIMENTO</a:t>
-            </a:r>
-          </a:p>
-        </p:txBody>
-      </p:sp>
-      <p:sp>
-        <p:nvSpPr>
-          <p:cNvPr id="3" name="Espaço Reservado para Conteúdo 2">
-            <a:extLst>
-              <a:ext uri="{FF2B5EF4-FFF2-40B4-BE49-F238E27FC236}">
-                <a16:creationId xmlns:a16="http://schemas.microsoft.com/office/drawing/2014/main" id="{D951B36D-1F6E-4DD9-8465-68F7EAD9AB3B}"/>
-              </a:ext>
-            </a:extLst>
-          </p:cNvPr>
-          <p:cNvSpPr>
-            <a:spLocks noGrp="1"/>
-          </p:cNvSpPr>
-          <p:nvPr>
-            <p:ph idx="1"/>
-          </p:nvPr>
-        </p:nvSpPr>
-        <p:spPr>
-          <a:xfrm>
-            <a:off x="1371600" y="2286000"/>
-            <a:ext cx="9455426" cy="3886200"/>
-          </a:xfrm>
-        </p:spPr>
-        <p:txBody>
-          <a:bodyPr>
-            <a:normAutofit/>
-          </a:bodyPr>
-          <a:lstStyle/>
-          <a:p>
-            <a:r>
-              <a:rPr lang="pt-BR" sz="4000" dirty="0"/>
-              <a:t>Filtros e </a:t>
-            </a:r>
-          </a:p>
-          <a:p>
-            <a:pPr marL="0" indent="0">
-              <a:buNone/>
-            </a:pPr>
-            <a:r>
-              <a:rPr lang="pt-BR" sz="4000" dirty="0"/>
-              <a:t>relatórios.</a:t>
-            </a:r>
-          </a:p>
-          <a:p>
-            <a:pPr marL="0" indent="0">
-              <a:buNone/>
-            </a:pPr>
-            <a:endParaRPr lang="pt-BR" sz="4000" dirty="0"/>
-          </a:p>
-        </p:txBody>
-      </p:sp>
-    </p:spTree>
-    <p:extLst>
-      <p:ext uri="{BB962C8B-B14F-4D97-AF65-F5344CB8AC3E}">
-        <p14:creationId xmlns:p14="http://schemas.microsoft.com/office/powerpoint/2010/main" val="1452351030"/>
-      </p:ext>
-    </p:extLst>
-  </p:cSld>
-  <p:clrMapOvr>
-    <a:masterClrMapping/>
-  </p:clrMapOvr>
-</p:sld>
-</file>
-
-<file path=ppt/slides/slide23.xml><?xml version="1.0" encoding="utf-8"?>
-<p:sld xmlns:a="http://schemas.openxmlformats.org/drawingml/2006/main" xmlns:r="http://schemas.openxmlformats.org/officeDocument/2006/relationships" xmlns:p="http://schemas.openxmlformats.org/presentationml/2006/main">
-  <p:cSld>
-    <p:spTree>
-      <p:nvGrpSpPr>
-        <p:cNvPr id="1" name=""/>
-        <p:cNvGrpSpPr/>
-        <p:nvPr/>
-      </p:nvGrpSpPr>
-      <p:grpSpPr>
-        <a:xfrm>
-          <a:off x="0" y="0"/>
-          <a:ext cx="0" cy="0"/>
-          <a:chOff x="0" y="0"/>
-          <a:chExt cx="0" cy="0"/>
-        </a:xfrm>
-      </p:grpSpPr>
-      <p:sp>
-        <p:nvSpPr>
-          <p:cNvPr id="2" name="Título 1">
-            <a:extLst>
-              <a:ext uri="{FF2B5EF4-FFF2-40B4-BE49-F238E27FC236}">
-                <a16:creationId xmlns:a16="http://schemas.microsoft.com/office/drawing/2014/main" id="{D737DEE5-B6B0-477E-ADA6-F6728C1C6263}"/>
-              </a:ext>
-            </a:extLst>
-          </p:cNvPr>
-          <p:cNvSpPr>
-            <a:spLocks noGrp="1"/>
-          </p:cNvSpPr>
-          <p:nvPr>
-            <p:ph type="title"/>
-          </p:nvPr>
-        </p:nvSpPr>
-        <p:spPr>
-          <a:xfrm>
-            <a:off x="1371600" y="685800"/>
-            <a:ext cx="10025269" cy="758687"/>
-          </a:xfrm>
-        </p:spPr>
-        <p:txBody>
-          <a:bodyPr/>
-          <a:lstStyle/>
-          <a:p>
-            <a:r>
-              <a:rPr lang="pt-BR" b="1" dirty="0"/>
-              <a:t>DESENVOLVIMENTO</a:t>
-            </a:r>
-          </a:p>
-        </p:txBody>
-      </p:sp>
-      <p:sp>
-        <p:nvSpPr>
-          <p:cNvPr id="3" name="Espaço Reservado para Conteúdo 2">
-            <a:extLst>
-              <a:ext uri="{FF2B5EF4-FFF2-40B4-BE49-F238E27FC236}">
-                <a16:creationId xmlns:a16="http://schemas.microsoft.com/office/drawing/2014/main" id="{D951B36D-1F6E-4DD9-8465-68F7EAD9AB3B}"/>
-              </a:ext>
-            </a:extLst>
-          </p:cNvPr>
-          <p:cNvSpPr>
-            <a:spLocks noGrp="1"/>
-          </p:cNvSpPr>
-          <p:nvPr>
-            <p:ph idx="1"/>
-          </p:nvPr>
-        </p:nvSpPr>
-        <p:spPr>
-          <a:xfrm>
-            <a:off x="1371600" y="2286000"/>
-            <a:ext cx="9455426" cy="3886200"/>
-          </a:xfrm>
-        </p:spPr>
-        <p:txBody>
-          <a:bodyPr>
-            <a:normAutofit/>
-          </a:bodyPr>
-          <a:lstStyle/>
-          <a:p>
-            <a:r>
-              <a:rPr lang="pt-BR" sz="4000" dirty="0"/>
-              <a:t>Filtros e </a:t>
-            </a:r>
-          </a:p>
-          <a:p>
-            <a:pPr marL="0" indent="0">
-              <a:buNone/>
-            </a:pPr>
-            <a:r>
-              <a:rPr lang="pt-BR" sz="4000" dirty="0"/>
-              <a:t>relatórios.</a:t>
-            </a:r>
-          </a:p>
-          <a:p>
-            <a:pPr marL="0" indent="0">
-              <a:buNone/>
-            </a:pPr>
-            <a:endParaRPr lang="pt-BR" sz="4000" dirty="0"/>
-          </a:p>
-        </p:txBody>
-      </p:sp>
-      <p:pic>
-        <p:nvPicPr>
-          <p:cNvPr id="5" name="Imagem 4">
-            <a:extLst>
-              <a:ext uri="{FF2B5EF4-FFF2-40B4-BE49-F238E27FC236}">
-                <a16:creationId xmlns:a16="http://schemas.microsoft.com/office/drawing/2014/main" id="{B185E586-9F5B-46B3-BC65-6F8434C7DA6A}"/>
-              </a:ext>
-            </a:extLst>
-          </p:cNvPr>
-          <p:cNvPicPr>
-            <a:picLocks noChangeAspect="1"/>
-          </p:cNvPicPr>
-          <p:nvPr/>
-        </p:nvPicPr>
-        <p:blipFill>
-          <a:blip r:embed="rId2"/>
-          <a:stretch>
-            <a:fillRect/>
-          </a:stretch>
-        </p:blipFill>
-        <p:spPr>
-          <a:xfrm>
-            <a:off x="5802795" y="3160643"/>
-            <a:ext cx="6056732" cy="3478696"/>
-          </a:xfrm>
-          <a:prstGeom prst="rect">
-            <a:avLst/>
-          </a:prstGeom>
-          <a:ln w="38100" cap="sq">
-            <a:solidFill>
-              <a:srgbClr val="000000"/>
-            </a:solidFill>
-            <a:prstDash val="solid"/>
-            <a:miter lim="800000"/>
-          </a:ln>
-          <a:effectLst>
-            <a:outerShdw blurRad="50800" dist="38100" dir="2700000" algn="tl" rotWithShape="0">
-              <a:srgbClr val="000000">
-                <a:alpha val="43000"/>
-              </a:srgbClr>
-            </a:outerShdw>
-          </a:effectLst>
-        </p:spPr>
-      </p:pic>
-      <p:pic>
-        <p:nvPicPr>
-          <p:cNvPr id="6" name="Imagem 5">
-            <a:extLst>
-              <a:ext uri="{FF2B5EF4-FFF2-40B4-BE49-F238E27FC236}">
-                <a16:creationId xmlns:a16="http://schemas.microsoft.com/office/drawing/2014/main" id="{2DD9CFF2-DA49-4EA5-8C2E-6DADE0FF132E}"/>
-              </a:ext>
-            </a:extLst>
-          </p:cNvPr>
-          <p:cNvPicPr>
-            <a:picLocks noChangeAspect="1"/>
-          </p:cNvPicPr>
-          <p:nvPr/>
-        </p:nvPicPr>
-        <p:blipFill>
-          <a:blip r:embed="rId3"/>
-          <a:stretch>
-            <a:fillRect/>
-          </a:stretch>
-        </p:blipFill>
-        <p:spPr>
-          <a:xfrm>
-            <a:off x="1155617" y="3826772"/>
-            <a:ext cx="4431195" cy="2812567"/>
-          </a:xfrm>
-          <a:prstGeom prst="rect">
-            <a:avLst/>
-          </a:prstGeom>
-          <a:ln w="38100" cap="sq">
-            <a:solidFill>
-              <a:srgbClr val="000000"/>
-            </a:solidFill>
-            <a:prstDash val="solid"/>
-            <a:miter lim="800000"/>
-          </a:ln>
-          <a:effectLst>
-            <a:outerShdw blurRad="50800" dist="38100" dir="2700000" algn="tl" rotWithShape="0">
-              <a:srgbClr val="000000">
-                <a:alpha val="43000"/>
-              </a:srgbClr>
-            </a:outerShdw>
-          </a:effectLst>
-        </p:spPr>
-      </p:pic>
-    </p:spTree>
-    <p:extLst>
-      <p:ext uri="{BB962C8B-B14F-4D97-AF65-F5344CB8AC3E}">
-        <p14:creationId xmlns:p14="http://schemas.microsoft.com/office/powerpoint/2010/main" val="3794474493"/>
-      </p:ext>
-    </p:extLst>
-  </p:cSld>
-  <p:clrMapOvr>
-    <a:masterClrMapping/>
-  </p:clrMapOvr>
-  <mc:AlternateContent xmlns:mc="http://schemas.openxmlformats.org/markup-compatibility/2006" xmlns:p14="http://schemas.microsoft.com/office/powerpoint/2010/main">
-    <mc:Choice Requires="p14">
-      <p:transition spd="med" p14:dur="700">
-        <p:fade/>
-      </p:transition>
-    </mc:Choice>
-    <mc:Fallback xmlns="">
-      <p:transition spd="med">
-        <p:fade/>
-      </p:transition>
-    </mc:Fallback>
-  </mc:AlternateContent>
-</p:sld>
-</file>
-
-<file path=ppt/slides/slide24.xml><?xml version="1.0" encoding="utf-8"?>
-<p:sld xmlns:a="http://schemas.openxmlformats.org/drawingml/2006/main" xmlns:r="http://schemas.openxmlformats.org/officeDocument/2006/relationships" xmlns:p="http://schemas.openxmlformats.org/presentationml/2006/main">
-  <p:cSld>
-    <p:spTree>
-      <p:nvGrpSpPr>
-        <p:cNvPr id="1" name=""/>
-        <p:cNvGrpSpPr/>
-        <p:nvPr/>
-      </p:nvGrpSpPr>
-      <p:grpSpPr>
-        <a:xfrm>
-          <a:off x="0" y="0"/>
-          <a:ext cx="0" cy="0"/>
-          <a:chOff x="0" y="0"/>
-          <a:chExt cx="0" cy="0"/>
-        </a:xfrm>
-      </p:grpSpPr>
-      <p:sp>
-        <p:nvSpPr>
-          <p:cNvPr id="2" name="Título 1">
-            <a:extLst>
-              <a:ext uri="{FF2B5EF4-FFF2-40B4-BE49-F238E27FC236}">
-                <a16:creationId xmlns:a16="http://schemas.microsoft.com/office/drawing/2014/main" id="{D737DEE5-B6B0-477E-ADA6-F6728C1C6263}"/>
-              </a:ext>
-            </a:extLst>
-          </p:cNvPr>
-          <p:cNvSpPr>
-            <a:spLocks noGrp="1"/>
-          </p:cNvSpPr>
-          <p:nvPr>
-            <p:ph type="title"/>
-          </p:nvPr>
-        </p:nvSpPr>
-        <p:spPr>
-          <a:xfrm>
-            <a:off x="1371600" y="685800"/>
-            <a:ext cx="10025269" cy="758687"/>
-          </a:xfrm>
-        </p:spPr>
-        <p:txBody>
-          <a:bodyPr/>
-          <a:lstStyle/>
-          <a:p>
-            <a:r>
-              <a:rPr lang="pt-BR" b="1" dirty="0"/>
-              <a:t>DESENVOLVIMENTO</a:t>
-            </a:r>
-          </a:p>
-        </p:txBody>
-      </p:sp>
-      <p:sp>
-        <p:nvSpPr>
-          <p:cNvPr id="3" name="Espaço Reservado para Conteúdo 2">
-            <a:extLst>
-              <a:ext uri="{FF2B5EF4-FFF2-40B4-BE49-F238E27FC236}">
-                <a16:creationId xmlns:a16="http://schemas.microsoft.com/office/drawing/2014/main" id="{D951B36D-1F6E-4DD9-8465-68F7EAD9AB3B}"/>
-              </a:ext>
-            </a:extLst>
-          </p:cNvPr>
-          <p:cNvSpPr>
-            <a:spLocks noGrp="1"/>
-          </p:cNvSpPr>
-          <p:nvPr>
-            <p:ph idx="1"/>
-          </p:nvPr>
-        </p:nvSpPr>
-        <p:spPr>
-          <a:xfrm>
-            <a:off x="1371600" y="2286000"/>
-            <a:ext cx="9455426" cy="3886200"/>
-          </a:xfrm>
-        </p:spPr>
-        <p:txBody>
-          <a:bodyPr>
-            <a:normAutofit/>
-          </a:bodyPr>
-          <a:lstStyle/>
-          <a:p>
-            <a:r>
-              <a:rPr lang="pt-BR" sz="4000" dirty="0"/>
-              <a:t>Filtros e </a:t>
-            </a:r>
-          </a:p>
-          <a:p>
-            <a:pPr marL="0" indent="0">
-              <a:buNone/>
-            </a:pPr>
-            <a:r>
-              <a:rPr lang="pt-BR" sz="4000" dirty="0"/>
-              <a:t>relatórios.</a:t>
-            </a:r>
-          </a:p>
-          <a:p>
-            <a:pPr marL="0" indent="0">
-              <a:buNone/>
-            </a:pPr>
-            <a:endParaRPr lang="pt-BR" sz="4000" dirty="0"/>
-          </a:p>
-        </p:txBody>
-      </p:sp>
-      <p:pic>
-        <p:nvPicPr>
-          <p:cNvPr id="4" name="Imagem 3">
-            <a:extLst>
-              <a:ext uri="{FF2B5EF4-FFF2-40B4-BE49-F238E27FC236}">
-                <a16:creationId xmlns:a16="http://schemas.microsoft.com/office/drawing/2014/main" id="{6F39680C-57FE-4B36-B850-9605592B7CC9}"/>
-              </a:ext>
-            </a:extLst>
-          </p:cNvPr>
-          <p:cNvPicPr>
-            <a:picLocks noChangeAspect="1"/>
-          </p:cNvPicPr>
-          <p:nvPr/>
-        </p:nvPicPr>
-        <p:blipFill>
-          <a:blip r:embed="rId2"/>
-          <a:stretch>
-            <a:fillRect/>
-          </a:stretch>
-        </p:blipFill>
-        <p:spPr>
-          <a:xfrm>
-            <a:off x="4102791" y="2178177"/>
-            <a:ext cx="7771158" cy="4101845"/>
-          </a:xfrm>
-          <a:prstGeom prst="rect">
-            <a:avLst/>
-          </a:prstGeom>
-          <a:ln w="38100" cap="sq">
-            <a:solidFill>
-              <a:srgbClr val="000000"/>
-            </a:solidFill>
-            <a:prstDash val="solid"/>
-            <a:miter lim="800000"/>
-          </a:ln>
-          <a:effectLst>
-            <a:outerShdw blurRad="50800" dist="38100" dir="2700000" algn="tl" rotWithShape="0">
-              <a:srgbClr val="000000">
-                <a:alpha val="43000"/>
-              </a:srgbClr>
-            </a:outerShdw>
-          </a:effectLst>
-        </p:spPr>
-      </p:pic>
-    </p:spTree>
-    <p:extLst>
-      <p:ext uri="{BB962C8B-B14F-4D97-AF65-F5344CB8AC3E}">
-        <p14:creationId xmlns:p14="http://schemas.microsoft.com/office/powerpoint/2010/main" val="3549461156"/>
-      </p:ext>
-    </p:extLst>
-  </p:cSld>
-  <p:clrMapOvr>
-    <a:masterClrMapping/>
-  </p:clrMapOvr>
-  <mc:AlternateContent xmlns:mc="http://schemas.openxmlformats.org/markup-compatibility/2006" xmlns:p14="http://schemas.microsoft.com/office/powerpoint/2010/main">
-    <mc:Choice Requires="p14">
-      <p:transition spd="med" p14:dur="700">
-        <p:fade/>
-      </p:transition>
-    </mc:Choice>
-    <mc:Fallback xmlns="">
-      <p:transition spd="med">
-        <p:fade/>
-      </p:transition>
-    </mc:Fallback>
-  </mc:AlternateContent>
-</p:sld>
-</file>
-
-<file path=ppt/slides/slide25.xml><?xml version="1.0" encoding="utf-8"?>
-<p:sld xmlns:a="http://schemas.openxmlformats.org/drawingml/2006/main" xmlns:r="http://schemas.openxmlformats.org/officeDocument/2006/relationships" xmlns:p="http://schemas.openxmlformats.org/presentationml/2006/main">
-  <p:cSld>
-    <p:spTree>
-      <p:nvGrpSpPr>
-        <p:cNvPr id="1" name=""/>
-        <p:cNvGrpSpPr/>
-        <p:nvPr/>
-      </p:nvGrpSpPr>
-      <p:grpSpPr>
-        <a:xfrm>
-          <a:off x="0" y="0"/>
-          <a:ext cx="0" cy="0"/>
-          <a:chOff x="0" y="0"/>
-          <a:chExt cx="0" cy="0"/>
-        </a:xfrm>
-      </p:grpSpPr>
-      <p:sp>
-        <p:nvSpPr>
-          <p:cNvPr id="2" name="Título 1">
-            <a:extLst>
-              <a:ext uri="{FF2B5EF4-FFF2-40B4-BE49-F238E27FC236}">
-                <a16:creationId xmlns:a16="http://schemas.microsoft.com/office/drawing/2014/main" id="{D737DEE5-B6B0-477E-ADA6-F6728C1C6263}"/>
-              </a:ext>
-            </a:extLst>
-          </p:cNvPr>
-          <p:cNvSpPr>
-            <a:spLocks noGrp="1"/>
-          </p:cNvSpPr>
-          <p:nvPr>
-            <p:ph type="title"/>
-          </p:nvPr>
-        </p:nvSpPr>
-        <p:spPr>
-          <a:xfrm>
-            <a:off x="1371600" y="685800"/>
-            <a:ext cx="10025269" cy="758687"/>
-          </a:xfrm>
-        </p:spPr>
-        <p:txBody>
-          <a:bodyPr/>
-          <a:lstStyle/>
-          <a:p>
-            <a:r>
-              <a:rPr lang="pt-BR" b="1" dirty="0"/>
-              <a:t>CONCLUSÃO</a:t>
-            </a:r>
-          </a:p>
-        </p:txBody>
-      </p:sp>
-      <p:sp>
-        <p:nvSpPr>
-          <p:cNvPr id="3" name="Espaço Reservado para Conteúdo 2">
-            <a:extLst>
-              <a:ext uri="{FF2B5EF4-FFF2-40B4-BE49-F238E27FC236}">
-                <a16:creationId xmlns:a16="http://schemas.microsoft.com/office/drawing/2014/main" id="{D951B36D-1F6E-4DD9-8465-68F7EAD9AB3B}"/>
-              </a:ext>
-            </a:extLst>
-          </p:cNvPr>
-          <p:cNvSpPr>
-            <a:spLocks noGrp="1"/>
-          </p:cNvSpPr>
-          <p:nvPr>
-            <p:ph idx="1"/>
-          </p:nvPr>
-        </p:nvSpPr>
-        <p:spPr>
-          <a:xfrm>
-            <a:off x="1371600" y="2286000"/>
-            <a:ext cx="9455426" cy="3886200"/>
-          </a:xfrm>
-        </p:spPr>
-        <p:txBody>
-          <a:bodyPr>
-            <a:normAutofit/>
-          </a:bodyPr>
-          <a:lstStyle/>
-          <a:p>
-            <a:pPr marL="0" indent="0">
-              <a:buNone/>
-            </a:pPr>
-            <a:endParaRPr lang="pt-BR" sz="4000" dirty="0"/>
-          </a:p>
-        </p:txBody>
-      </p:sp>
-    </p:spTree>
-    <p:extLst>
-      <p:ext uri="{BB962C8B-B14F-4D97-AF65-F5344CB8AC3E}">
-        <p14:creationId xmlns:p14="http://schemas.microsoft.com/office/powerpoint/2010/main" val="273469966"/>
-      </p:ext>
-    </p:extLst>
-  </p:cSld>
-  <p:clrMapOvr>
-    <a:masterClrMapping/>
-  </p:clrMapOvr>
-  <mc:AlternateContent xmlns:mc="http://schemas.openxmlformats.org/markup-compatibility/2006" xmlns:p14="http://schemas.microsoft.com/office/powerpoint/2010/main">
-    <mc:Choice Requires="p14">
-      <p:transition spd="med" p14:dur="700">
-        <p:fade/>
-      </p:transition>
-    </mc:Choice>
-    <mc:Fallback xmlns="">
-      <p:transition spd="med">
-        <p:fade/>
-      </p:transition>
-    </mc:Fallback>
-  </mc:AlternateContent>
-</p:sld>
-</file>
-
-<file path=ppt/slides/slide26.xml><?xml version="1.0" encoding="utf-8"?>
-<p:sld xmlns:a="http://schemas.openxmlformats.org/drawingml/2006/main" xmlns:r="http://schemas.openxmlformats.org/officeDocument/2006/relationships" xmlns:p="http://schemas.openxmlformats.org/presentationml/2006/main">
-  <p:cSld>
-    <p:spTree>
-      <p:nvGrpSpPr>
-        <p:cNvPr id="1" name=""/>
-        <p:cNvGrpSpPr/>
-        <p:nvPr/>
-      </p:nvGrpSpPr>
-      <p:grpSpPr>
-        <a:xfrm>
-          <a:off x="0" y="0"/>
-          <a:ext cx="0" cy="0"/>
-          <a:chOff x="0" y="0"/>
-          <a:chExt cx="0" cy="0"/>
-        </a:xfrm>
-      </p:grpSpPr>
-      <p:sp>
-        <p:nvSpPr>
-          <p:cNvPr id="2" name="Título 1">
-            <a:extLst>
-              <a:ext uri="{FF2B5EF4-FFF2-40B4-BE49-F238E27FC236}">
-                <a16:creationId xmlns:a16="http://schemas.microsoft.com/office/drawing/2014/main" id="{D737DEE5-B6B0-477E-ADA6-F6728C1C6263}"/>
-              </a:ext>
-            </a:extLst>
-          </p:cNvPr>
-          <p:cNvSpPr>
-            <a:spLocks noGrp="1"/>
-          </p:cNvSpPr>
-          <p:nvPr>
-            <p:ph type="title"/>
-          </p:nvPr>
-        </p:nvSpPr>
-        <p:spPr>
-          <a:xfrm>
-            <a:off x="1371600" y="685800"/>
-            <a:ext cx="10025269" cy="758687"/>
-          </a:xfrm>
-        </p:spPr>
-        <p:txBody>
-          <a:bodyPr/>
-          <a:lstStyle/>
-          <a:p>
-            <a:r>
-              <a:rPr lang="pt-BR" b="1" dirty="0"/>
-              <a:t>TRABALHOS FUTUROS</a:t>
-            </a:r>
-          </a:p>
-        </p:txBody>
-      </p:sp>
-      <p:sp>
-        <p:nvSpPr>
-          <p:cNvPr id="3" name="Espaço Reservado para Conteúdo 2">
-            <a:extLst>
-              <a:ext uri="{FF2B5EF4-FFF2-40B4-BE49-F238E27FC236}">
-                <a16:creationId xmlns:a16="http://schemas.microsoft.com/office/drawing/2014/main" id="{D951B36D-1F6E-4DD9-8465-68F7EAD9AB3B}"/>
-              </a:ext>
-            </a:extLst>
-          </p:cNvPr>
-          <p:cNvSpPr>
-            <a:spLocks noGrp="1"/>
-          </p:cNvSpPr>
-          <p:nvPr>
-            <p:ph idx="1"/>
-          </p:nvPr>
-        </p:nvSpPr>
-        <p:spPr>
-          <a:xfrm>
-            <a:off x="1371600" y="2286000"/>
-            <a:ext cx="9455426" cy="3886200"/>
-          </a:xfrm>
-        </p:spPr>
-        <p:txBody>
-          <a:bodyPr>
-            <a:normAutofit/>
-          </a:bodyPr>
-          <a:lstStyle/>
-          <a:p>
-            <a:pPr marL="0" indent="0">
-              <a:buNone/>
-            </a:pPr>
-            <a:endParaRPr lang="pt-BR" sz="4000" dirty="0"/>
-          </a:p>
-        </p:txBody>
-      </p:sp>
-    </p:spTree>
-    <p:extLst>
-      <p:ext uri="{BB962C8B-B14F-4D97-AF65-F5344CB8AC3E}">
-        <p14:creationId xmlns:p14="http://schemas.microsoft.com/office/powerpoint/2010/main" val="740344653"/>
-      </p:ext>
-    </p:extLst>
-  </p:cSld>
-  <p:clrMapOvr>
-    <a:masterClrMapping/>
-  </p:clrMapOvr>
-  <mc:AlternateContent xmlns:mc="http://schemas.openxmlformats.org/markup-compatibility/2006" xmlns:p14="http://schemas.microsoft.com/office/powerpoint/2010/main">
-    <mc:Choice Requires="p14">
-      <p:transition spd="med" p14:dur="700">
-        <p:fade/>
-      </p:transition>
-    </mc:Choice>
-    <mc:Fallback xmlns="">
-      <p:transition spd="med">
-        <p:fade/>
-      </p:transition>
-    </mc:Fallback>
-  </mc:AlternateContent>
-</p:sld>
-</file>
-
-<file path=ppt/slides/slide27.xml><?xml version="1.0" encoding="utf-8"?>
-<p:sld xmlns:a="http://schemas.openxmlformats.org/drawingml/2006/main" xmlns:r="http://schemas.openxmlformats.org/officeDocument/2006/relationships" xmlns:p="http://schemas.openxmlformats.org/presentationml/2006/main">
-  <p:cSld>
-    <p:spTree>
-      <p:nvGrpSpPr>
-        <p:cNvPr id="1" name=""/>
-        <p:cNvGrpSpPr/>
-        <p:nvPr/>
-      </p:nvGrpSpPr>
-      <p:grpSpPr>
-        <a:xfrm>
-          <a:off x="0" y="0"/>
-          <a:ext cx="0" cy="0"/>
-          <a:chOff x="0" y="0"/>
-          <a:chExt cx="0" cy="0"/>
-        </a:xfrm>
-      </p:grpSpPr>
-      <p:sp>
-        <p:nvSpPr>
-          <p:cNvPr id="2" name="Título 1">
-            <a:extLst>
-              <a:ext uri="{FF2B5EF4-FFF2-40B4-BE49-F238E27FC236}">
-                <a16:creationId xmlns:a16="http://schemas.microsoft.com/office/drawing/2014/main" id="{D737DEE5-B6B0-477E-ADA6-F6728C1C6263}"/>
-              </a:ext>
-            </a:extLst>
-          </p:cNvPr>
-          <p:cNvSpPr>
-            <a:spLocks noGrp="1"/>
-          </p:cNvSpPr>
-          <p:nvPr>
-            <p:ph type="title"/>
-          </p:nvPr>
-        </p:nvSpPr>
-        <p:spPr>
-          <a:xfrm>
-            <a:off x="1371600" y="685800"/>
-            <a:ext cx="10025269" cy="758687"/>
-          </a:xfrm>
-        </p:spPr>
-        <p:txBody>
-          <a:bodyPr/>
-          <a:lstStyle/>
-          <a:p>
-            <a:r>
-              <a:rPr lang="pt-BR" b="1" dirty="0"/>
-              <a:t>REFERÊNCIAS</a:t>
-            </a:r>
-          </a:p>
-        </p:txBody>
-      </p:sp>
-      <p:sp>
-        <p:nvSpPr>
-          <p:cNvPr id="3" name="Espaço Reservado para Conteúdo 2">
-            <a:extLst>
-              <a:ext uri="{FF2B5EF4-FFF2-40B4-BE49-F238E27FC236}">
-                <a16:creationId xmlns:a16="http://schemas.microsoft.com/office/drawing/2014/main" id="{D951B36D-1F6E-4DD9-8465-68F7EAD9AB3B}"/>
-              </a:ext>
-            </a:extLst>
-          </p:cNvPr>
-          <p:cNvSpPr>
-            <a:spLocks noGrp="1"/>
-          </p:cNvSpPr>
-          <p:nvPr>
-            <p:ph idx="1"/>
-          </p:nvPr>
-        </p:nvSpPr>
-        <p:spPr>
-          <a:xfrm>
-            <a:off x="1371600" y="2286000"/>
-            <a:ext cx="9455426" cy="3886200"/>
-          </a:xfrm>
-        </p:spPr>
-        <p:txBody>
-          <a:bodyPr>
-            <a:normAutofit/>
-          </a:bodyPr>
-          <a:lstStyle/>
-          <a:p>
-            <a:pPr marL="0" indent="0">
-              <a:buNone/>
-            </a:pPr>
-            <a:r>
-              <a:rPr lang="pt-BR" dirty="0"/>
-              <a:t>CRONAPP. </a:t>
-            </a:r>
-            <a:r>
-              <a:rPr lang="pt-BR" b="1" dirty="0"/>
-              <a:t>Os maiores desafios e barreiras no desenvolvimento de softwares</a:t>
-            </a:r>
-            <a:r>
-              <a:rPr lang="pt-BR" dirty="0"/>
-              <a:t>. [</a:t>
-            </a:r>
-            <a:r>
-              <a:rPr lang="pt-BR" i="1" dirty="0"/>
-              <a:t>S. l.</a:t>
-            </a:r>
-            <a:r>
-              <a:rPr lang="pt-BR" dirty="0"/>
-              <a:t>], 9 out. 2017. Disponível em: https://www.cronapp.io/</a:t>
-            </a:r>
-            <a:r>
-              <a:rPr lang="pt-BR" dirty="0" err="1"/>
-              <a:t>pt-br</a:t>
-            </a:r>
-            <a:r>
-              <a:rPr lang="pt-BR" dirty="0"/>
-              <a:t>/os-maiores-desafios-e-barreiras-no-desenvolvimento-de-softwares/. Acesso em: 31 mar. 2019.</a:t>
-            </a:r>
-          </a:p>
-          <a:p>
-            <a:pPr marL="0" indent="0">
-              <a:buNone/>
-            </a:pPr>
-            <a:r>
-              <a:rPr lang="pt-BR" dirty="0"/>
-              <a:t>MOESCH, Beatriz; TOFFOLO, </a:t>
-            </a:r>
-            <a:r>
-              <a:rPr lang="pt-BR" dirty="0" err="1"/>
-              <a:t>Geferson</a:t>
-            </a:r>
-            <a:r>
-              <a:rPr lang="pt-BR" dirty="0"/>
-              <a:t>. </a:t>
-            </a:r>
-            <a:r>
-              <a:rPr lang="pt-BR" b="1" dirty="0"/>
-              <a:t>SISTEMA PARA GERENCIAMENTO DE PROCESSOS JURÍDICOS PARA O SAJUG</a:t>
-            </a:r>
-            <a:r>
-              <a:rPr lang="pt-BR" dirty="0"/>
-              <a:t>. Santa Catarina, 2013. Disponível em: http://revista.faifaculdades.edu.br/</a:t>
-            </a:r>
-            <a:r>
-              <a:rPr lang="pt-BR" dirty="0" err="1"/>
-              <a:t>index.php</a:t>
-            </a:r>
-            <a:r>
-              <a:rPr lang="pt-BR" dirty="0"/>
-              <a:t>/</a:t>
-            </a:r>
-            <a:r>
-              <a:rPr lang="pt-BR" dirty="0" err="1"/>
-              <a:t>conexao</a:t>
-            </a:r>
-            <a:r>
-              <a:rPr lang="pt-BR" dirty="0"/>
-              <a:t>/</a:t>
-            </a:r>
-            <a:r>
-              <a:rPr lang="pt-BR" dirty="0" err="1"/>
-              <a:t>article</a:t>
-            </a:r>
-            <a:r>
-              <a:rPr lang="pt-BR" dirty="0"/>
-              <a:t>/</a:t>
-            </a:r>
-            <a:r>
-              <a:rPr lang="pt-BR" dirty="0" err="1"/>
-              <a:t>view</a:t>
-            </a:r>
-            <a:r>
-              <a:rPr lang="pt-BR" dirty="0"/>
-              <a:t>/23/9. </a:t>
-            </a:r>
-            <a:r>
-              <a:rPr lang="en-US" dirty="0" err="1"/>
-              <a:t>Acesso</a:t>
-            </a:r>
-            <a:r>
-              <a:rPr lang="en-US" dirty="0"/>
-              <a:t> </a:t>
-            </a:r>
-            <a:r>
-              <a:rPr lang="en-US" dirty="0" err="1"/>
-              <a:t>em</a:t>
-            </a:r>
-            <a:r>
-              <a:rPr lang="en-US" dirty="0"/>
-              <a:t>: 25 mar. 2019.</a:t>
-            </a:r>
-            <a:endParaRPr lang="pt-BR" dirty="0"/>
-          </a:p>
-          <a:p>
-            <a:pPr marL="0" indent="0">
-              <a:buNone/>
-            </a:pPr>
-            <a:r>
-              <a:rPr lang="pt-BR" dirty="0"/>
-              <a:t>PROJURIS. </a:t>
-            </a:r>
-            <a:r>
-              <a:rPr lang="pt-BR" b="1" dirty="0"/>
-              <a:t>Aprenda em 1 minuto: o que é NPJ? Como funciona? Quem pode participar?</a:t>
-            </a:r>
-            <a:r>
-              <a:rPr lang="pt-BR" dirty="0"/>
-              <a:t>. [</a:t>
-            </a:r>
-            <a:r>
-              <a:rPr lang="pt-BR" i="1" dirty="0"/>
-              <a:t>S. l.</a:t>
-            </a:r>
-            <a:r>
-              <a:rPr lang="pt-BR" dirty="0"/>
-              <a:t>], [2017?]. Disponível em: https://www.projuris.com.br/como-funciona-</a:t>
-            </a:r>
-            <a:r>
-              <a:rPr lang="pt-BR" dirty="0" err="1"/>
-              <a:t>nucleo</a:t>
-            </a:r>
-            <a:r>
-              <a:rPr lang="pt-BR" dirty="0"/>
-              <a:t>-de-pratica-</a:t>
-            </a:r>
-            <a:r>
-              <a:rPr lang="pt-BR" dirty="0" err="1"/>
-              <a:t>juridica</a:t>
-            </a:r>
-            <a:r>
-              <a:rPr lang="pt-BR" dirty="0"/>
-              <a:t>-</a:t>
-            </a:r>
-            <a:r>
-              <a:rPr lang="pt-BR" dirty="0" err="1"/>
-              <a:t>npj</a:t>
-            </a:r>
-            <a:r>
-              <a:rPr lang="pt-BR" dirty="0"/>
-              <a:t>/. Acesso em: 25 mar. 2019.</a:t>
-            </a:r>
-          </a:p>
-          <a:p>
-            <a:pPr marL="0" indent="0">
-              <a:buNone/>
-            </a:pPr>
-            <a:endParaRPr lang="pt-BR" sz="4000" dirty="0"/>
-          </a:p>
-        </p:txBody>
-      </p:sp>
-    </p:spTree>
-    <p:extLst>
-      <p:ext uri="{BB962C8B-B14F-4D97-AF65-F5344CB8AC3E}">
-        <p14:creationId xmlns:p14="http://schemas.microsoft.com/office/powerpoint/2010/main" val="1533938094"/>
-      </p:ext>
-    </p:extLst>
-  </p:cSld>
-  <p:clrMapOvr>
-    <a:masterClrMapping/>
-  </p:clrMapOvr>
-  <mc:AlternateContent xmlns:mc="http://schemas.openxmlformats.org/markup-compatibility/2006" xmlns:p14="http://schemas.microsoft.com/office/powerpoint/2010/main">
-    <mc:Choice Requires="p14">
-      <p:transition spd="med" p14:dur="700">
-        <p:fade/>
-      </p:transition>
-    </mc:Choice>
-    <mc:Fallback xmlns="">
-      <p:transition spd="med">
-        <p:fade/>
-      </p:transition>
-    </mc:Fallback>
-  </mc:AlternateContent>
-</p:sld>
-</file>
-
-<file path=ppt/slides/slide28.xml><?xml version="1.0" encoding="utf-8"?>
-<p:sld xmlns:a="http://schemas.openxmlformats.org/drawingml/2006/main" xmlns:r="http://schemas.openxmlformats.org/officeDocument/2006/relationships" xmlns:p="http://schemas.openxmlformats.org/presentationml/2006/main">
-  <p:cSld>
-    <p:spTree>
-      <p:nvGrpSpPr>
-        <p:cNvPr id="1" name=""/>
-        <p:cNvGrpSpPr/>
-        <p:nvPr/>
-      </p:nvGrpSpPr>
-      <p:grpSpPr>
-        <a:xfrm>
-          <a:off x="0" y="0"/>
-          <a:ext cx="0" cy="0"/>
-          <a:chOff x="0" y="0"/>
-          <a:chExt cx="0" cy="0"/>
-        </a:xfrm>
-      </p:grpSpPr>
-      <p:sp>
-        <p:nvSpPr>
-          <p:cNvPr id="2" name="Título 1">
-            <a:extLst>
-              <a:ext uri="{FF2B5EF4-FFF2-40B4-BE49-F238E27FC236}">
-                <a16:creationId xmlns:a16="http://schemas.microsoft.com/office/drawing/2014/main" id="{D737DEE5-B6B0-477E-ADA6-F6728C1C6263}"/>
-              </a:ext>
-            </a:extLst>
-          </p:cNvPr>
-          <p:cNvSpPr>
-            <a:spLocks noGrp="1"/>
-          </p:cNvSpPr>
-          <p:nvPr>
-            <p:ph type="title"/>
-          </p:nvPr>
-        </p:nvSpPr>
-        <p:spPr>
-          <a:xfrm>
-            <a:off x="1371600" y="685800"/>
-            <a:ext cx="10025269" cy="758687"/>
-          </a:xfrm>
-        </p:spPr>
-        <p:txBody>
-          <a:bodyPr/>
-          <a:lstStyle/>
-          <a:p>
-            <a:r>
-              <a:rPr lang="pt-BR" b="1" dirty="0"/>
-              <a:t>REFERÊNCIAS</a:t>
-            </a:r>
-          </a:p>
-        </p:txBody>
-      </p:sp>
-      <p:sp>
-        <p:nvSpPr>
-          <p:cNvPr id="3" name="Espaço Reservado para Conteúdo 2">
-            <a:extLst>
-              <a:ext uri="{FF2B5EF4-FFF2-40B4-BE49-F238E27FC236}">
-                <a16:creationId xmlns:a16="http://schemas.microsoft.com/office/drawing/2014/main" id="{D951B36D-1F6E-4DD9-8465-68F7EAD9AB3B}"/>
-              </a:ext>
-            </a:extLst>
-          </p:cNvPr>
-          <p:cNvSpPr>
-            <a:spLocks noGrp="1"/>
-          </p:cNvSpPr>
-          <p:nvPr>
-            <p:ph idx="1"/>
-          </p:nvPr>
-        </p:nvSpPr>
-        <p:spPr>
-          <a:xfrm>
-            <a:off x="1371600" y="2286000"/>
-            <a:ext cx="9455426" cy="3886200"/>
-          </a:xfrm>
-        </p:spPr>
-        <p:txBody>
-          <a:bodyPr>
-            <a:normAutofit lnSpcReduction="10000"/>
-          </a:bodyPr>
-          <a:lstStyle/>
-          <a:p>
-            <a:pPr marL="0" indent="0">
-              <a:buNone/>
-            </a:pPr>
-            <a:r>
-              <a:rPr lang="pt-BR" dirty="0"/>
-              <a:t>PROJURIS. </a:t>
-            </a:r>
-            <a:r>
-              <a:rPr lang="pt-BR" b="1" dirty="0"/>
-              <a:t>“Com </a:t>
-            </a:r>
-            <a:r>
-              <a:rPr lang="pt-BR" b="1" dirty="0" err="1"/>
-              <a:t>ProJuris</a:t>
-            </a:r>
-            <a:r>
-              <a:rPr lang="pt-BR" b="1" dirty="0"/>
-              <a:t>, acabamos com a necessidade de alimentar planilhas em Excel, relatórios e agenda física”</a:t>
-            </a:r>
-            <a:r>
-              <a:rPr lang="pt-BR" dirty="0"/>
-              <a:t>. [</a:t>
-            </a:r>
-            <a:r>
-              <a:rPr lang="pt-BR" i="1" dirty="0"/>
-              <a:t>S. l.</a:t>
-            </a:r>
-            <a:r>
-              <a:rPr lang="pt-BR" dirty="0"/>
-              <a:t>], [2016?]. Disponível em: https://www.projuris.com.br/case-software-</a:t>
-            </a:r>
-            <a:r>
-              <a:rPr lang="pt-BR" dirty="0" err="1"/>
-              <a:t>juridico</a:t>
-            </a:r>
-            <a:r>
-              <a:rPr lang="pt-BR" dirty="0"/>
-              <a:t>-</a:t>
-            </a:r>
-            <a:r>
-              <a:rPr lang="pt-BR" dirty="0" err="1"/>
-              <a:t>projuris</a:t>
-            </a:r>
-            <a:r>
-              <a:rPr lang="pt-BR" dirty="0"/>
-              <a:t>-paul-</a:t>
-            </a:r>
-            <a:r>
-              <a:rPr lang="pt-BR" dirty="0" err="1"/>
-              <a:t>gouveia</a:t>
-            </a:r>
-            <a:r>
-              <a:rPr lang="pt-BR" dirty="0"/>
-              <a:t>-horta-advogados/. Acesso em: 25 mar. 2019.</a:t>
-            </a:r>
-          </a:p>
-          <a:p>
-            <a:pPr marL="0" indent="0">
-              <a:buNone/>
-            </a:pPr>
-            <a:r>
-              <a:rPr lang="pt-BR" dirty="0"/>
-              <a:t>PUCPR. </a:t>
-            </a:r>
-            <a:r>
-              <a:rPr lang="pt-BR" b="1" dirty="0"/>
-              <a:t>Núcleo de Prática Jurídica</a:t>
-            </a:r>
-            <a:r>
-              <a:rPr lang="pt-BR" dirty="0"/>
-              <a:t>. [</a:t>
-            </a:r>
-            <a:r>
-              <a:rPr lang="pt-BR" i="1" dirty="0"/>
-              <a:t>S. l.</a:t>
-            </a:r>
-            <a:r>
-              <a:rPr lang="pt-BR" dirty="0"/>
-              <a:t>], [20--?]. Disponível em: https://www.pucpr.br/escola-de-direito/</a:t>
-            </a:r>
-            <a:r>
-              <a:rPr lang="pt-BR" dirty="0" err="1"/>
-              <a:t>nucleo</a:t>
-            </a:r>
-            <a:r>
-              <a:rPr lang="pt-BR" dirty="0"/>
-              <a:t>-de-pratica-</a:t>
-            </a:r>
-            <a:r>
-              <a:rPr lang="pt-BR" dirty="0" err="1"/>
-              <a:t>juridica</a:t>
-            </a:r>
-            <a:r>
-              <a:rPr lang="pt-BR" dirty="0"/>
-              <a:t>/. Acesso em: 25 mar. 2019.</a:t>
-            </a:r>
-          </a:p>
-          <a:p>
-            <a:pPr marL="0" indent="0">
-              <a:buNone/>
-            </a:pPr>
-            <a:r>
-              <a:rPr lang="pt-BR" dirty="0"/>
-              <a:t>SAJ ADV. </a:t>
-            </a:r>
-            <a:r>
-              <a:rPr lang="pt-BR" b="1" dirty="0"/>
-              <a:t>SAJ ADV</a:t>
-            </a:r>
-            <a:r>
-              <a:rPr lang="pt-BR" dirty="0"/>
-              <a:t>. Santa Catarina, [2018?]. Disponível em: https://www.sajadv.com.br/. Acesso em: 25 mar. 2019.</a:t>
-            </a:r>
-          </a:p>
-          <a:p>
-            <a:pPr marL="0" indent="0">
-              <a:buNone/>
-            </a:pPr>
-            <a:r>
-              <a:rPr lang="pt-BR" dirty="0"/>
-              <a:t>UP. </a:t>
-            </a:r>
-            <a:r>
-              <a:rPr lang="pt-BR" b="1" dirty="0"/>
-              <a:t>Núcleo de Prática Jurídica (NPJ)</a:t>
-            </a:r>
-            <a:r>
-              <a:rPr lang="pt-BR" dirty="0"/>
-              <a:t>. Paraná, [2018?]. Disponível em: https://www.up.edu.br/londrina/</a:t>
-            </a:r>
-            <a:r>
-              <a:rPr lang="pt-BR" dirty="0" err="1"/>
-              <a:t>nucleo</a:t>
-            </a:r>
-            <a:r>
-              <a:rPr lang="pt-BR" dirty="0"/>
-              <a:t>-de-pratica-</a:t>
-            </a:r>
-            <a:r>
-              <a:rPr lang="pt-BR" dirty="0" err="1"/>
-              <a:t>juridica</a:t>
-            </a:r>
-            <a:r>
-              <a:rPr lang="pt-BR" dirty="0"/>
-              <a:t>--</a:t>
-            </a:r>
-            <a:r>
-              <a:rPr lang="pt-BR" dirty="0" err="1"/>
-              <a:t>npj</a:t>
-            </a:r>
-            <a:r>
-              <a:rPr lang="pt-BR" dirty="0"/>
-              <a:t>-. Acesso em: 25 mar. 2019.</a:t>
-            </a:r>
-          </a:p>
-          <a:p>
-            <a:pPr marL="0" indent="0">
-              <a:buNone/>
-            </a:pPr>
-            <a:endParaRPr lang="pt-BR" sz="4000" dirty="0"/>
-          </a:p>
-        </p:txBody>
-      </p:sp>
-    </p:spTree>
-    <p:extLst>
-      <p:ext uri="{BB962C8B-B14F-4D97-AF65-F5344CB8AC3E}">
-        <p14:creationId xmlns:p14="http://schemas.microsoft.com/office/powerpoint/2010/main" val="3711201019"/>
-      </p:ext>
-    </p:extLst>
-  </p:cSld>
-  <p:clrMapOvr>
-    <a:masterClrMapping/>
-  </p:clrMapOvr>
-  <mc:AlternateContent xmlns:mc="http://schemas.openxmlformats.org/markup-compatibility/2006" xmlns:p14="http://schemas.microsoft.com/office/powerpoint/2010/main">
-    <mc:Choice Requires="p14">
-      <p:transition spd="med" p14:dur="700">
-        <p:fade/>
-      </p:transition>
-    </mc:Choice>
-    <mc:Fallback xmlns="">
-      <p:transition spd="med">
-        <p:fade/>
-      </p:transition>
-    </mc:Fallback>
-  </mc:AlternateContent>
-</p:sld>
-</file>
-
 <file path=ppt/slides/slide3.xml><?xml version="1.0" encoding="utf-8"?>
 <p:sld xmlns:a="http://schemas.openxmlformats.org/drawingml/2006/main" xmlns:r="http://schemas.openxmlformats.org/officeDocument/2006/relationships" xmlns:p="http://schemas.openxmlformats.org/presentationml/2006/main">
   <p:cSld>
@@ -7276,18 +4845,9 @@
   <p:clrMapOvr>
     <a:masterClrMapping/>
   </p:clrMapOvr>
-  <mc:AlternateContent xmlns:mc="http://schemas.openxmlformats.org/markup-compatibility/2006" xmlns:p14="http://schemas.microsoft.com/office/powerpoint/2010/main">
-    <mc:Choice Requires="p14">
-      <p:transition spd="med" p14:dur="700">
-        <p:fade/>
-      </p:transition>
-    </mc:Choice>
-    <mc:Fallback xmlns="">
-      <p:transition spd="med">
-        <p:fade/>
-      </p:transition>
-    </mc:Fallback>
-  </mc:AlternateContent>
+  <p:transition>
+    <p:fade/>
+  </p:transition>
 </p:sld>
 </file>
 
@@ -7395,18 +4955,9 @@
   <p:clrMapOvr>
     <a:masterClrMapping/>
   </p:clrMapOvr>
-  <mc:AlternateContent xmlns:mc="http://schemas.openxmlformats.org/markup-compatibility/2006" xmlns:p14="http://schemas.microsoft.com/office/powerpoint/2010/main">
-    <mc:Choice Requires="p14">
-      <p:transition spd="med" p14:dur="700">
-        <p:fade/>
-      </p:transition>
-    </mc:Choice>
-    <mc:Fallback xmlns="">
-      <p:transition spd="med">
-        <p:fade/>
-      </p:transition>
-    </mc:Fallback>
-  </mc:AlternateContent>
+  <p:transition>
+    <p:fade/>
+  </p:transition>
 </p:sld>
 </file>
 
@@ -7521,18 +5072,9 @@
   <p:clrMapOvr>
     <a:masterClrMapping/>
   </p:clrMapOvr>
-  <mc:AlternateContent xmlns:mc="http://schemas.openxmlformats.org/markup-compatibility/2006" xmlns:p14="http://schemas.microsoft.com/office/powerpoint/2010/main">
-    <mc:Choice Requires="p14">
-      <p:transition spd="med" p14:dur="700">
-        <p:fade/>
-      </p:transition>
-    </mc:Choice>
-    <mc:Fallback xmlns="">
-      <p:transition spd="med">
-        <p:fade/>
-      </p:transition>
-    </mc:Fallback>
-  </mc:AlternateContent>
+  <p:transition>
+    <p:fade/>
+  </p:transition>
 </p:sld>
 </file>
 
@@ -7663,18 +5205,6 @@
   <p:clrMapOvr>
     <a:masterClrMapping/>
   </p:clrMapOvr>
-  <mc:AlternateContent xmlns:mc="http://schemas.openxmlformats.org/markup-compatibility/2006" xmlns:p14="http://schemas.microsoft.com/office/powerpoint/2010/main">
-    <mc:Choice Requires="p14">
-      <p:transition spd="med" p14:dur="700">
-        <p:fade/>
-      </p:transition>
-    </mc:Choice>
-    <mc:Fallback xmlns="">
-      <p:transition spd="med">
-        <p:fade/>
-      </p:transition>
-    </mc:Fallback>
-  </mc:AlternateContent>
 </p:sld>
 </file>
 
@@ -7714,7 +5244,7 @@
         <p:spPr>
           <a:xfrm>
             <a:off x="1371599" y="685800"/>
-            <a:ext cx="10025269" cy="1485900"/>
+            <a:ext cx="10025269" cy="758687"/>
           </a:xfrm>
         </p:spPr>
         <p:txBody>
@@ -7723,7 +5253,7 @@
           <a:p>
             <a:r>
               <a:rPr lang="pt-BR" b="1" dirty="0"/>
-              <a:t>O AUXÍLIO NA ORGANIZAÇÃO DOS DADOS</a:t>
+              <a:t>DESENVOLVIMENTO</a:t>
             </a:r>
           </a:p>
         </p:txBody>
@@ -7756,38 +5286,17 @@
           </a:bodyPr>
           <a:lstStyle/>
           <a:p>
-            <a:r>
-              <a:rPr lang="pt-BR" sz="4000" dirty="0"/>
-              <a:t>UM LOCAL OU MÉTODO MAIS PRÁTICO;</a:t>
-            </a:r>
-          </a:p>
-          <a:p>
-            <a:pPr lvl="1"/>
-            <a:r>
-              <a:rPr lang="pt-BR" sz="4000" dirty="0"/>
-              <a:t>Avisos;</a:t>
-            </a:r>
-          </a:p>
-          <a:p>
-            <a:pPr lvl="1"/>
-            <a:r>
-              <a:rPr lang="pt-BR" sz="4000" dirty="0"/>
-              <a:t>Períodos de alteração de registros dos usuários;</a:t>
-            </a:r>
-          </a:p>
-          <a:p>
-            <a:pPr lvl="1"/>
-            <a:r>
-              <a:rPr lang="pt-BR" sz="4000" dirty="0"/>
-              <a:t>Organização dos contextos;</a:t>
-            </a:r>
+            <a:pPr marL="0" indent="0">
+              <a:buNone/>
+            </a:pPr>
+            <a:endParaRPr lang="pt-BR" sz="4000" dirty="0"/>
           </a:p>
         </p:txBody>
       </p:sp>
     </p:spTree>
     <p:extLst>
       <p:ext uri="{BB962C8B-B14F-4D97-AF65-F5344CB8AC3E}">
-        <p14:creationId xmlns:p14="http://schemas.microsoft.com/office/powerpoint/2010/main" val="1850422462"/>
+        <p14:creationId xmlns:p14="http://schemas.microsoft.com/office/powerpoint/2010/main" val="2200792357"/>
       </p:ext>
     </p:extLst>
   </p:cSld>
@@ -7832,7 +5341,7 @@
         </p:nvSpPr>
         <p:spPr>
           <a:xfrm>
-            <a:off x="1371599" y="685800"/>
+            <a:off x="1371600" y="685800"/>
             <a:ext cx="10025269" cy="758687"/>
           </a:xfrm>
         </p:spPr>
@@ -7842,7 +5351,7 @@
           <a:p>
             <a:r>
               <a:rPr lang="pt-BR" b="1" dirty="0"/>
-              <a:t>DESENVOLVIMENTO</a:t>
+              <a:t>CONCLUSÃO</a:t>
             </a:r>
           </a:p>
         </p:txBody>
@@ -7875,17 +5384,17 @@
           </a:bodyPr>
           <a:lstStyle/>
           <a:p>
-            <a:pPr marL="0" indent="0">
-              <a:buNone/>
-            </a:pPr>
-            <a:endParaRPr lang="pt-BR" sz="4000" dirty="0"/>
+            <a:r>
+              <a:rPr lang="pt-BR" sz="4000" dirty="0"/>
+              <a:t>Considerações finais.</a:t>
+            </a:r>
           </a:p>
         </p:txBody>
       </p:sp>
     </p:spTree>
     <p:extLst>
       <p:ext uri="{BB962C8B-B14F-4D97-AF65-F5344CB8AC3E}">
-        <p14:creationId xmlns:p14="http://schemas.microsoft.com/office/powerpoint/2010/main" val="2200792357"/>
+        <p14:creationId xmlns:p14="http://schemas.microsoft.com/office/powerpoint/2010/main" val="273469966"/>
       </p:ext>
     </p:extLst>
   </p:cSld>
